--- a/tutorial-11-interoperability.pptx
+++ b/tutorial-11-interoperability.pptx
@@ -206,7 +206,7 @@
           <a:p>
             <a:fld id="{775CE290-E0F5-444C-B849-A8F17CD4104C}" type="datetimeFigureOut">
               <a:rPr lang="en-US" smtClean="0"/>
-              <a:t>9/8/14</a:t>
+              <a:t>9/9/14</a:t>
             </a:fld>
             <a:endParaRPr lang="en-US"/>
           </a:p>
@@ -372,7 +372,7 @@
           <a:p>
             <a:fld id="{AD53A24C-4135-094C-957B-35852E7EDFA4}" type="datetimeFigureOut">
               <a:rPr lang="en-US" smtClean="0"/>
-              <a:t>9/8/14</a:t>
+              <a:t>9/9/14</a:t>
             </a:fld>
             <a:endParaRPr lang="en-US"/>
           </a:p>
@@ -833,7 +833,7 @@
           <a:p>
             <a:fld id="{B594EA25-E4F4-3746-A0BA-A11E27330E0F}" type="datetime2">
               <a:rPr lang="en-US" smtClean="0"/>
-              <a:t>Monday, September 8, 14</a:t>
+              <a:t>Tuesday, September 9, 14</a:t>
             </a:fld>
             <a:endParaRPr lang="en-US"/>
           </a:p>
@@ -1136,7 +1136,7 @@
                 <a:latin typeface="Times New Roman"/>
                 <a:cs typeface="Times New Roman"/>
               </a:rPr>
-              <a:t>September 8, 2014</a:t>
+              <a:t>September 9, 2014</a:t>
             </a:fld>
             <a:endParaRPr lang="en-US" dirty="0">
               <a:latin typeface="Times New Roman"/>
@@ -1423,7 +1423,7 @@
           <a:p>
             <a:fld id="{EA699BF9-66CB-F244-8E74-7B1BE1C77046}" type="datetime2">
               <a:rPr lang="en-US" smtClean="0"/>
-              <a:t>Monday, September 8, 14</a:t>
+              <a:t>Tuesday, September 9, 14</a:t>
             </a:fld>
             <a:endParaRPr lang="en-US"/>
           </a:p>
@@ -1734,7 +1734,7 @@
           <a:p>
             <a:fld id="{D300BE84-9843-8B4F-B3C8-647B06AC46C9}" type="datetime2">
               <a:rPr lang="en-US" smtClean="0"/>
-              <a:t>Monday, September 8, 14</a:t>
+              <a:t>Tuesday, September 9, 14</a:t>
             </a:fld>
             <a:endParaRPr lang="en-US"/>
           </a:p>
@@ -1905,7 +1905,7 @@
           <a:p>
             <a:fld id="{C460AE39-2092-A945-8296-F25085B9A0F1}" type="datetime2">
               <a:rPr lang="en-US" smtClean="0"/>
-              <a:t>Monday, September 8, 14</a:t>
+              <a:t>Tuesday, September 9, 14</a:t>
             </a:fld>
             <a:endParaRPr lang="en-US"/>
           </a:p>
@@ -2086,7 +2086,7 @@
           <a:p>
             <a:fld id="{63BC7E9D-3218-5E49-A867-E087AB2F4618}" type="datetime2">
               <a:rPr lang="en-US" smtClean="0"/>
-              <a:t>Monday, September 8, 14</a:t>
+              <a:t>Tuesday, September 9, 14</a:t>
             </a:fld>
             <a:endParaRPr lang="en-US"/>
           </a:p>
@@ -2257,7 +2257,7 @@
           <a:p>
             <a:fld id="{34621E95-60A9-FF44-9869-513D9D7A859F}" type="datetime2">
               <a:rPr lang="en-US" smtClean="0"/>
-              <a:t>Monday, September 8, 14</a:t>
+              <a:t>Tuesday, September 9, 14</a:t>
             </a:fld>
             <a:endParaRPr lang="en-US"/>
           </a:p>
@@ -2376,7 +2376,7 @@
           <a:p>
             <a:fld id="{BD5AFB16-13FE-DF4A-8CB7-09756A57B2EA}" type="datetime2">
               <a:rPr lang="en-US" smtClean="0"/>
-              <a:t>Monday, September 8, 14</a:t>
+              <a:t>Tuesday, September 9, 14</a:t>
             </a:fld>
             <a:endParaRPr lang="en-US" dirty="0"/>
           </a:p>
@@ -2863,7 +2863,7 @@
           <a:p>
             <a:fld id="{1BDEC705-8EA9-6C46-8E3B-2CAC7E2C0F7D}" type="datetime2">
               <a:rPr lang="en-US" smtClean="0"/>
-              <a:t>Monday, September 8, 14</a:t>
+              <a:t>Tuesday, September 9, 14</a:t>
             </a:fld>
             <a:endParaRPr lang="en-US"/>
           </a:p>
@@ -3194,7 +3194,7 @@
           <a:p>
             <a:fld id="{BF613BD3-C5FD-9543-B738-679BF38D8C83}" type="datetime2">
               <a:rPr lang="en-US" smtClean="0"/>
-              <a:t>Monday, September 8, 14</a:t>
+              <a:t>Tuesday, September 9, 14</a:t>
             </a:fld>
             <a:endParaRPr lang="en-US" dirty="0"/>
           </a:p>
@@ -3673,7 +3673,7 @@
           <a:p>
             <a:fld id="{4B5E4F0C-9A9C-5448-99FD-D30288B385C9}" type="datetime2">
               <a:rPr lang="en-US" smtClean="0"/>
-              <a:t>Monday, September 8, 14</a:t>
+              <a:t>Tuesday, September 9, 14</a:t>
             </a:fld>
             <a:endParaRPr lang="en-US"/>
           </a:p>
@@ -3969,7 +3969,7 @@
           <a:p>
             <a:fld id="{30545249-FD76-6844-B252-CAB05FC2DAA8}" type="datetime2">
               <a:rPr lang="en-US" smtClean="0"/>
-              <a:t>Monday, September 8, 14</a:t>
+              <a:t>Tuesday, September 9, 14</a:t>
             </a:fld>
             <a:endParaRPr lang="en-US" dirty="0"/>
           </a:p>
@@ -4213,7 +4213,7 @@
           <a:p>
             <a:fld id="{CC859171-EEDD-0B48-A5C0-E7218AE20EA7}" type="datetime2">
               <a:rPr lang="en-US" smtClean="0"/>
-              <a:t>Monday, September 8, 14</a:t>
+              <a:t>Tuesday, September 9, 14</a:t>
             </a:fld>
             <a:endParaRPr lang="en-US"/>
           </a:p>
@@ -4309,7 +4309,7 @@
           <a:p>
             <a:fld id="{C32F9216-0342-7440-9504-BD6C1382BF27}" type="datetime2">
               <a:rPr lang="en-US" smtClean="0"/>
-              <a:t>Monday, September 8, 14</a:t>
+              <a:t>Tuesday, September 9, 14</a:t>
             </a:fld>
             <a:endParaRPr lang="en-US"/>
           </a:p>
@@ -4580,7 +4580,7 @@
           <a:p>
             <a:fld id="{D36DC8F2-AD63-E841-8C23-5DC3A41041BE}" type="datetime2">
               <a:rPr lang="en-US" smtClean="0"/>
-              <a:t>Monday, September 8, 14</a:t>
+              <a:t>Tuesday, September 9, 14</a:t>
             </a:fld>
             <a:endParaRPr lang="en-US" dirty="0"/>
           </a:p>
@@ -5299,7 +5299,7 @@
           <a:p>
             <a:fld id="{7DCE861A-EA6B-EA43-8AA5-DB216DBB40BC}" type="datetime2">
               <a:rPr lang="en-US" smtClean="0"/>
-              <a:t>Monday, September 8, 14</a:t>
+              <a:t>Tuesday, September 9, 14</a:t>
             </a:fld>
             <a:endParaRPr lang="en-US"/>
           </a:p>
@@ -5575,29 +5575,81 @@
             </a:r>
             <a:r>
               <a:rPr lang="en-US" dirty="0"/>
-              <a:t>* compilers ./build AMPI net-linux-x86 64 –with-production –enable-tracing -j8 </a:t>
-            </a:r>
-            <a:r>
-              <a:rPr lang="en-US" dirty="0" err="1"/>
+              <a:t>* compilers </a:t>
+            </a:r>
+            <a:r>
+              <a:rPr lang="en-US" dirty="0" smtClean="0"/>
+              <a:t/>
+            </a:r>
+            <a:br>
+              <a:rPr lang="en-US" dirty="0" smtClean="0"/>
+            </a:br>
+            <a:r>
+              <a:rPr lang="en-US" dirty="0" smtClean="0"/>
+              <a:t/>
+            </a:r>
+            <a:br>
+              <a:rPr lang="en-US" dirty="0" smtClean="0"/>
+            </a:br>
+            <a:r>
+              <a:rPr lang="en-US" sz="2200" dirty="0" smtClean="0"/>
+              <a:t>.</a:t>
+            </a:r>
+            <a:r>
+              <a:rPr lang="en-US" sz="2200" dirty="0"/>
+              <a:t>/build AMPI net-linux-</a:t>
+            </a:r>
+            <a:r>
+              <a:rPr lang="en-US" sz="2200" dirty="0" smtClean="0"/>
+              <a:t>x86_64 --with</a:t>
+            </a:r>
+            <a:r>
+              <a:rPr lang="en-US" sz="2200" dirty="0"/>
+              <a:t>-production </a:t>
+            </a:r>
+            <a:r>
+              <a:rPr lang="en-US" sz="2200" dirty="0" smtClean="0"/>
+              <a:t>--enable</a:t>
+            </a:r>
+            <a:r>
+              <a:rPr lang="en-US" sz="2200" dirty="0"/>
+              <a:t>-tracing -j8 </a:t>
+            </a:r>
+            <a:r>
+              <a:rPr lang="en-US" sz="2200" dirty="0" smtClean="0"/>
+              <a:t/>
+            </a:r>
+            <a:br>
+              <a:rPr lang="en-US" sz="2200" dirty="0" smtClean="0"/>
+            </a:br>
+            <a:r>
+              <a:rPr lang="en-US" sz="2200" dirty="0" smtClean="0"/>
+              <a:t/>
+            </a:r>
+            <a:br>
+              <a:rPr lang="en-US" sz="2200" dirty="0" smtClean="0"/>
+            </a:br>
+            <a:r>
+              <a:rPr lang="en-US" sz="2200" dirty="0" err="1" smtClean="0"/>
               <a:t>ampiCC</a:t>
             </a:r>
             <a:r>
-              <a:rPr lang="en-US" dirty="0"/>
+              <a:rPr lang="en-US" sz="2200" dirty="0" smtClean="0"/>
               <a:t> </a:t>
             </a:r>
             <a:r>
-              <a:rPr lang="en-US" dirty="0" err="1"/>
+              <a:rPr lang="en-US" sz="2200" dirty="0" err="1"/>
               <a:t>myAMPIpgm.C</a:t>
             </a:r>
             <a:r>
-              <a:rPr lang="en-US" dirty="0"/>
+              <a:rPr lang="en-US" sz="2200" dirty="0"/>
               <a:t> -o </a:t>
             </a:r>
             <a:r>
-              <a:rPr lang="en-US" dirty="0" err="1"/>
+              <a:rPr lang="en-US" sz="2200" dirty="0" err="1"/>
               <a:t>myAMPIpgm</a:t>
             </a:r>
-            <a:endParaRPr lang="en-US" dirty="0"/>
+            <a:endParaRPr lang="en-US" sz="2200" dirty="0"/>
           </a:p>
         </p:txBody>
       </p:sp>
@@ -5618,7 +5670,7 @@
           <a:p>
             <a:fld id="{34621E95-60A9-FF44-9869-513D9D7A859F}" type="datetime2">
               <a:rPr lang="en-US" smtClean="0"/>
-              <a:t>Monday, September 8, 14</a:t>
+              <a:t>Tuesday, September 9, 14</a:t>
             </a:fld>
             <a:endParaRPr lang="en-US"/>
           </a:p>
@@ -5682,6 +5734,13 @@
   <p:clrMapOvr>
     <a:masterClrMapping/>
   </p:clrMapOvr>
+  <p:timing>
+    <p:tnLst>
+      <p:par>
+        <p:cTn xmlns:p14="http://schemas.microsoft.com/office/powerpoint/2010/main" id="1" dur="indefinite" restart="never" nodeType="tmRoot"/>
+      </p:par>
+    </p:tnLst>
+  </p:timing>
 </p:sld>
 </file>
 
@@ -5804,7 +5863,7 @@
           <a:p>
             <a:fld id="{34621E95-60A9-FF44-9869-513D9D7A859F}" type="datetime2">
               <a:rPr lang="en-US" smtClean="0"/>
-              <a:t>Monday, September 8, 14</a:t>
+              <a:t>Tuesday, September 9, 14</a:t>
             </a:fld>
             <a:endParaRPr lang="en-US"/>
           </a:p>
@@ -5868,6 +5927,13 @@
   <p:clrMapOvr>
     <a:masterClrMapping/>
   </p:clrMapOvr>
+  <p:timing>
+    <p:tnLst>
+      <p:par>
+        <p:cTn xmlns:p14="http://schemas.microsoft.com/office/powerpoint/2010/main" id="1" dur="indefinite" restart="never" nodeType="tmRoot"/>
+      </p:par>
+    </p:tnLst>
+  </p:timing>
 </p:sld>
 </file>
 
@@ -5936,7 +6002,7 @@
           <a:p>
             <a:fld id="{34621E95-60A9-FF44-9869-513D9D7A859F}" type="datetime2">
               <a:rPr lang="en-US" smtClean="0"/>
-              <a:t>Monday, September 8, 14</a:t>
+              <a:t>Tuesday, September 9, 14</a:t>
             </a:fld>
             <a:endParaRPr lang="en-US"/>
           </a:p>
@@ -6272,7 +6338,7 @@
           <a:p>
             <a:fld id="{BD5AFB16-13FE-DF4A-8CB7-09756A57B2EA}" type="datetime2">
               <a:rPr lang="en-US" smtClean="0"/>
-              <a:t>Monday, September 8, 14</a:t>
+              <a:t>Tuesday, September 9, 14</a:t>
             </a:fld>
             <a:endParaRPr lang="en-US" dirty="0"/>
           </a:p>
@@ -6586,9 +6652,10 @@
               <a:buNone/>
             </a:pPr>
             <a:r>
-              <a:rPr lang="en-US" b="1" dirty="0"/>
+              <a:rPr lang="en-US" b="1" dirty="0" smtClean="0"/>
               <a:t>else</a:t>
             </a:r>
+            <a:endParaRPr lang="en-US" b="1" dirty="0"/>
           </a:p>
           <a:p>
             <a:pPr marL="0" indent="0">
@@ -6596,7 +6663,11 @@
             </a:pPr>
             <a:r>
               <a:rPr lang="en-US" i="1" dirty="0" smtClean="0"/>
-              <a:t>//do MPI work on other set</a:t>
+              <a:t>   /</a:t>
+            </a:r>
+            <a:r>
+              <a:rPr lang="en-US" i="1" dirty="0" smtClean="0"/>
+              <a:t>/do MPI work on other set</a:t>
             </a:r>
             <a:endParaRPr lang="en-US" i="1" dirty="0"/>
           </a:p>
@@ -6670,6 +6741,13 @@
   <p:clrMapOvr>
     <a:masterClrMapping/>
   </p:clrMapOvr>
+  <p:timing>
+    <p:tnLst>
+      <p:par>
+        <p:cTn xmlns:p14="http://schemas.microsoft.com/office/powerpoint/2010/main" id="1" dur="indefinite" restart="never" nodeType="tmRoot"/>
+      </p:par>
+    </p:tnLst>
+  </p:timing>
 </p:sld>
 </file>
 
@@ -6707,7 +6785,11 @@
           </a:bodyPr>
           <a:lstStyle/>
           <a:p>
-            <a:endParaRPr lang="en-US"/>
+            <a:r>
+              <a:rPr lang="en-US" dirty="0" smtClean="0"/>
+              <a:t>Enabling Interoperability</a:t>
+            </a:r>
+            <a:endParaRPr lang="en-US" dirty="0"/>
           </a:p>
         </p:txBody>
       </p:sp>
@@ -6728,7 +6810,7 @@
           <a:p>
             <a:fld id="{BD5AFB16-13FE-DF4A-8CB7-09756A57B2EA}" type="datetime2">
               <a:rPr lang="en-US" smtClean="0"/>
-              <a:t>Monday, September 8, 14</a:t>
+              <a:t>Tuesday, September 9, 14</a:t>
             </a:fld>
             <a:endParaRPr lang="en-US" dirty="0"/>
           </a:p>

--- a/tutorial-11-interoperability.pptx
+++ b/tutorial-11-interoperability.pptx
@@ -2,7 +2,7 @@
 <file path=ppt/presentation.xml><?xml version="1.0" encoding="utf-8"?>
 <p:presentation xmlns:a="http://schemas.openxmlformats.org/drawingml/2006/main" xmlns:r="http://schemas.openxmlformats.org/officeDocument/2006/relationships" xmlns:p="http://schemas.openxmlformats.org/presentationml/2006/main" showSpecialPlsOnTitleSld="0" saveSubsetFonts="1">
   <p:sldMasterIdLst>
-    <p:sldMasterId id="2147483960" r:id="rId1"/>
+    <p:sldMasterId id="2147483974" r:id="rId1"/>
   </p:sldMasterIdLst>
   <p:notesMasterIdLst>
     <p:notesMasterId r:id="rId8"/>
@@ -206,7 +206,7 @@
           <a:p>
             <a:fld id="{775CE290-E0F5-444C-B849-A8F17CD4104C}" type="datetimeFigureOut">
               <a:rPr lang="en-US" smtClean="0"/>
-              <a:t>9/9/14</a:t>
+              <a:t>9/10/14</a:t>
             </a:fld>
             <a:endParaRPr lang="en-US"/>
           </a:p>
@@ -372,7 +372,7 @@
           <a:p>
             <a:fld id="{AD53A24C-4135-094C-957B-35852E7EDFA4}" type="datetimeFigureOut">
               <a:rPr lang="en-US" smtClean="0"/>
-              <a:t>9/9/14</a:t>
+              <a:t>9/10/14</a:t>
             </a:fld>
             <a:endParaRPr lang="en-US"/>
           </a:p>
@@ -642,7 +642,7 @@
 </file>
 
 <file path=ppt/slideLayouts/slideLayout1.xml><?xml version="1.0" encoding="utf-8"?>
-<p:sldLayout xmlns:a="http://schemas.openxmlformats.org/drawingml/2006/main" xmlns:r="http://schemas.openxmlformats.org/officeDocument/2006/relationships" xmlns:p="http://schemas.openxmlformats.org/presentationml/2006/main" preserve="1" userDrawn="1">
+<p:sldLayout xmlns:a="http://schemas.openxmlformats.org/drawingml/2006/main" xmlns:r="http://schemas.openxmlformats.org/officeDocument/2006/relationships" xmlns:p="http://schemas.openxmlformats.org/presentationml/2006/main" preserve="1">
   <p:cSld name="Title Slide">
     <p:spTree>
       <p:nvGrpSpPr>
@@ -689,7 +689,7 @@
           </a:lstStyle>
           <a:p>
             <a:r>
-              <a:rPr lang="en-US" dirty="0" smtClean="0"/>
+              <a:rPr lang="en-US" smtClean="0"/>
               <a:t>Click to edit Master title style</a:t>
             </a:r>
             <a:endParaRPr lang="en-US" dirty="0"/>
@@ -809,7 +809,7 @@
           </a:lstStyle>
           <a:p>
             <a:r>
-              <a:rPr lang="en-US" dirty="0" smtClean="0"/>
+              <a:rPr lang="en-US" smtClean="0"/>
               <a:t>Click to edit Master subtitle style</a:t>
             </a:r>
             <a:endParaRPr lang="en-US" dirty="0"/>
@@ -833,7 +833,7 @@
           <a:p>
             <a:fld id="{B594EA25-E4F4-3746-A0BA-A11E27330E0F}" type="datetime2">
               <a:rPr lang="en-US" smtClean="0"/>
-              <a:t>Tuesday, September 9, 14</a:t>
+              <a:t>Wednesday, September 10, 14</a:t>
             </a:fld>
             <a:endParaRPr lang="en-US"/>
           </a:p>
@@ -928,7 +928,7 @@
           <p:cNvSpPr txBox="1">
             <a:spLocks/>
           </p:cNvSpPr>
-          <p:nvPr userDrawn="1"/>
+          <p:nvPr/>
         </p:nvSpPr>
         <p:spPr>
           <a:xfrm>
@@ -1136,7 +1136,7 @@
                 <a:latin typeface="Times New Roman"/>
                 <a:cs typeface="Times New Roman"/>
               </a:rPr>
-              <a:t>September 9, 2014</a:t>
+              <a:t>September 10, 2014</a:t>
             </a:fld>
             <a:endParaRPr lang="en-US" dirty="0">
               <a:latin typeface="Times New Roman"/>
@@ -1190,10 +1190,232 @@
           <a:p>
             <a:pPr lvl="0"/>
             <a:r>
-              <a:rPr lang="en-US" dirty="0" smtClean="0"/>
+              <a:rPr lang="en-US" smtClean="0"/>
               <a:t>Click to edit Master text styles</a:t>
             </a:r>
-            <a:endParaRPr lang="en-US" dirty="0"/>
+          </a:p>
+        </p:txBody>
+      </p:sp>
+      <p:sp>
+        <p:nvSpPr>
+          <p:cNvPr id="11" name="Subtitle 2"/>
+          <p:cNvSpPr txBox="1">
+            <a:spLocks/>
+          </p:cNvSpPr>
+          <p:nvPr userDrawn="1"/>
+        </p:nvSpPr>
+        <p:spPr>
+          <a:xfrm>
+            <a:off x="1404926" y="4774277"/>
+            <a:ext cx="6400800" cy="700402"/>
+          </a:xfrm>
+          <a:prstGeom prst="rect">
+            <a:avLst/>
+          </a:prstGeom>
+        </p:spPr>
+        <p:txBody>
+          <a:bodyPr vert="horz" lIns="91440" tIns="45720" rIns="91440" bIns="45720" rtlCol="0">
+            <a:normAutofit/>
+          </a:bodyPr>
+          <a:lstStyle>
+            <a:lvl1pPr marL="0" indent="0" algn="ctr" defTabSz="914400" rtl="0" eaLnBrk="1" latinLnBrk="0" hangingPunct="1">
+              <a:spcBef>
+                <a:spcPct val="20000"/>
+              </a:spcBef>
+              <a:buClr>
+                <a:schemeClr val="accent1"/>
+              </a:buClr>
+              <a:buSzPct val="85000"/>
+              <a:buFont typeface="Arial" pitchFamily="34" charset="0"/>
+              <a:buNone/>
+              <a:defRPr sz="2400" kern="1200">
+                <a:solidFill>
+                  <a:schemeClr val="tx1">
+                    <a:lumMod val="75000"/>
+                    <a:lumOff val="25000"/>
+                  </a:schemeClr>
+                </a:solidFill>
+                <a:latin typeface="+mn-lt"/>
+                <a:ea typeface="+mn-ea"/>
+                <a:cs typeface="+mn-cs"/>
+              </a:defRPr>
+            </a:lvl1pPr>
+            <a:lvl2pPr marL="457200" indent="0" algn="ctr" defTabSz="914400" rtl="0" eaLnBrk="1" latinLnBrk="0" hangingPunct="1">
+              <a:spcBef>
+                <a:spcPct val="20000"/>
+              </a:spcBef>
+              <a:buClr>
+                <a:schemeClr val="accent1"/>
+              </a:buClr>
+              <a:buSzPct val="85000"/>
+              <a:buFont typeface="Arial" pitchFamily="34" charset="0"/>
+              <a:buNone/>
+              <a:defRPr sz="2000" kern="1200">
+                <a:solidFill>
+                  <a:schemeClr val="tx1">
+                    <a:tint val="75000"/>
+                  </a:schemeClr>
+                </a:solidFill>
+                <a:latin typeface="+mn-lt"/>
+                <a:ea typeface="+mn-ea"/>
+                <a:cs typeface="+mn-cs"/>
+              </a:defRPr>
+            </a:lvl2pPr>
+            <a:lvl3pPr marL="914400" indent="0" algn="ctr" defTabSz="914400" rtl="0" eaLnBrk="1" latinLnBrk="0" hangingPunct="1">
+              <a:spcBef>
+                <a:spcPct val="20000"/>
+              </a:spcBef>
+              <a:buClr>
+                <a:schemeClr val="accent1"/>
+              </a:buClr>
+              <a:buSzPct val="90000"/>
+              <a:buFont typeface="Arial" pitchFamily="34" charset="0"/>
+              <a:buNone/>
+              <a:defRPr sz="1800" kern="1200">
+                <a:solidFill>
+                  <a:schemeClr val="tx1">
+                    <a:tint val="75000"/>
+                  </a:schemeClr>
+                </a:solidFill>
+                <a:latin typeface="+mn-lt"/>
+                <a:ea typeface="+mn-ea"/>
+                <a:cs typeface="+mn-cs"/>
+              </a:defRPr>
+            </a:lvl3pPr>
+            <a:lvl4pPr marL="1371600" indent="0" algn="ctr" defTabSz="914400" rtl="0" eaLnBrk="1" latinLnBrk="0" hangingPunct="1">
+              <a:spcBef>
+                <a:spcPct val="20000"/>
+              </a:spcBef>
+              <a:buClr>
+                <a:schemeClr val="accent1"/>
+              </a:buClr>
+              <a:buFont typeface="Arial" pitchFamily="34" charset="0"/>
+              <a:buNone/>
+              <a:defRPr sz="1600" kern="1200">
+                <a:solidFill>
+                  <a:schemeClr val="tx1">
+                    <a:tint val="75000"/>
+                  </a:schemeClr>
+                </a:solidFill>
+                <a:latin typeface="+mn-lt"/>
+                <a:ea typeface="+mn-ea"/>
+                <a:cs typeface="+mn-cs"/>
+              </a:defRPr>
+            </a:lvl4pPr>
+            <a:lvl5pPr marL="1828800" indent="0" algn="ctr" defTabSz="914400" rtl="0" eaLnBrk="1" latinLnBrk="0" hangingPunct="1">
+              <a:spcBef>
+                <a:spcPct val="20000"/>
+              </a:spcBef>
+              <a:buClr>
+                <a:schemeClr val="accent1"/>
+              </a:buClr>
+              <a:buSzPct val="100000"/>
+              <a:buFont typeface="Arial" pitchFamily="34" charset="0"/>
+              <a:buNone/>
+              <a:defRPr sz="1400" kern="1200" baseline="0">
+                <a:solidFill>
+                  <a:schemeClr val="tx1">
+                    <a:tint val="75000"/>
+                  </a:schemeClr>
+                </a:solidFill>
+                <a:latin typeface="+mn-lt"/>
+                <a:ea typeface="+mn-ea"/>
+                <a:cs typeface="+mn-cs"/>
+              </a:defRPr>
+            </a:lvl5pPr>
+            <a:lvl6pPr marL="2286000" indent="0" algn="ctr" defTabSz="914400" rtl="0" eaLnBrk="1" latinLnBrk="0" hangingPunct="1">
+              <a:spcBef>
+                <a:spcPct val="20000"/>
+              </a:spcBef>
+              <a:buClr>
+                <a:schemeClr val="accent1"/>
+              </a:buClr>
+              <a:buFont typeface="Arial" pitchFamily="34" charset="0"/>
+              <a:buNone/>
+              <a:defRPr sz="1300" kern="1200">
+                <a:solidFill>
+                  <a:schemeClr val="tx1">
+                    <a:tint val="75000"/>
+                  </a:schemeClr>
+                </a:solidFill>
+                <a:latin typeface="+mn-lt"/>
+                <a:ea typeface="+mn-ea"/>
+                <a:cs typeface="+mn-cs"/>
+              </a:defRPr>
+            </a:lvl6pPr>
+            <a:lvl7pPr marL="2743200" indent="0" algn="ctr" defTabSz="914400" rtl="0" eaLnBrk="1" latinLnBrk="0" hangingPunct="1">
+              <a:spcBef>
+                <a:spcPct val="20000"/>
+              </a:spcBef>
+              <a:buClr>
+                <a:schemeClr val="accent1"/>
+              </a:buClr>
+              <a:buFont typeface="Arial" pitchFamily="34" charset="0"/>
+              <a:buNone/>
+              <a:defRPr sz="1300" kern="1200">
+                <a:solidFill>
+                  <a:schemeClr val="tx1">
+                    <a:tint val="75000"/>
+                  </a:schemeClr>
+                </a:solidFill>
+                <a:latin typeface="+mn-lt"/>
+                <a:ea typeface="+mn-ea"/>
+                <a:cs typeface="+mn-cs"/>
+              </a:defRPr>
+            </a:lvl7pPr>
+            <a:lvl8pPr marL="3200400" indent="0" algn="ctr" defTabSz="914400" rtl="0" eaLnBrk="1" latinLnBrk="0" hangingPunct="1">
+              <a:spcBef>
+                <a:spcPct val="20000"/>
+              </a:spcBef>
+              <a:buClr>
+                <a:schemeClr val="accent1"/>
+              </a:buClr>
+              <a:buFont typeface="Arial" pitchFamily="34" charset="0"/>
+              <a:buNone/>
+              <a:defRPr sz="1300" kern="1200">
+                <a:solidFill>
+                  <a:schemeClr val="tx1">
+                    <a:tint val="75000"/>
+                  </a:schemeClr>
+                </a:solidFill>
+                <a:latin typeface="+mn-lt"/>
+                <a:ea typeface="+mn-ea"/>
+                <a:cs typeface="+mn-cs"/>
+              </a:defRPr>
+            </a:lvl8pPr>
+            <a:lvl9pPr marL="3657600" indent="0" algn="ctr" defTabSz="914400" rtl="0" eaLnBrk="1" latinLnBrk="0" hangingPunct="1">
+              <a:spcBef>
+                <a:spcPct val="20000"/>
+              </a:spcBef>
+              <a:buClr>
+                <a:schemeClr val="accent1"/>
+              </a:buClr>
+              <a:buFont typeface="Arial" pitchFamily="34" charset="0"/>
+              <a:buNone/>
+              <a:defRPr sz="1300" kern="1200">
+                <a:solidFill>
+                  <a:schemeClr val="tx1">
+                    <a:tint val="75000"/>
+                  </a:schemeClr>
+                </a:solidFill>
+                <a:latin typeface="+mn-lt"/>
+                <a:ea typeface="+mn-ea"/>
+                <a:cs typeface="+mn-cs"/>
+              </a:defRPr>
+            </a:lvl9pPr>
+          </a:lstStyle>
+          <a:p>
+            <a:fld id="{B07CD00D-ECE2-B341-910C-3E5E7B4740E6}" type="datetime4">
+              <a:rPr lang="en-US" smtClean="0">
+                <a:latin typeface="Times New Roman"/>
+                <a:cs typeface="Times New Roman"/>
+              </a:rPr>
+              <a:t>September 10, 2014</a:t>
+            </a:fld>
+            <a:endParaRPr lang="en-US" dirty="0">
+              <a:latin typeface="Times New Roman"/>
+              <a:cs typeface="Times New Roman"/>
+            </a:endParaRPr>
           </a:p>
         </p:txBody>
       </p:sp>
@@ -1234,8 +1456,8 @@
         </p:nvSpPr>
         <p:spPr>
           <a:xfrm>
-            <a:off x="457200" y="792080"/>
-            <a:ext cx="2139696" cy="1261872"/>
+            <a:off x="261865" y="161144"/>
+            <a:ext cx="2335031" cy="1261872"/>
           </a:xfrm>
         </p:spPr>
         <p:txBody>
@@ -1268,8 +1490,8 @@
         </p:nvSpPr>
         <p:spPr>
           <a:xfrm>
-            <a:off x="2971800" y="792080"/>
-            <a:ext cx="5715000" cy="5577840"/>
+            <a:off x="2971799" y="161144"/>
+            <a:ext cx="5905425" cy="6208776"/>
           </a:xfrm>
         </p:spPr>
         <p:txBody>
@@ -1353,8 +1575,8 @@
         </p:nvSpPr>
         <p:spPr>
           <a:xfrm>
-            <a:off x="457201" y="2130552"/>
-            <a:ext cx="2139696" cy="4243615"/>
+            <a:off x="261865" y="1625600"/>
+            <a:ext cx="2335032" cy="4748567"/>
           </a:xfrm>
         </p:spPr>
         <p:txBody>
@@ -1423,7 +1645,7 @@
           <a:p>
             <a:fld id="{EA699BF9-66CB-F244-8E74-7B1BE1C77046}" type="datetime2">
               <a:rPr lang="en-US" smtClean="0"/>
-              <a:t>Tuesday, September 9, 14</a:t>
+              <a:t>Wednesday, September 10, 14</a:t>
             </a:fld>
             <a:endParaRPr lang="en-US"/>
           </a:p>
@@ -1484,9 +1706,9 @@
           <p:nvPr/>
         </p:nvCxnSpPr>
         <p:spPr>
-          <a:xfrm rot="5400000">
-            <a:off x="-13116" y="3580206"/>
-            <a:ext cx="5577840" cy="1588"/>
+          <a:xfrm>
+            <a:off x="2775010" y="161144"/>
+            <a:ext cx="0" cy="6208776"/>
           </a:xfrm>
           <a:prstGeom prst="line">
             <a:avLst/>
@@ -1549,8 +1771,8 @@
         </p:nvSpPr>
         <p:spPr>
           <a:xfrm>
-            <a:off x="457200" y="792480"/>
-            <a:ext cx="2142680" cy="1264920"/>
+            <a:off x="258881" y="160020"/>
+            <a:ext cx="2338015" cy="1264920"/>
           </a:xfrm>
         </p:spPr>
         <p:txBody>
@@ -1583,8 +1805,8 @@
         </p:nvSpPr>
         <p:spPr>
           <a:xfrm>
-            <a:off x="2858610" y="838201"/>
-            <a:ext cx="5904390" cy="5500456"/>
+            <a:off x="2858609" y="160020"/>
+            <a:ext cx="6018615" cy="6178637"/>
           </a:xfrm>
           <a:solidFill>
             <a:schemeClr val="bg2"/>
@@ -1664,8 +1886,8 @@
         </p:nvSpPr>
         <p:spPr>
           <a:xfrm>
-            <a:off x="457200" y="2133600"/>
-            <a:ext cx="2139696" cy="4242816"/>
+            <a:off x="261865" y="1663700"/>
+            <a:ext cx="2335031" cy="4712716"/>
           </a:xfrm>
         </p:spPr>
         <p:txBody>
@@ -1734,7 +1956,7 @@
           <a:p>
             <a:fld id="{D300BE84-9843-8B4F-B3C8-647B06AC46C9}" type="datetime2">
               <a:rPr lang="en-US" smtClean="0"/>
-              <a:t>Tuesday, September 9, 14</a:t>
+              <a:t>Wednesday, September 10, 14</a:t>
             </a:fld>
             <a:endParaRPr lang="en-US"/>
           </a:p>
@@ -1905,7 +2127,7 @@
           <a:p>
             <a:fld id="{C460AE39-2092-A945-8296-F25085B9A0F1}" type="datetime2">
               <a:rPr lang="en-US" smtClean="0"/>
-              <a:t>Tuesday, September 9, 14</a:t>
+              <a:t>Wednesday, September 10, 14</a:t>
             </a:fld>
             <a:endParaRPr lang="en-US"/>
           </a:p>
@@ -1996,7 +2218,7 @@
         </p:nvSpPr>
         <p:spPr>
           <a:xfrm>
-            <a:off x="6629400" y="609600"/>
+            <a:off x="6819825" y="508000"/>
             <a:ext cx="2057400" cy="5867400"/>
           </a:xfrm>
         </p:spPr>
@@ -2024,8 +2246,8 @@
         </p:nvSpPr>
         <p:spPr>
           <a:xfrm>
-            <a:off x="457200" y="609600"/>
-            <a:ext cx="6019800" cy="5867400"/>
+            <a:off x="261865" y="508000"/>
+            <a:ext cx="6405635" cy="5867400"/>
           </a:xfrm>
         </p:spPr>
         <p:txBody>
@@ -2086,7 +2308,7 @@
           <a:p>
             <a:fld id="{63BC7E9D-3218-5E49-A867-E087AB2F4618}" type="datetime2">
               <a:rPr lang="en-US" smtClean="0"/>
-              <a:t>Tuesday, September 9, 14</a:t>
+              <a:t>Wednesday, September 10, 14</a:t>
             </a:fld>
             <a:endParaRPr lang="en-US"/>
           </a:p>
@@ -2141,6 +2363,1343 @@
         </p:txBody>
       </p:sp>
     </p:spTree>
+  </p:cSld>
+  <p:clrMapOvr>
+    <a:masterClrMapping/>
+  </p:clrMapOvr>
+</p:sldLayout>
+</file>
+
+<file path=ppt/slideLayouts/slideLayout14.xml><?xml version="1.0" encoding="utf-8"?>
+<p:sldLayout xmlns:a="http://schemas.openxmlformats.org/drawingml/2006/main" xmlns:r="http://schemas.openxmlformats.org/officeDocument/2006/relationships" xmlns:p="http://schemas.openxmlformats.org/presentationml/2006/main" preserve="1" userDrawn="1">
+  <p:cSld name="1_Title Slide">
+    <p:spTree>
+      <p:nvGrpSpPr>
+        <p:cNvPr id="1" name=""/>
+        <p:cNvGrpSpPr/>
+        <p:nvPr/>
+      </p:nvGrpSpPr>
+      <p:grpSpPr>
+        <a:xfrm>
+          <a:off x="0" y="0"/>
+          <a:ext cx="0" cy="0"/>
+          <a:chOff x="0" y="0"/>
+          <a:chExt cx="0" cy="0"/>
+        </a:xfrm>
+      </p:grpSpPr>
+      <p:sp>
+        <p:nvSpPr>
+          <p:cNvPr id="2" name="Title 1"/>
+          <p:cNvSpPr>
+            <a:spLocks noGrp="1"/>
+          </p:cNvSpPr>
+          <p:nvPr>
+            <p:ph type="ctrTitle"/>
+          </p:nvPr>
+        </p:nvSpPr>
+        <p:spPr>
+          <a:xfrm>
+            <a:off x="107103" y="1734127"/>
+            <a:ext cx="8904929" cy="698493"/>
+          </a:xfrm>
+        </p:spPr>
+        <p:txBody>
+          <a:bodyPr anchor="b">
+            <a:normAutofit/>
+          </a:bodyPr>
+          <a:lstStyle>
+            <a:lvl1pPr algn="ctr">
+              <a:defRPr sz="4400" cap="small" baseline="0">
+                <a:solidFill>
+                  <a:schemeClr val="tx2"/>
+                </a:solidFill>
+              </a:defRPr>
+            </a:lvl1pPr>
+          </a:lstStyle>
+          <a:p>
+            <a:r>
+              <a:rPr lang="en-US" dirty="0" smtClean="0"/>
+              <a:t>Click to edit Master title style</a:t>
+            </a:r>
+            <a:endParaRPr lang="en-US" dirty="0"/>
+          </a:p>
+        </p:txBody>
+      </p:sp>
+      <p:sp>
+        <p:nvSpPr>
+          <p:cNvPr id="3" name="Subtitle 2"/>
+          <p:cNvSpPr>
+            <a:spLocks noGrp="1"/>
+          </p:cNvSpPr>
+          <p:nvPr>
+            <p:ph type="subTitle" idx="1"/>
+          </p:nvPr>
+        </p:nvSpPr>
+        <p:spPr>
+          <a:xfrm>
+            <a:off x="1404926" y="2849782"/>
+            <a:ext cx="6400800" cy="700402"/>
+          </a:xfrm>
+        </p:spPr>
+        <p:txBody>
+          <a:bodyPr/>
+          <a:lstStyle>
+            <a:lvl1pPr marL="0" indent="0" algn="ctr">
+              <a:buNone/>
+              <a:defRPr>
+                <a:solidFill>
+                  <a:schemeClr val="tx1">
+                    <a:lumMod val="75000"/>
+                    <a:lumOff val="25000"/>
+                  </a:schemeClr>
+                </a:solidFill>
+              </a:defRPr>
+            </a:lvl1pPr>
+            <a:lvl2pPr marL="457200" indent="0" algn="ctr">
+              <a:buNone/>
+              <a:defRPr>
+                <a:solidFill>
+                  <a:schemeClr val="tx1">
+                    <a:tint val="75000"/>
+                  </a:schemeClr>
+                </a:solidFill>
+              </a:defRPr>
+            </a:lvl2pPr>
+            <a:lvl3pPr marL="914400" indent="0" algn="ctr">
+              <a:buNone/>
+              <a:defRPr>
+                <a:solidFill>
+                  <a:schemeClr val="tx1">
+                    <a:tint val="75000"/>
+                  </a:schemeClr>
+                </a:solidFill>
+              </a:defRPr>
+            </a:lvl3pPr>
+            <a:lvl4pPr marL="1371600" indent="0" algn="ctr">
+              <a:buNone/>
+              <a:defRPr>
+                <a:solidFill>
+                  <a:schemeClr val="tx1">
+                    <a:tint val="75000"/>
+                  </a:schemeClr>
+                </a:solidFill>
+              </a:defRPr>
+            </a:lvl4pPr>
+            <a:lvl5pPr marL="1828800" indent="0" algn="ctr">
+              <a:buNone/>
+              <a:defRPr>
+                <a:solidFill>
+                  <a:schemeClr val="tx1">
+                    <a:tint val="75000"/>
+                  </a:schemeClr>
+                </a:solidFill>
+              </a:defRPr>
+            </a:lvl5pPr>
+            <a:lvl6pPr marL="2286000" indent="0" algn="ctr">
+              <a:buNone/>
+              <a:defRPr>
+                <a:solidFill>
+                  <a:schemeClr val="tx1">
+                    <a:tint val="75000"/>
+                  </a:schemeClr>
+                </a:solidFill>
+              </a:defRPr>
+            </a:lvl6pPr>
+            <a:lvl7pPr marL="2743200" indent="0" algn="ctr">
+              <a:buNone/>
+              <a:defRPr>
+                <a:solidFill>
+                  <a:schemeClr val="tx1">
+                    <a:tint val="75000"/>
+                  </a:schemeClr>
+                </a:solidFill>
+              </a:defRPr>
+            </a:lvl7pPr>
+            <a:lvl8pPr marL="3200400" indent="0" algn="ctr">
+              <a:buNone/>
+              <a:defRPr>
+                <a:solidFill>
+                  <a:schemeClr val="tx1">
+                    <a:tint val="75000"/>
+                  </a:schemeClr>
+                </a:solidFill>
+              </a:defRPr>
+            </a:lvl8pPr>
+            <a:lvl9pPr marL="3657600" indent="0" algn="ctr">
+              <a:buNone/>
+              <a:defRPr>
+                <a:solidFill>
+                  <a:schemeClr val="tx1">
+                    <a:tint val="75000"/>
+                  </a:schemeClr>
+                </a:solidFill>
+              </a:defRPr>
+            </a:lvl9pPr>
+          </a:lstStyle>
+          <a:p>
+            <a:r>
+              <a:rPr lang="en-US" dirty="0" smtClean="0"/>
+              <a:t>Click to edit Master subtitle style</a:t>
+            </a:r>
+            <a:endParaRPr lang="en-US" dirty="0"/>
+          </a:p>
+        </p:txBody>
+      </p:sp>
+      <p:sp>
+        <p:nvSpPr>
+          <p:cNvPr id="4" name="Date Placeholder 3"/>
+          <p:cNvSpPr>
+            <a:spLocks noGrp="1"/>
+          </p:cNvSpPr>
+          <p:nvPr>
+            <p:ph type="dt" sz="half" idx="10"/>
+          </p:nvPr>
+        </p:nvSpPr>
+        <p:spPr/>
+        <p:txBody>
+          <a:bodyPr/>
+          <a:lstStyle/>
+          <a:p>
+            <a:fld id="{B594EA25-E4F4-3746-A0BA-A11E27330E0F}" type="datetime2">
+              <a:rPr lang="en-US" smtClean="0"/>
+              <a:t>Wednesday, September 10, 14</a:t>
+            </a:fld>
+            <a:endParaRPr lang="en-US"/>
+          </a:p>
+        </p:txBody>
+      </p:sp>
+      <p:sp>
+        <p:nvSpPr>
+          <p:cNvPr id="5" name="Footer Placeholder 4"/>
+          <p:cNvSpPr>
+            <a:spLocks noGrp="1"/>
+          </p:cNvSpPr>
+          <p:nvPr>
+            <p:ph type="ftr" sz="quarter" idx="11"/>
+          </p:nvPr>
+        </p:nvSpPr>
+        <p:spPr/>
+        <p:txBody>
+          <a:bodyPr/>
+          <a:lstStyle/>
+          <a:p>
+            <a:pPr algn="r"/>
+            <a:r>
+              <a:rPr lang="en-US" smtClean="0"/>
+              <a:t>Sanjay Kalé and PPL (UIUC) – Parallel Migratable Objects </a:t>
+            </a:r>
+            <a:endParaRPr lang="en-US" dirty="0"/>
+          </a:p>
+        </p:txBody>
+      </p:sp>
+      <p:sp>
+        <p:nvSpPr>
+          <p:cNvPr id="6" name="Slide Number Placeholder 5"/>
+          <p:cNvSpPr>
+            <a:spLocks noGrp="1"/>
+          </p:cNvSpPr>
+          <p:nvPr>
+            <p:ph type="sldNum" sz="quarter" idx="12"/>
+          </p:nvPr>
+        </p:nvSpPr>
+        <p:spPr/>
+        <p:txBody>
+          <a:bodyPr/>
+          <a:lstStyle/>
+          <a:p>
+            <a:fld id="{0CFEC368-1D7A-4F81-ABF6-AE0E36BAF64C}" type="slidenum">
+              <a:rPr lang="en-US" smtClean="0"/>
+              <a:pPr/>
+              <a:t>‹#›</a:t>
+            </a:fld>
+            <a:endParaRPr lang="en-US"/>
+          </a:p>
+        </p:txBody>
+      </p:sp>
+      <p:cxnSp>
+        <p:nvCxnSpPr>
+          <p:cNvPr id="8" name="Straight Connector 7"/>
+          <p:cNvCxnSpPr/>
+          <p:nvPr/>
+        </p:nvCxnSpPr>
+        <p:spPr>
+          <a:xfrm>
+            <a:off x="685800" y="2444811"/>
+            <a:ext cx="7848600" cy="1588"/>
+          </a:xfrm>
+          <a:prstGeom prst="line">
+            <a:avLst/>
+          </a:prstGeom>
+          <a:ln w="19050">
+            <a:solidFill>
+              <a:schemeClr val="tx2"/>
+            </a:solidFill>
+          </a:ln>
+        </p:spPr>
+        <p:style>
+          <a:lnRef idx="1">
+            <a:schemeClr val="accent1"/>
+          </a:lnRef>
+          <a:fillRef idx="0">
+            <a:schemeClr val="accent1"/>
+          </a:fillRef>
+          <a:effectRef idx="0">
+            <a:schemeClr val="accent1"/>
+          </a:effectRef>
+          <a:fontRef idx="minor">
+            <a:schemeClr val="tx1"/>
+          </a:fontRef>
+        </p:style>
+      </p:cxnSp>
+      <p:sp>
+        <p:nvSpPr>
+          <p:cNvPr id="10" name="Subtitle 2"/>
+          <p:cNvSpPr txBox="1">
+            <a:spLocks/>
+          </p:cNvSpPr>
+          <p:nvPr userDrawn="1"/>
+        </p:nvSpPr>
+        <p:spPr>
+          <a:xfrm>
+            <a:off x="1404926" y="4774277"/>
+            <a:ext cx="6400800" cy="700402"/>
+          </a:xfrm>
+          <a:prstGeom prst="rect">
+            <a:avLst/>
+          </a:prstGeom>
+        </p:spPr>
+        <p:txBody>
+          <a:bodyPr vert="horz" lIns="91440" tIns="45720" rIns="91440" bIns="45720" rtlCol="0">
+            <a:normAutofit/>
+          </a:bodyPr>
+          <a:lstStyle>
+            <a:lvl1pPr marL="0" indent="0" algn="ctr" defTabSz="914400" rtl="0" eaLnBrk="1" latinLnBrk="0" hangingPunct="1">
+              <a:spcBef>
+                <a:spcPct val="20000"/>
+              </a:spcBef>
+              <a:buClr>
+                <a:schemeClr val="accent1"/>
+              </a:buClr>
+              <a:buSzPct val="85000"/>
+              <a:buFont typeface="Arial" pitchFamily="34" charset="0"/>
+              <a:buNone/>
+              <a:defRPr sz="2400" kern="1200">
+                <a:solidFill>
+                  <a:schemeClr val="tx1">
+                    <a:lumMod val="75000"/>
+                    <a:lumOff val="25000"/>
+                  </a:schemeClr>
+                </a:solidFill>
+                <a:latin typeface="+mn-lt"/>
+                <a:ea typeface="+mn-ea"/>
+                <a:cs typeface="+mn-cs"/>
+              </a:defRPr>
+            </a:lvl1pPr>
+            <a:lvl2pPr marL="457200" indent="0" algn="ctr" defTabSz="914400" rtl="0" eaLnBrk="1" latinLnBrk="0" hangingPunct="1">
+              <a:spcBef>
+                <a:spcPct val="20000"/>
+              </a:spcBef>
+              <a:buClr>
+                <a:schemeClr val="accent1"/>
+              </a:buClr>
+              <a:buSzPct val="85000"/>
+              <a:buFont typeface="Arial" pitchFamily="34" charset="0"/>
+              <a:buNone/>
+              <a:defRPr sz="2000" kern="1200">
+                <a:solidFill>
+                  <a:schemeClr val="tx1">
+                    <a:tint val="75000"/>
+                  </a:schemeClr>
+                </a:solidFill>
+                <a:latin typeface="+mn-lt"/>
+                <a:ea typeface="+mn-ea"/>
+                <a:cs typeface="+mn-cs"/>
+              </a:defRPr>
+            </a:lvl2pPr>
+            <a:lvl3pPr marL="914400" indent="0" algn="ctr" defTabSz="914400" rtl="0" eaLnBrk="1" latinLnBrk="0" hangingPunct="1">
+              <a:spcBef>
+                <a:spcPct val="20000"/>
+              </a:spcBef>
+              <a:buClr>
+                <a:schemeClr val="accent1"/>
+              </a:buClr>
+              <a:buSzPct val="90000"/>
+              <a:buFont typeface="Arial" pitchFamily="34" charset="0"/>
+              <a:buNone/>
+              <a:defRPr sz="1800" kern="1200">
+                <a:solidFill>
+                  <a:schemeClr val="tx1">
+                    <a:tint val="75000"/>
+                  </a:schemeClr>
+                </a:solidFill>
+                <a:latin typeface="+mn-lt"/>
+                <a:ea typeface="+mn-ea"/>
+                <a:cs typeface="+mn-cs"/>
+              </a:defRPr>
+            </a:lvl3pPr>
+            <a:lvl4pPr marL="1371600" indent="0" algn="ctr" defTabSz="914400" rtl="0" eaLnBrk="1" latinLnBrk="0" hangingPunct="1">
+              <a:spcBef>
+                <a:spcPct val="20000"/>
+              </a:spcBef>
+              <a:buClr>
+                <a:schemeClr val="accent1"/>
+              </a:buClr>
+              <a:buFont typeface="Arial" pitchFamily="34" charset="0"/>
+              <a:buNone/>
+              <a:defRPr sz="1600" kern="1200">
+                <a:solidFill>
+                  <a:schemeClr val="tx1">
+                    <a:tint val="75000"/>
+                  </a:schemeClr>
+                </a:solidFill>
+                <a:latin typeface="+mn-lt"/>
+                <a:ea typeface="+mn-ea"/>
+                <a:cs typeface="+mn-cs"/>
+              </a:defRPr>
+            </a:lvl4pPr>
+            <a:lvl5pPr marL="1828800" indent="0" algn="ctr" defTabSz="914400" rtl="0" eaLnBrk="1" latinLnBrk="0" hangingPunct="1">
+              <a:spcBef>
+                <a:spcPct val="20000"/>
+              </a:spcBef>
+              <a:buClr>
+                <a:schemeClr val="accent1"/>
+              </a:buClr>
+              <a:buSzPct val="100000"/>
+              <a:buFont typeface="Arial" pitchFamily="34" charset="0"/>
+              <a:buNone/>
+              <a:defRPr sz="1400" kern="1200" baseline="0">
+                <a:solidFill>
+                  <a:schemeClr val="tx1">
+                    <a:tint val="75000"/>
+                  </a:schemeClr>
+                </a:solidFill>
+                <a:latin typeface="+mn-lt"/>
+                <a:ea typeface="+mn-ea"/>
+                <a:cs typeface="+mn-cs"/>
+              </a:defRPr>
+            </a:lvl5pPr>
+            <a:lvl6pPr marL="2286000" indent="0" algn="ctr" defTabSz="914400" rtl="0" eaLnBrk="1" latinLnBrk="0" hangingPunct="1">
+              <a:spcBef>
+                <a:spcPct val="20000"/>
+              </a:spcBef>
+              <a:buClr>
+                <a:schemeClr val="accent1"/>
+              </a:buClr>
+              <a:buFont typeface="Arial" pitchFamily="34" charset="0"/>
+              <a:buNone/>
+              <a:defRPr sz="1300" kern="1200">
+                <a:solidFill>
+                  <a:schemeClr val="tx1">
+                    <a:tint val="75000"/>
+                  </a:schemeClr>
+                </a:solidFill>
+                <a:latin typeface="+mn-lt"/>
+                <a:ea typeface="+mn-ea"/>
+                <a:cs typeface="+mn-cs"/>
+              </a:defRPr>
+            </a:lvl6pPr>
+            <a:lvl7pPr marL="2743200" indent="0" algn="ctr" defTabSz="914400" rtl="0" eaLnBrk="1" latinLnBrk="0" hangingPunct="1">
+              <a:spcBef>
+                <a:spcPct val="20000"/>
+              </a:spcBef>
+              <a:buClr>
+                <a:schemeClr val="accent1"/>
+              </a:buClr>
+              <a:buFont typeface="Arial" pitchFamily="34" charset="0"/>
+              <a:buNone/>
+              <a:defRPr sz="1300" kern="1200">
+                <a:solidFill>
+                  <a:schemeClr val="tx1">
+                    <a:tint val="75000"/>
+                  </a:schemeClr>
+                </a:solidFill>
+                <a:latin typeface="+mn-lt"/>
+                <a:ea typeface="+mn-ea"/>
+                <a:cs typeface="+mn-cs"/>
+              </a:defRPr>
+            </a:lvl7pPr>
+            <a:lvl8pPr marL="3200400" indent="0" algn="ctr" defTabSz="914400" rtl="0" eaLnBrk="1" latinLnBrk="0" hangingPunct="1">
+              <a:spcBef>
+                <a:spcPct val="20000"/>
+              </a:spcBef>
+              <a:buClr>
+                <a:schemeClr val="accent1"/>
+              </a:buClr>
+              <a:buFont typeface="Arial" pitchFamily="34" charset="0"/>
+              <a:buNone/>
+              <a:defRPr sz="1300" kern="1200">
+                <a:solidFill>
+                  <a:schemeClr val="tx1">
+                    <a:tint val="75000"/>
+                  </a:schemeClr>
+                </a:solidFill>
+                <a:latin typeface="+mn-lt"/>
+                <a:ea typeface="+mn-ea"/>
+                <a:cs typeface="+mn-cs"/>
+              </a:defRPr>
+            </a:lvl8pPr>
+            <a:lvl9pPr marL="3657600" indent="0" algn="ctr" defTabSz="914400" rtl="0" eaLnBrk="1" latinLnBrk="0" hangingPunct="1">
+              <a:spcBef>
+                <a:spcPct val="20000"/>
+              </a:spcBef>
+              <a:buClr>
+                <a:schemeClr val="accent1"/>
+              </a:buClr>
+              <a:buFont typeface="Arial" pitchFamily="34" charset="0"/>
+              <a:buNone/>
+              <a:defRPr sz="1300" kern="1200">
+                <a:solidFill>
+                  <a:schemeClr val="tx1">
+                    <a:tint val="75000"/>
+                  </a:schemeClr>
+                </a:solidFill>
+                <a:latin typeface="+mn-lt"/>
+                <a:ea typeface="+mn-ea"/>
+                <a:cs typeface="+mn-cs"/>
+              </a:defRPr>
+            </a:lvl9pPr>
+          </a:lstStyle>
+          <a:p>
+            <a:fld id="{B07CD00D-ECE2-B341-910C-3E5E7B4740E6}" type="datetime4">
+              <a:rPr lang="en-US" smtClean="0">
+                <a:latin typeface="Times New Roman"/>
+                <a:cs typeface="Times New Roman"/>
+              </a:rPr>
+              <a:t>September 10, 2014</a:t>
+            </a:fld>
+            <a:endParaRPr lang="en-US" dirty="0">
+              <a:latin typeface="Times New Roman"/>
+              <a:cs typeface="Times New Roman"/>
+            </a:endParaRPr>
+          </a:p>
+        </p:txBody>
+      </p:sp>
+      <p:sp>
+        <p:nvSpPr>
+          <p:cNvPr id="14" name="Content Placeholder 13"/>
+          <p:cNvSpPr>
+            <a:spLocks noGrp="1"/>
+          </p:cNvSpPr>
+          <p:nvPr>
+            <p:ph sz="quarter" idx="13"/>
+          </p:nvPr>
+        </p:nvSpPr>
+        <p:spPr>
+          <a:xfrm>
+            <a:off x="1404938" y="3700463"/>
+            <a:ext cx="6400800" cy="1073150"/>
+          </a:xfrm>
+        </p:spPr>
+        <p:txBody>
+          <a:bodyPr>
+            <a:normAutofit/>
+          </a:bodyPr>
+          <a:lstStyle>
+            <a:lvl1pPr marL="0" indent="0" algn="ctr">
+              <a:buNone/>
+              <a:defRPr sz="1800"/>
+            </a:lvl1pPr>
+            <a:lvl2pPr marL="274320" indent="0">
+              <a:buNone/>
+              <a:defRPr/>
+            </a:lvl2pPr>
+            <a:lvl3pPr marL="548640" indent="0">
+              <a:buNone/>
+              <a:defRPr/>
+            </a:lvl3pPr>
+            <a:lvl4pPr marL="822960" indent="0">
+              <a:buNone/>
+              <a:defRPr/>
+            </a:lvl4pPr>
+            <a:lvl5pPr marL="1051560" indent="0">
+              <a:buNone/>
+              <a:defRPr/>
+            </a:lvl5pPr>
+          </a:lstStyle>
+          <a:p>
+            <a:pPr lvl="0"/>
+            <a:r>
+              <a:rPr lang="en-US" dirty="0" smtClean="0"/>
+              <a:t>Click to edit Master text styles</a:t>
+            </a:r>
+            <a:endParaRPr lang="en-US" dirty="0"/>
+          </a:p>
+        </p:txBody>
+      </p:sp>
+    </p:spTree>
+  </p:cSld>
+  <p:clrMapOvr>
+    <a:masterClrMapping/>
+  </p:clrMapOvr>
+</p:sldLayout>
+</file>
+
+<file path=ppt/slideLayouts/slideLayout15.xml><?xml version="1.0" encoding="utf-8"?>
+<p:sldLayout xmlns:a="http://schemas.openxmlformats.org/drawingml/2006/main" xmlns:r="http://schemas.openxmlformats.org/officeDocument/2006/relationships" xmlns:p="http://schemas.openxmlformats.org/presentationml/2006/main" preserve="1" userDrawn="1">
+  <p:cSld name="1_Custom Layout">
+    <p:spTree>
+      <p:nvGrpSpPr>
+        <p:cNvPr id="1" name=""/>
+        <p:cNvGrpSpPr/>
+        <p:nvPr/>
+      </p:nvGrpSpPr>
+      <p:grpSpPr>
+        <a:xfrm>
+          <a:off x="0" y="0"/>
+          <a:ext cx="0" cy="0"/>
+          <a:chOff x="0" y="0"/>
+          <a:chExt cx="0" cy="0"/>
+        </a:xfrm>
+      </p:grpSpPr>
+      <p:sp>
+        <p:nvSpPr>
+          <p:cNvPr id="2" name="Title 1"/>
+          <p:cNvSpPr>
+            <a:spLocks noGrp="1"/>
+          </p:cNvSpPr>
+          <p:nvPr>
+            <p:ph type="title"/>
+          </p:nvPr>
+        </p:nvSpPr>
+        <p:spPr/>
+        <p:txBody>
+          <a:bodyPr/>
+          <a:lstStyle/>
+          <a:p>
+            <a:r>
+              <a:rPr lang="en-US" smtClean="0"/>
+              <a:t>Click to edit Master title style</a:t>
+            </a:r>
+            <a:endParaRPr lang="en-US"/>
+          </a:p>
+        </p:txBody>
+      </p:sp>
+      <p:sp>
+        <p:nvSpPr>
+          <p:cNvPr id="3" name="Date Placeholder 2"/>
+          <p:cNvSpPr>
+            <a:spLocks noGrp="1"/>
+          </p:cNvSpPr>
+          <p:nvPr>
+            <p:ph type="dt" sz="half" idx="10"/>
+          </p:nvPr>
+        </p:nvSpPr>
+        <p:spPr/>
+        <p:txBody>
+          <a:bodyPr/>
+          <a:lstStyle/>
+          <a:p>
+            <a:fld id="{BD5AFB16-13FE-DF4A-8CB7-09756A57B2EA}" type="datetime2">
+              <a:rPr lang="en-US" smtClean="0"/>
+              <a:t>Wednesday, September 10, 14</a:t>
+            </a:fld>
+            <a:endParaRPr lang="en-US" dirty="0"/>
+          </a:p>
+        </p:txBody>
+      </p:sp>
+      <p:sp>
+        <p:nvSpPr>
+          <p:cNvPr id="4" name="Footer Placeholder 3"/>
+          <p:cNvSpPr>
+            <a:spLocks noGrp="1"/>
+          </p:cNvSpPr>
+          <p:nvPr>
+            <p:ph type="ftr" sz="quarter" idx="11"/>
+          </p:nvPr>
+        </p:nvSpPr>
+        <p:spPr/>
+        <p:txBody>
+          <a:bodyPr/>
+          <a:lstStyle/>
+          <a:p>
+            <a:pPr algn="r"/>
+            <a:r>
+              <a:rPr lang="en-US" smtClean="0"/>
+              <a:t>Sanjay Kalé and PPL (UIUC) – Parallel Migratable Objects </a:t>
+            </a:r>
+            <a:endParaRPr lang="en-US" dirty="0"/>
+          </a:p>
+        </p:txBody>
+      </p:sp>
+      <p:sp>
+        <p:nvSpPr>
+          <p:cNvPr id="5" name="Slide Number Placeholder 4"/>
+          <p:cNvSpPr>
+            <a:spLocks noGrp="1"/>
+          </p:cNvSpPr>
+          <p:nvPr>
+            <p:ph type="sldNum" sz="quarter" idx="12"/>
+          </p:nvPr>
+        </p:nvSpPr>
+        <p:spPr/>
+        <p:txBody>
+          <a:bodyPr/>
+          <a:lstStyle/>
+          <a:p>
+            <a:fld id="{0CFEC368-1D7A-4F81-ABF6-AE0E36BAF64C}" type="slidenum">
+              <a:rPr lang="en-US" smtClean="0"/>
+              <a:pPr/>
+              <a:t>‹#›</a:t>
+            </a:fld>
+            <a:endParaRPr lang="en-US" dirty="0"/>
+          </a:p>
+        </p:txBody>
+      </p:sp>
+      <p:sp>
+        <p:nvSpPr>
+          <p:cNvPr id="7" name="Content Placeholder 6"/>
+          <p:cNvSpPr>
+            <a:spLocks noGrp="1"/>
+          </p:cNvSpPr>
+          <p:nvPr>
+            <p:ph sz="quarter" idx="13"/>
+          </p:nvPr>
+        </p:nvSpPr>
+        <p:spPr>
+          <a:xfrm>
+            <a:off x="457200" y="909977"/>
+            <a:ext cx="8229600" cy="1118512"/>
+          </a:xfrm>
+        </p:spPr>
+        <p:txBody>
+          <a:bodyPr/>
+          <a:lstStyle/>
+          <a:p>
+            <a:pPr lvl="0"/>
+            <a:r>
+              <a:rPr lang="en-US" dirty="0" smtClean="0"/>
+              <a:t>Click to edit Master text styles</a:t>
+            </a:r>
+          </a:p>
+          <a:p>
+            <a:pPr lvl="1"/>
+            <a:r>
+              <a:rPr lang="en-US" dirty="0" smtClean="0"/>
+              <a:t>Second level</a:t>
+            </a:r>
+          </a:p>
+          <a:p>
+            <a:pPr lvl="2"/>
+            <a:r>
+              <a:rPr lang="en-US" dirty="0" smtClean="0"/>
+              <a:t>Third level</a:t>
+            </a:r>
+          </a:p>
+          <a:p>
+            <a:pPr lvl="3"/>
+            <a:r>
+              <a:rPr lang="en-US" dirty="0" smtClean="0"/>
+              <a:t>Fourth level</a:t>
+            </a:r>
+          </a:p>
+          <a:p>
+            <a:pPr lvl="4"/>
+            <a:r>
+              <a:rPr lang="en-US" dirty="0" smtClean="0"/>
+              <a:t>Fifth level</a:t>
+            </a:r>
+            <a:endParaRPr lang="en-US" dirty="0"/>
+          </a:p>
+        </p:txBody>
+      </p:sp>
+      <p:sp>
+        <p:nvSpPr>
+          <p:cNvPr id="9" name="Content Placeholder 8"/>
+          <p:cNvSpPr>
+            <a:spLocks noGrp="1"/>
+          </p:cNvSpPr>
+          <p:nvPr>
+            <p:ph sz="quarter" idx="14"/>
+          </p:nvPr>
+        </p:nvSpPr>
+        <p:spPr>
+          <a:xfrm>
+            <a:off x="457200" y="2198574"/>
+            <a:ext cx="8229600" cy="1119049"/>
+          </a:xfrm>
+        </p:spPr>
+        <p:txBody>
+          <a:bodyPr/>
+          <a:lstStyle/>
+          <a:p>
+            <a:pPr lvl="0"/>
+            <a:r>
+              <a:rPr lang="en-US" dirty="0" smtClean="0"/>
+              <a:t>Click to edit Master text styles</a:t>
+            </a:r>
+          </a:p>
+          <a:p>
+            <a:pPr lvl="1"/>
+            <a:r>
+              <a:rPr lang="en-US" dirty="0" smtClean="0"/>
+              <a:t>Second level</a:t>
+            </a:r>
+          </a:p>
+          <a:p>
+            <a:pPr lvl="2"/>
+            <a:r>
+              <a:rPr lang="en-US" dirty="0" smtClean="0"/>
+              <a:t>Third level</a:t>
+            </a:r>
+          </a:p>
+          <a:p>
+            <a:pPr lvl="3"/>
+            <a:r>
+              <a:rPr lang="en-US" dirty="0" smtClean="0"/>
+              <a:t>Fourth level</a:t>
+            </a:r>
+          </a:p>
+          <a:p>
+            <a:pPr lvl="4"/>
+            <a:r>
+              <a:rPr lang="en-US" dirty="0" smtClean="0"/>
+              <a:t>Fifth level</a:t>
+            </a:r>
+            <a:endParaRPr lang="en-US" dirty="0"/>
+          </a:p>
+        </p:txBody>
+      </p:sp>
+      <p:sp>
+        <p:nvSpPr>
+          <p:cNvPr id="11" name="Content Placeholder 10"/>
+          <p:cNvSpPr>
+            <a:spLocks noGrp="1"/>
+          </p:cNvSpPr>
+          <p:nvPr>
+            <p:ph sz="quarter" idx="15"/>
+          </p:nvPr>
+        </p:nvSpPr>
+        <p:spPr>
+          <a:xfrm>
+            <a:off x="457200" y="3583427"/>
+            <a:ext cx="8229600" cy="1136650"/>
+          </a:xfrm>
+        </p:spPr>
+        <p:txBody>
+          <a:bodyPr/>
+          <a:lstStyle/>
+          <a:p>
+            <a:pPr lvl="0"/>
+            <a:r>
+              <a:rPr lang="en-US" smtClean="0"/>
+              <a:t>Click to edit Master text styles</a:t>
+            </a:r>
+          </a:p>
+          <a:p>
+            <a:pPr lvl="1"/>
+            <a:r>
+              <a:rPr lang="en-US" smtClean="0"/>
+              <a:t>Second level</a:t>
+            </a:r>
+          </a:p>
+          <a:p>
+            <a:pPr lvl="2"/>
+            <a:r>
+              <a:rPr lang="en-US" smtClean="0"/>
+              <a:t>Third level</a:t>
+            </a:r>
+          </a:p>
+          <a:p>
+            <a:pPr lvl="3"/>
+            <a:r>
+              <a:rPr lang="en-US" smtClean="0"/>
+              <a:t>Fourth level</a:t>
+            </a:r>
+          </a:p>
+          <a:p>
+            <a:pPr lvl="4"/>
+            <a:r>
+              <a:rPr lang="en-US" smtClean="0"/>
+              <a:t>Fifth level</a:t>
+            </a:r>
+            <a:endParaRPr lang="en-US"/>
+          </a:p>
+        </p:txBody>
+      </p:sp>
+      <p:sp>
+        <p:nvSpPr>
+          <p:cNvPr id="13" name="Content Placeholder 12"/>
+          <p:cNvSpPr>
+            <a:spLocks noGrp="1"/>
+          </p:cNvSpPr>
+          <p:nvPr>
+            <p:ph sz="quarter" idx="16"/>
+          </p:nvPr>
+        </p:nvSpPr>
+        <p:spPr>
+          <a:xfrm>
+            <a:off x="457200" y="5043465"/>
+            <a:ext cx="8229600" cy="1136791"/>
+          </a:xfrm>
+        </p:spPr>
+        <p:txBody>
+          <a:bodyPr/>
+          <a:lstStyle/>
+          <a:p>
+            <a:pPr lvl="0"/>
+            <a:r>
+              <a:rPr lang="en-US" smtClean="0"/>
+              <a:t>Click to edit Master text styles</a:t>
+            </a:r>
+          </a:p>
+          <a:p>
+            <a:pPr lvl="1"/>
+            <a:r>
+              <a:rPr lang="en-US" smtClean="0"/>
+              <a:t>Second level</a:t>
+            </a:r>
+          </a:p>
+          <a:p>
+            <a:pPr lvl="2"/>
+            <a:r>
+              <a:rPr lang="en-US" smtClean="0"/>
+              <a:t>Third level</a:t>
+            </a:r>
+          </a:p>
+          <a:p>
+            <a:pPr lvl="3"/>
+            <a:r>
+              <a:rPr lang="en-US" smtClean="0"/>
+              <a:t>Fourth level</a:t>
+            </a:r>
+          </a:p>
+          <a:p>
+            <a:pPr lvl="4"/>
+            <a:r>
+              <a:rPr lang="en-US" smtClean="0"/>
+              <a:t>Fifth level</a:t>
+            </a:r>
+            <a:endParaRPr lang="en-US"/>
+          </a:p>
+        </p:txBody>
+      </p:sp>
+    </p:spTree>
+    <p:extLst>
+      <p:ext uri="{BB962C8B-B14F-4D97-AF65-F5344CB8AC3E}">
+        <p14:creationId xmlns:p14="http://schemas.microsoft.com/office/powerpoint/2010/main" val="596550497"/>
+      </p:ext>
+    </p:extLst>
+  </p:cSld>
+  <p:clrMapOvr>
+    <a:masterClrMapping/>
+  </p:clrMapOvr>
+</p:sldLayout>
+</file>
+
+<file path=ppt/slideLayouts/slideLayout16.xml><?xml version="1.0" encoding="utf-8"?>
+<p:sldLayout xmlns:a="http://schemas.openxmlformats.org/drawingml/2006/main" xmlns:r="http://schemas.openxmlformats.org/officeDocument/2006/relationships" xmlns:p="http://schemas.openxmlformats.org/presentationml/2006/main" preserve="1" userDrawn="1">
+  <p:cSld name="2_Two Content">
+    <p:spTree>
+      <p:nvGrpSpPr>
+        <p:cNvPr id="1" name=""/>
+        <p:cNvGrpSpPr/>
+        <p:nvPr/>
+      </p:nvGrpSpPr>
+      <p:grpSpPr>
+        <a:xfrm>
+          <a:off x="0" y="0"/>
+          <a:ext cx="0" cy="0"/>
+          <a:chOff x="0" y="0"/>
+          <a:chExt cx="0" cy="0"/>
+        </a:xfrm>
+      </p:grpSpPr>
+      <p:sp>
+        <p:nvSpPr>
+          <p:cNvPr id="2" name="Title 1"/>
+          <p:cNvSpPr>
+            <a:spLocks noGrp="1"/>
+          </p:cNvSpPr>
+          <p:nvPr>
+            <p:ph type="title"/>
+          </p:nvPr>
+        </p:nvSpPr>
+        <p:spPr/>
+        <p:txBody>
+          <a:bodyPr/>
+          <a:lstStyle/>
+          <a:p>
+            <a:r>
+              <a:rPr lang="en-US" dirty="0" smtClean="0"/>
+              <a:t>Click to edit Master title style</a:t>
+            </a:r>
+            <a:endParaRPr lang="en-US" dirty="0"/>
+          </a:p>
+        </p:txBody>
+      </p:sp>
+      <p:sp>
+        <p:nvSpPr>
+          <p:cNvPr id="3" name="Content Placeholder 2"/>
+          <p:cNvSpPr>
+            <a:spLocks noGrp="1"/>
+          </p:cNvSpPr>
+          <p:nvPr>
+            <p:ph sz="half" idx="1"/>
+          </p:nvPr>
+        </p:nvSpPr>
+        <p:spPr>
+          <a:xfrm>
+            <a:off x="457200" y="935846"/>
+            <a:ext cx="4038600" cy="3140187"/>
+          </a:xfrm>
+        </p:spPr>
+        <p:txBody>
+          <a:bodyPr/>
+          <a:lstStyle>
+            <a:lvl1pPr>
+              <a:defRPr sz="2800"/>
+            </a:lvl1pPr>
+            <a:lvl2pPr>
+              <a:defRPr sz="2400"/>
+            </a:lvl2pPr>
+            <a:lvl3pPr>
+              <a:defRPr sz="2000"/>
+            </a:lvl3pPr>
+            <a:lvl4pPr>
+              <a:defRPr sz="1800"/>
+            </a:lvl4pPr>
+            <a:lvl5pPr>
+              <a:defRPr sz="1800"/>
+            </a:lvl5pPr>
+            <a:lvl6pPr>
+              <a:defRPr sz="1800"/>
+            </a:lvl6pPr>
+            <a:lvl7pPr>
+              <a:defRPr sz="1800"/>
+            </a:lvl7pPr>
+            <a:lvl8pPr>
+              <a:defRPr sz="1800"/>
+            </a:lvl8pPr>
+            <a:lvl9pPr>
+              <a:defRPr sz="1800"/>
+            </a:lvl9pPr>
+          </a:lstStyle>
+          <a:p>
+            <a:pPr lvl="0"/>
+            <a:r>
+              <a:rPr lang="en-US" dirty="0" smtClean="0"/>
+              <a:t>Click to edit Master text styles</a:t>
+            </a:r>
+          </a:p>
+          <a:p>
+            <a:pPr lvl="1"/>
+            <a:r>
+              <a:rPr lang="en-US" dirty="0" smtClean="0"/>
+              <a:t>Second level</a:t>
+            </a:r>
+          </a:p>
+          <a:p>
+            <a:pPr lvl="2"/>
+            <a:r>
+              <a:rPr lang="en-US" dirty="0" smtClean="0"/>
+              <a:t>Third level</a:t>
+            </a:r>
+          </a:p>
+          <a:p>
+            <a:pPr lvl="3"/>
+            <a:r>
+              <a:rPr lang="en-US" dirty="0" smtClean="0"/>
+              <a:t>Fourth level</a:t>
+            </a:r>
+          </a:p>
+          <a:p>
+            <a:pPr lvl="4"/>
+            <a:r>
+              <a:rPr lang="en-US" dirty="0" smtClean="0"/>
+              <a:t>Fifth level</a:t>
+            </a:r>
+            <a:endParaRPr lang="en-US" dirty="0"/>
+          </a:p>
+        </p:txBody>
+      </p:sp>
+      <p:sp>
+        <p:nvSpPr>
+          <p:cNvPr id="4" name="Content Placeholder 3"/>
+          <p:cNvSpPr>
+            <a:spLocks noGrp="1"/>
+          </p:cNvSpPr>
+          <p:nvPr>
+            <p:ph sz="half" idx="2"/>
+          </p:nvPr>
+        </p:nvSpPr>
+        <p:spPr>
+          <a:xfrm>
+            <a:off x="4648200" y="935846"/>
+            <a:ext cx="4038600" cy="3140187"/>
+          </a:xfrm>
+        </p:spPr>
+        <p:txBody>
+          <a:bodyPr/>
+          <a:lstStyle>
+            <a:lvl1pPr>
+              <a:defRPr sz="2800"/>
+            </a:lvl1pPr>
+            <a:lvl2pPr>
+              <a:defRPr sz="2400"/>
+            </a:lvl2pPr>
+            <a:lvl3pPr>
+              <a:defRPr sz="2000"/>
+            </a:lvl3pPr>
+            <a:lvl4pPr>
+              <a:defRPr sz="1800"/>
+            </a:lvl4pPr>
+            <a:lvl5pPr>
+              <a:defRPr sz="1800"/>
+            </a:lvl5pPr>
+            <a:lvl6pPr>
+              <a:defRPr sz="1800"/>
+            </a:lvl6pPr>
+            <a:lvl7pPr>
+              <a:defRPr sz="1800"/>
+            </a:lvl7pPr>
+            <a:lvl8pPr>
+              <a:defRPr sz="1800"/>
+            </a:lvl8pPr>
+            <a:lvl9pPr>
+              <a:defRPr sz="1800"/>
+            </a:lvl9pPr>
+          </a:lstStyle>
+          <a:p>
+            <a:pPr lvl="0"/>
+            <a:r>
+              <a:rPr lang="en-US" dirty="0" smtClean="0"/>
+              <a:t>Click to edit Master text styles</a:t>
+            </a:r>
+          </a:p>
+          <a:p>
+            <a:pPr lvl="1"/>
+            <a:r>
+              <a:rPr lang="en-US" dirty="0" smtClean="0"/>
+              <a:t>Second level</a:t>
+            </a:r>
+          </a:p>
+          <a:p>
+            <a:pPr lvl="2"/>
+            <a:r>
+              <a:rPr lang="en-US" dirty="0" smtClean="0"/>
+              <a:t>Third level</a:t>
+            </a:r>
+          </a:p>
+          <a:p>
+            <a:pPr lvl="3"/>
+            <a:r>
+              <a:rPr lang="en-US" dirty="0" smtClean="0"/>
+              <a:t>Fourth level</a:t>
+            </a:r>
+          </a:p>
+          <a:p>
+            <a:pPr lvl="4"/>
+            <a:r>
+              <a:rPr lang="en-US" dirty="0" smtClean="0"/>
+              <a:t>Fifth level</a:t>
+            </a:r>
+            <a:endParaRPr lang="en-US" dirty="0"/>
+          </a:p>
+        </p:txBody>
+      </p:sp>
+      <p:sp>
+        <p:nvSpPr>
+          <p:cNvPr id="5" name="Date Placeholder 4"/>
+          <p:cNvSpPr>
+            <a:spLocks noGrp="1"/>
+          </p:cNvSpPr>
+          <p:nvPr>
+            <p:ph type="dt" sz="half" idx="10"/>
+          </p:nvPr>
+        </p:nvSpPr>
+        <p:spPr/>
+        <p:txBody>
+          <a:bodyPr/>
+          <a:lstStyle>
+            <a:lvl1pPr>
+              <a:defRPr>
+                <a:latin typeface="Times New Roman"/>
+                <a:cs typeface="Times New Roman"/>
+              </a:defRPr>
+            </a:lvl1pPr>
+          </a:lstStyle>
+          <a:p>
+            <a:fld id="{30545249-FD76-6844-B252-CAB05FC2DAA8}" type="datetime2">
+              <a:rPr lang="en-US" smtClean="0"/>
+              <a:t>Wednesday, September 10, 14</a:t>
+            </a:fld>
+            <a:endParaRPr lang="en-US" dirty="0"/>
+          </a:p>
+        </p:txBody>
+      </p:sp>
+      <p:sp>
+        <p:nvSpPr>
+          <p:cNvPr id="6" name="Footer Placeholder 5"/>
+          <p:cNvSpPr>
+            <a:spLocks noGrp="1"/>
+          </p:cNvSpPr>
+          <p:nvPr>
+            <p:ph type="ftr" sz="quarter" idx="11"/>
+          </p:nvPr>
+        </p:nvSpPr>
+        <p:spPr/>
+        <p:txBody>
+          <a:bodyPr/>
+          <a:lstStyle>
+            <a:lvl1pPr>
+              <a:defRPr>
+                <a:latin typeface="Times New Roman"/>
+                <a:cs typeface="Times New Roman"/>
+              </a:defRPr>
+            </a:lvl1pPr>
+          </a:lstStyle>
+          <a:p>
+            <a:pPr algn="r"/>
+            <a:r>
+              <a:rPr lang="en-US" smtClean="0"/>
+              <a:t>Sanjay Kalé and PPL (UIUC) – Parallel Migratable Objects </a:t>
+            </a:r>
+            <a:endParaRPr lang="en-US" dirty="0"/>
+          </a:p>
+        </p:txBody>
+      </p:sp>
+      <p:sp>
+        <p:nvSpPr>
+          <p:cNvPr id="7" name="Slide Number Placeholder 6"/>
+          <p:cNvSpPr>
+            <a:spLocks noGrp="1"/>
+          </p:cNvSpPr>
+          <p:nvPr>
+            <p:ph type="sldNum" sz="quarter" idx="12"/>
+          </p:nvPr>
+        </p:nvSpPr>
+        <p:spPr/>
+        <p:txBody>
+          <a:bodyPr/>
+          <a:lstStyle/>
+          <a:p>
+            <a:fld id="{0CFEC368-1D7A-4F81-ABF6-AE0E36BAF64C}" type="slidenum">
+              <a:rPr lang="en-US" smtClean="0"/>
+              <a:pPr/>
+              <a:t>‹#›</a:t>
+            </a:fld>
+            <a:endParaRPr lang="en-US" dirty="0"/>
+          </a:p>
+        </p:txBody>
+      </p:sp>
+      <p:sp>
+        <p:nvSpPr>
+          <p:cNvPr id="9" name="Content Placeholder 8"/>
+          <p:cNvSpPr>
+            <a:spLocks noGrp="1"/>
+          </p:cNvSpPr>
+          <p:nvPr>
+            <p:ph sz="quarter" idx="13"/>
+          </p:nvPr>
+        </p:nvSpPr>
+        <p:spPr>
+          <a:xfrm>
+            <a:off x="457200" y="4829213"/>
+            <a:ext cx="8229600" cy="1550950"/>
+          </a:xfrm>
+          <a:solidFill>
+            <a:schemeClr val="tx2">
+              <a:lumMod val="20000"/>
+              <a:lumOff val="80000"/>
+            </a:schemeClr>
+          </a:solidFill>
+          <a:ln>
+            <a:solidFill>
+              <a:schemeClr val="tx2"/>
+            </a:solidFill>
+          </a:ln>
+        </p:spPr>
+        <p:txBody>
+          <a:bodyPr/>
+          <a:lstStyle/>
+          <a:p>
+            <a:pPr lvl="0"/>
+            <a:r>
+              <a:rPr lang="en-US" dirty="0" smtClean="0"/>
+              <a:t>Click to edit Master text styles</a:t>
+            </a:r>
+          </a:p>
+          <a:p>
+            <a:pPr lvl="1"/>
+            <a:r>
+              <a:rPr lang="en-US" dirty="0" smtClean="0"/>
+              <a:t>Second level</a:t>
+            </a:r>
+          </a:p>
+          <a:p>
+            <a:pPr lvl="2"/>
+            <a:r>
+              <a:rPr lang="en-US" dirty="0" smtClean="0"/>
+              <a:t>Third level</a:t>
+            </a:r>
+          </a:p>
+          <a:p>
+            <a:pPr lvl="3"/>
+            <a:r>
+              <a:rPr lang="en-US" dirty="0" smtClean="0"/>
+              <a:t>Fourth level</a:t>
+            </a:r>
+          </a:p>
+          <a:p>
+            <a:pPr lvl="4"/>
+            <a:r>
+              <a:rPr lang="en-US" dirty="0" smtClean="0"/>
+              <a:t>Fifth level</a:t>
+            </a:r>
+            <a:endParaRPr lang="en-US" dirty="0"/>
+          </a:p>
+        </p:txBody>
+      </p:sp>
+      <p:sp>
+        <p:nvSpPr>
+          <p:cNvPr id="11" name="Text Placeholder 10"/>
+          <p:cNvSpPr>
+            <a:spLocks noGrp="1"/>
+          </p:cNvSpPr>
+          <p:nvPr>
+            <p:ph type="body" sz="quarter" idx="14"/>
+          </p:nvPr>
+        </p:nvSpPr>
+        <p:spPr>
+          <a:xfrm>
+            <a:off x="457200" y="4238625"/>
+            <a:ext cx="8229600" cy="590550"/>
+          </a:xfrm>
+          <a:solidFill>
+            <a:schemeClr val="tx2">
+              <a:lumMod val="40000"/>
+              <a:lumOff val="60000"/>
+            </a:schemeClr>
+          </a:solidFill>
+          <a:ln>
+            <a:solidFill>
+              <a:schemeClr val="tx2"/>
+            </a:solidFill>
+          </a:ln>
+        </p:spPr>
+        <p:txBody>
+          <a:bodyPr/>
+          <a:lstStyle>
+            <a:lvl1pPr marL="0" indent="0">
+              <a:buNone/>
+              <a:defRPr b="1"/>
+            </a:lvl1pPr>
+          </a:lstStyle>
+          <a:p>
+            <a:pPr lvl="0"/>
+            <a:r>
+              <a:rPr lang="en-US" dirty="0" smtClean="0"/>
+              <a:t>Click to edit Master text styles</a:t>
+            </a:r>
+            <a:endParaRPr lang="en-US" dirty="0"/>
+          </a:p>
+        </p:txBody>
+      </p:sp>
+    </p:spTree>
+    <p:extLst>
+      <p:ext uri="{BB962C8B-B14F-4D97-AF65-F5344CB8AC3E}">
+        <p14:creationId xmlns:p14="http://schemas.microsoft.com/office/powerpoint/2010/main" val="707568992"/>
+      </p:ext>
+    </p:extLst>
   </p:cSld>
   <p:clrMapOvr>
     <a:masterClrMapping/>
@@ -2205,35 +3764,35 @@
           <a:p>
             <a:pPr lvl="0"/>
             <a:r>
-              <a:rPr lang="en-US" dirty="0" smtClean="0"/>
+              <a:rPr lang="en-US" smtClean="0"/>
               <a:t>Click to edit Master text styles</a:t>
             </a:r>
           </a:p>
           <a:p>
             <a:pPr lvl="1"/>
             <a:r>
-              <a:rPr lang="en-US" dirty="0" smtClean="0"/>
+              <a:rPr lang="en-US" smtClean="0"/>
               <a:t>Second level</a:t>
             </a:r>
           </a:p>
           <a:p>
             <a:pPr lvl="2"/>
             <a:r>
-              <a:rPr lang="en-US" dirty="0" smtClean="0"/>
+              <a:rPr lang="en-US" smtClean="0"/>
               <a:t>Third level</a:t>
             </a:r>
           </a:p>
           <a:p>
             <a:pPr lvl="3"/>
             <a:r>
-              <a:rPr lang="en-US" dirty="0" smtClean="0"/>
+              <a:rPr lang="en-US" smtClean="0"/>
               <a:t>Fourth level</a:t>
             </a:r>
           </a:p>
           <a:p>
             <a:pPr lvl="4"/>
             <a:r>
-              <a:rPr lang="en-US" dirty="0" smtClean="0"/>
+              <a:rPr lang="en-US" smtClean="0"/>
               <a:t>Fifth level</a:t>
             </a:r>
             <a:endParaRPr lang="en-US" dirty="0"/>
@@ -2257,7 +3816,7 @@
           <a:p>
             <a:fld id="{34621E95-60A9-FF44-9869-513D9D7A859F}" type="datetime2">
               <a:rPr lang="en-US" smtClean="0"/>
-              <a:t>Tuesday, September 9, 14</a:t>
+              <a:t>Wednesday, September 10, 14</a:t>
             </a:fld>
             <a:endParaRPr lang="en-US"/>
           </a:p>
@@ -2320,7 +3879,7 @@
 </file>
 
 <file path=ppt/slideLayouts/slideLayout3.xml><?xml version="1.0" encoding="utf-8"?>
-<p:sldLayout xmlns:a="http://schemas.openxmlformats.org/drawingml/2006/main" xmlns:r="http://schemas.openxmlformats.org/officeDocument/2006/relationships" xmlns:p="http://schemas.openxmlformats.org/presentationml/2006/main" preserve="1" userDrawn="1">
+<p:sldLayout xmlns:a="http://schemas.openxmlformats.org/drawingml/2006/main" xmlns:r="http://schemas.openxmlformats.org/officeDocument/2006/relationships" xmlns:p="http://schemas.openxmlformats.org/presentationml/2006/main" preserve="1">
   <p:cSld name="Custom Layout">
     <p:spTree>
       <p:nvGrpSpPr>
@@ -2376,7 +3935,7 @@
           <a:p>
             <a:fld id="{BD5AFB16-13FE-DF4A-8CB7-09756A57B2EA}" type="datetime2">
               <a:rPr lang="en-US" smtClean="0"/>
-              <a:t>Tuesday, September 9, 14</a:t>
+              <a:t>Wednesday, September 10, 14</a:t>
             </a:fld>
             <a:endParaRPr lang="en-US" dirty="0"/>
           </a:p>
@@ -2442,8 +4001,8 @@
         </p:nvSpPr>
         <p:spPr>
           <a:xfrm>
-            <a:off x="457200" y="909977"/>
-            <a:ext cx="8229600" cy="1118512"/>
+            <a:off x="261865" y="909977"/>
+            <a:ext cx="8615360" cy="1118512"/>
           </a:xfrm>
         </p:spPr>
         <p:txBody>
@@ -2452,35 +4011,35 @@
           <a:p>
             <a:pPr lvl="0"/>
             <a:r>
-              <a:rPr lang="en-US" dirty="0" smtClean="0"/>
+              <a:rPr lang="en-US" smtClean="0"/>
               <a:t>Click to edit Master text styles</a:t>
             </a:r>
           </a:p>
           <a:p>
             <a:pPr lvl="1"/>
             <a:r>
-              <a:rPr lang="en-US" dirty="0" smtClean="0"/>
+              <a:rPr lang="en-US" smtClean="0"/>
               <a:t>Second level</a:t>
             </a:r>
           </a:p>
           <a:p>
             <a:pPr lvl="2"/>
             <a:r>
-              <a:rPr lang="en-US" dirty="0" smtClean="0"/>
+              <a:rPr lang="en-US" smtClean="0"/>
               <a:t>Third level</a:t>
             </a:r>
           </a:p>
           <a:p>
             <a:pPr lvl="3"/>
             <a:r>
-              <a:rPr lang="en-US" dirty="0" smtClean="0"/>
+              <a:rPr lang="en-US" smtClean="0"/>
               <a:t>Fourth level</a:t>
             </a:r>
           </a:p>
           <a:p>
             <a:pPr lvl="4"/>
             <a:r>
-              <a:rPr lang="en-US" dirty="0" smtClean="0"/>
+              <a:rPr lang="en-US" smtClean="0"/>
               <a:t>Fifth level</a:t>
             </a:r>
             <a:endParaRPr lang="en-US" dirty="0"/>
@@ -2499,8 +4058,8 @@
         </p:nvSpPr>
         <p:spPr>
           <a:xfrm>
-            <a:off x="457200" y="2198574"/>
-            <a:ext cx="8229600" cy="1119049"/>
+            <a:off x="261865" y="2198574"/>
+            <a:ext cx="8615360" cy="1119049"/>
           </a:xfrm>
         </p:spPr>
         <p:txBody>
@@ -2509,35 +4068,35 @@
           <a:p>
             <a:pPr lvl="0"/>
             <a:r>
-              <a:rPr lang="en-US" dirty="0" smtClean="0"/>
+              <a:rPr lang="en-US" smtClean="0"/>
               <a:t>Click to edit Master text styles</a:t>
             </a:r>
           </a:p>
           <a:p>
             <a:pPr lvl="1"/>
             <a:r>
-              <a:rPr lang="en-US" dirty="0" smtClean="0"/>
+              <a:rPr lang="en-US" smtClean="0"/>
               <a:t>Second level</a:t>
             </a:r>
           </a:p>
           <a:p>
             <a:pPr lvl="2"/>
             <a:r>
-              <a:rPr lang="en-US" dirty="0" smtClean="0"/>
+              <a:rPr lang="en-US" smtClean="0"/>
               <a:t>Third level</a:t>
             </a:r>
           </a:p>
           <a:p>
             <a:pPr lvl="3"/>
             <a:r>
-              <a:rPr lang="en-US" dirty="0" smtClean="0"/>
+              <a:rPr lang="en-US" smtClean="0"/>
               <a:t>Fourth level</a:t>
             </a:r>
           </a:p>
           <a:p>
             <a:pPr lvl="4"/>
             <a:r>
-              <a:rPr lang="en-US" dirty="0" smtClean="0"/>
+              <a:rPr lang="en-US" smtClean="0"/>
               <a:t>Fifth level</a:t>
             </a:r>
             <a:endParaRPr lang="en-US" dirty="0"/>
@@ -2556,8 +4115,8 @@
         </p:nvSpPr>
         <p:spPr>
           <a:xfrm>
-            <a:off x="457200" y="3583427"/>
-            <a:ext cx="8229600" cy="1136650"/>
+            <a:off x="261865" y="3583427"/>
+            <a:ext cx="8615360" cy="1136650"/>
           </a:xfrm>
         </p:spPr>
         <p:txBody>
@@ -2597,7 +4156,7 @@
               <a:rPr lang="en-US" smtClean="0"/>
               <a:t>Fifth level</a:t>
             </a:r>
-            <a:endParaRPr lang="en-US"/>
+            <a:endParaRPr lang="en-US" dirty="0"/>
           </a:p>
         </p:txBody>
       </p:sp>
@@ -2613,8 +4172,8 @@
         </p:nvSpPr>
         <p:spPr>
           <a:xfrm>
-            <a:off x="457200" y="5043465"/>
-            <a:ext cx="8229600" cy="1136791"/>
+            <a:off x="261865" y="5043465"/>
+            <a:ext cx="8615360" cy="1136791"/>
           </a:xfrm>
         </p:spPr>
         <p:txBody>
@@ -2654,7 +4213,7 @@
               <a:rPr lang="en-US" smtClean="0"/>
               <a:t>Fifth level</a:t>
             </a:r>
-            <a:endParaRPr lang="en-US"/>
+            <a:endParaRPr lang="en-US" dirty="0"/>
           </a:p>
         </p:txBody>
       </p:sp>
@@ -2863,7 +4422,7 @@
           <a:p>
             <a:fld id="{1BDEC705-8EA9-6C46-8E3B-2CAC7E2C0F7D}" type="datetime2">
               <a:rPr lang="en-US" smtClean="0"/>
-              <a:t>Tuesday, September 9, 14</a:t>
+              <a:t>Wednesday, September 10, 14</a:t>
             </a:fld>
             <a:endParaRPr lang="en-US"/>
           </a:p>
@@ -2993,7 +4552,7 @@
           <a:lstStyle/>
           <a:p>
             <a:r>
-              <a:rPr lang="en-US" dirty="0" smtClean="0"/>
+              <a:rPr lang="en-US" smtClean="0"/>
               <a:t>Click to edit Master title style</a:t>
             </a:r>
             <a:endParaRPr lang="en-US" dirty="0"/>
@@ -3012,8 +4571,8 @@
         </p:nvSpPr>
         <p:spPr>
           <a:xfrm>
-            <a:off x="457200" y="935846"/>
-            <a:ext cx="4038600" cy="5455810"/>
+            <a:off x="261866" y="935846"/>
+            <a:ext cx="4114800" cy="5455810"/>
           </a:xfrm>
         </p:spPr>
         <p:txBody>
@@ -3050,35 +4609,35 @@
           <a:p>
             <a:pPr lvl="0"/>
             <a:r>
-              <a:rPr lang="en-US" dirty="0" smtClean="0"/>
+              <a:rPr lang="en-US" smtClean="0"/>
               <a:t>Click to edit Master text styles</a:t>
             </a:r>
           </a:p>
           <a:p>
             <a:pPr lvl="1"/>
             <a:r>
-              <a:rPr lang="en-US" dirty="0" smtClean="0"/>
+              <a:rPr lang="en-US" smtClean="0"/>
               <a:t>Second level</a:t>
             </a:r>
           </a:p>
           <a:p>
             <a:pPr lvl="2"/>
             <a:r>
-              <a:rPr lang="en-US" dirty="0" smtClean="0"/>
+              <a:rPr lang="en-US" smtClean="0"/>
               <a:t>Third level</a:t>
             </a:r>
           </a:p>
           <a:p>
             <a:pPr lvl="3"/>
             <a:r>
-              <a:rPr lang="en-US" dirty="0" smtClean="0"/>
+              <a:rPr lang="en-US" smtClean="0"/>
               <a:t>Fourth level</a:t>
             </a:r>
           </a:p>
           <a:p>
             <a:pPr lvl="4"/>
             <a:r>
-              <a:rPr lang="en-US" dirty="0" smtClean="0"/>
+              <a:rPr lang="en-US" smtClean="0"/>
               <a:t>Fifth level</a:t>
             </a:r>
             <a:endParaRPr lang="en-US" dirty="0"/>
@@ -3097,8 +4656,8 @@
         </p:nvSpPr>
         <p:spPr>
           <a:xfrm>
-            <a:off x="4648200" y="935846"/>
-            <a:ext cx="4038600" cy="5455810"/>
+            <a:off x="4737099" y="935846"/>
+            <a:ext cx="4140125" cy="5455810"/>
           </a:xfrm>
         </p:spPr>
         <p:txBody>
@@ -3135,35 +4694,35 @@
           <a:p>
             <a:pPr lvl="0"/>
             <a:r>
-              <a:rPr lang="en-US" dirty="0" smtClean="0"/>
+              <a:rPr lang="en-US" smtClean="0"/>
               <a:t>Click to edit Master text styles</a:t>
             </a:r>
           </a:p>
           <a:p>
             <a:pPr lvl="1"/>
             <a:r>
-              <a:rPr lang="en-US" dirty="0" smtClean="0"/>
+              <a:rPr lang="en-US" smtClean="0"/>
               <a:t>Second level</a:t>
             </a:r>
           </a:p>
           <a:p>
             <a:pPr lvl="2"/>
             <a:r>
-              <a:rPr lang="en-US" dirty="0" smtClean="0"/>
+              <a:rPr lang="en-US" smtClean="0"/>
               <a:t>Third level</a:t>
             </a:r>
           </a:p>
           <a:p>
             <a:pPr lvl="3"/>
             <a:r>
-              <a:rPr lang="en-US" dirty="0" smtClean="0"/>
+              <a:rPr lang="en-US" smtClean="0"/>
               <a:t>Fourth level</a:t>
             </a:r>
           </a:p>
           <a:p>
             <a:pPr lvl="4"/>
             <a:r>
-              <a:rPr lang="en-US" dirty="0" smtClean="0"/>
+              <a:rPr lang="en-US" smtClean="0"/>
               <a:t>Fifth level</a:t>
             </a:r>
             <a:endParaRPr lang="en-US" dirty="0"/>
@@ -3194,7 +4753,7 @@
           <a:p>
             <a:fld id="{BF613BD3-C5FD-9543-B738-679BF38D8C83}" type="datetime2">
               <a:rPr lang="en-US" smtClean="0"/>
-              <a:t>Tuesday, September 9, 14</a:t>
+              <a:t>Wednesday, September 10, 14</a:t>
             </a:fld>
             <a:endParaRPr lang="en-US" dirty="0"/>
           </a:p>
@@ -3319,8 +4878,8 @@
         </p:nvSpPr>
         <p:spPr>
           <a:xfrm>
-            <a:off x="457200" y="1676400"/>
-            <a:ext cx="3931920" cy="639762"/>
+            <a:off x="261865" y="914400"/>
+            <a:ext cx="4114800" cy="639762"/>
           </a:xfrm>
           <a:noFill/>
           <a:ln>
@@ -3407,8 +4966,8 @@
         </p:nvSpPr>
         <p:spPr>
           <a:xfrm>
-            <a:off x="457200" y="2438400"/>
-            <a:ext cx="3931920" cy="3951288"/>
+            <a:off x="261865" y="1714500"/>
+            <a:ext cx="4114800" cy="4675188"/>
           </a:xfrm>
         </p:spPr>
         <p:txBody>
@@ -3492,8 +5051,8 @@
         </p:nvSpPr>
         <p:spPr>
           <a:xfrm>
-            <a:off x="4754880" y="1676400"/>
-            <a:ext cx="3931920" cy="639762"/>
+            <a:off x="4737100" y="914400"/>
+            <a:ext cx="4140125" cy="639762"/>
           </a:xfrm>
           <a:noFill/>
           <a:ln>
@@ -3583,8 +5142,8 @@
         </p:nvSpPr>
         <p:spPr>
           <a:xfrm>
-            <a:off x="4754880" y="2438400"/>
-            <a:ext cx="3931920" cy="3951288"/>
+            <a:off x="4737100" y="1714500"/>
+            <a:ext cx="4140125" cy="4675188"/>
           </a:xfrm>
         </p:spPr>
         <p:txBody>
@@ -3673,7 +5232,7 @@
           <a:p>
             <a:fld id="{4B5E4F0C-9A9C-5448-99FD-D30288B385C9}" type="datetime2">
               <a:rPr lang="en-US" smtClean="0"/>
-              <a:t>Tuesday, September 9, 14</a:t>
+              <a:t>Wednesday, September 10, 14</a:t>
             </a:fld>
             <a:endParaRPr lang="en-US"/>
           </a:p>
@@ -3736,7 +5295,7 @@
 </file>
 
 <file path=ppt/slideLayouts/slideLayout7.xml><?xml version="1.0" encoding="utf-8"?>
-<p:sldLayout xmlns:a="http://schemas.openxmlformats.org/drawingml/2006/main" xmlns:r="http://schemas.openxmlformats.org/officeDocument/2006/relationships" xmlns:p="http://schemas.openxmlformats.org/presentationml/2006/main" preserve="1" userDrawn="1">
+<p:sldLayout xmlns:a="http://schemas.openxmlformats.org/drawingml/2006/main" xmlns:r="http://schemas.openxmlformats.org/officeDocument/2006/relationships" xmlns:p="http://schemas.openxmlformats.org/presentationml/2006/main" preserve="1">
   <p:cSld name="1_Two Content">
     <p:spTree>
       <p:nvGrpSpPr>
@@ -3768,7 +5327,7 @@
           <a:lstStyle/>
           <a:p>
             <a:r>
-              <a:rPr lang="en-US" dirty="0" smtClean="0"/>
+              <a:rPr lang="en-US" smtClean="0"/>
               <a:t>Click to edit Master title style</a:t>
             </a:r>
             <a:endParaRPr lang="en-US" dirty="0"/>
@@ -3787,8 +5346,8 @@
         </p:nvSpPr>
         <p:spPr>
           <a:xfrm>
-            <a:off x="457200" y="935846"/>
-            <a:ext cx="4038600" cy="3140187"/>
+            <a:off x="261866" y="935846"/>
+            <a:ext cx="4114800" cy="3140187"/>
           </a:xfrm>
         </p:spPr>
         <p:txBody>
@@ -3825,35 +5384,35 @@
           <a:p>
             <a:pPr lvl="0"/>
             <a:r>
-              <a:rPr lang="en-US" dirty="0" smtClean="0"/>
+              <a:rPr lang="en-US" smtClean="0"/>
               <a:t>Click to edit Master text styles</a:t>
             </a:r>
           </a:p>
           <a:p>
             <a:pPr lvl="1"/>
             <a:r>
-              <a:rPr lang="en-US" dirty="0" smtClean="0"/>
+              <a:rPr lang="en-US" smtClean="0"/>
               <a:t>Second level</a:t>
             </a:r>
           </a:p>
           <a:p>
             <a:pPr lvl="2"/>
             <a:r>
-              <a:rPr lang="en-US" dirty="0" smtClean="0"/>
+              <a:rPr lang="en-US" smtClean="0"/>
               <a:t>Third level</a:t>
             </a:r>
           </a:p>
           <a:p>
             <a:pPr lvl="3"/>
             <a:r>
-              <a:rPr lang="en-US" dirty="0" smtClean="0"/>
+              <a:rPr lang="en-US" smtClean="0"/>
               <a:t>Fourth level</a:t>
             </a:r>
           </a:p>
           <a:p>
             <a:pPr lvl="4"/>
             <a:r>
-              <a:rPr lang="en-US" dirty="0" smtClean="0"/>
+              <a:rPr lang="en-US" smtClean="0"/>
               <a:t>Fifth level</a:t>
             </a:r>
             <a:endParaRPr lang="en-US" dirty="0"/>
@@ -3872,8 +5431,8 @@
         </p:nvSpPr>
         <p:spPr>
           <a:xfrm>
-            <a:off x="4648200" y="935846"/>
-            <a:ext cx="4038600" cy="3140187"/>
+            <a:off x="4737100" y="935846"/>
+            <a:ext cx="4140124" cy="3140187"/>
           </a:xfrm>
         </p:spPr>
         <p:txBody>
@@ -3910,35 +5469,35 @@
           <a:p>
             <a:pPr lvl="0"/>
             <a:r>
-              <a:rPr lang="en-US" dirty="0" smtClean="0"/>
+              <a:rPr lang="en-US" smtClean="0"/>
               <a:t>Click to edit Master text styles</a:t>
             </a:r>
           </a:p>
           <a:p>
             <a:pPr lvl="1"/>
             <a:r>
-              <a:rPr lang="en-US" dirty="0" smtClean="0"/>
+              <a:rPr lang="en-US" smtClean="0"/>
               <a:t>Second level</a:t>
             </a:r>
           </a:p>
           <a:p>
             <a:pPr lvl="2"/>
             <a:r>
-              <a:rPr lang="en-US" dirty="0" smtClean="0"/>
+              <a:rPr lang="en-US" smtClean="0"/>
               <a:t>Third level</a:t>
             </a:r>
           </a:p>
           <a:p>
             <a:pPr lvl="3"/>
             <a:r>
-              <a:rPr lang="en-US" dirty="0" smtClean="0"/>
+              <a:rPr lang="en-US" smtClean="0"/>
               <a:t>Fourth level</a:t>
             </a:r>
           </a:p>
           <a:p>
             <a:pPr lvl="4"/>
             <a:r>
-              <a:rPr lang="en-US" dirty="0" smtClean="0"/>
+              <a:rPr lang="en-US" smtClean="0"/>
               <a:t>Fifth level</a:t>
             </a:r>
             <a:endParaRPr lang="en-US" dirty="0"/>
@@ -3969,7 +5528,7 @@
           <a:p>
             <a:fld id="{30545249-FD76-6844-B252-CAB05FC2DAA8}" type="datetime2">
               <a:rPr lang="en-US" smtClean="0"/>
-              <a:t>Tuesday, September 9, 14</a:t>
+              <a:t>Wednesday, September 10, 14</a:t>
             </a:fld>
             <a:endParaRPr lang="en-US" dirty="0"/>
           </a:p>
@@ -4042,8 +5601,8 @@
         </p:nvSpPr>
         <p:spPr>
           <a:xfrm>
-            <a:off x="457200" y="4829213"/>
-            <a:ext cx="8229600" cy="1550950"/>
+            <a:off x="261865" y="4829213"/>
+            <a:ext cx="8615360" cy="1550950"/>
           </a:xfrm>
           <a:solidFill>
             <a:schemeClr val="tx2">
@@ -4063,35 +5622,35 @@
           <a:p>
             <a:pPr lvl="0"/>
             <a:r>
-              <a:rPr lang="en-US" dirty="0" smtClean="0"/>
+              <a:rPr lang="en-US" smtClean="0"/>
               <a:t>Click to edit Master text styles</a:t>
             </a:r>
           </a:p>
           <a:p>
             <a:pPr lvl="1"/>
             <a:r>
-              <a:rPr lang="en-US" dirty="0" smtClean="0"/>
+              <a:rPr lang="en-US" smtClean="0"/>
               <a:t>Second level</a:t>
             </a:r>
           </a:p>
           <a:p>
             <a:pPr lvl="2"/>
             <a:r>
-              <a:rPr lang="en-US" dirty="0" smtClean="0"/>
+              <a:rPr lang="en-US" smtClean="0"/>
               <a:t>Third level</a:t>
             </a:r>
           </a:p>
           <a:p>
             <a:pPr lvl="3"/>
             <a:r>
-              <a:rPr lang="en-US" dirty="0" smtClean="0"/>
+              <a:rPr lang="en-US" smtClean="0"/>
               <a:t>Fourth level</a:t>
             </a:r>
           </a:p>
           <a:p>
             <a:pPr lvl="4"/>
             <a:r>
-              <a:rPr lang="en-US" dirty="0" smtClean="0"/>
+              <a:rPr lang="en-US" smtClean="0"/>
               <a:t>Fifth level</a:t>
             </a:r>
             <a:endParaRPr lang="en-US" dirty="0"/>
@@ -4110,8 +5669,8 @@
         </p:nvSpPr>
         <p:spPr>
           <a:xfrm>
-            <a:off x="457200" y="4238625"/>
-            <a:ext cx="8229600" cy="590550"/>
+            <a:off x="261865" y="4238625"/>
+            <a:ext cx="8615359" cy="590550"/>
           </a:xfrm>
           <a:solidFill>
             <a:schemeClr val="tx2">
@@ -4136,10 +5695,9 @@
           <a:p>
             <a:pPr lvl="0"/>
             <a:r>
-              <a:rPr lang="en-US" dirty="0" smtClean="0"/>
+              <a:rPr lang="en-US" smtClean="0"/>
               <a:t>Click to edit Master text styles</a:t>
             </a:r>
-            <a:endParaRPr lang="en-US" dirty="0"/>
           </a:p>
         </p:txBody>
       </p:sp>
@@ -4213,7 +5771,7 @@
           <a:p>
             <a:fld id="{CC859171-EEDD-0B48-A5C0-E7218AE20EA7}" type="datetime2">
               <a:rPr lang="en-US" smtClean="0"/>
-              <a:t>Tuesday, September 9, 14</a:t>
+              <a:t>Wednesday, September 10, 14</a:t>
             </a:fld>
             <a:endParaRPr lang="en-US"/>
           </a:p>
@@ -4309,7 +5867,7 @@
           <a:p>
             <a:fld id="{C32F9216-0342-7440-9504-BD6C1382BF27}" type="datetime2">
               <a:rPr lang="en-US" smtClean="0"/>
-              <a:t>Tuesday, September 9, 14</a:t>
+              <a:t>Wednesday, September 10, 14</a:t>
             </a:fld>
             <a:endParaRPr lang="en-US"/>
           </a:p>
@@ -4401,7 +5959,7 @@
         </p:nvSpPr>
         <p:spPr>
           <a:xfrm>
-            <a:off x="0" y="6506351"/>
+            <a:off x="0" y="6469775"/>
             <a:ext cx="9144000" cy="365760"/>
           </a:xfrm>
           <a:prstGeom prst="rect">
@@ -4446,18 +6004,62 @@
       </p:sp>
       <p:sp>
         <p:nvSpPr>
-          <p:cNvPr id="2" name="Title Placeholder 1"/>
-          <p:cNvSpPr>
-            <a:spLocks noGrp="1"/>
-          </p:cNvSpPr>
-          <p:nvPr>
-            <p:ph type="title"/>
+          <p:cNvPr id="5" name="Footer Placeholder 4"/>
+          <p:cNvSpPr>
+            <a:spLocks noGrp="1"/>
+          </p:cNvSpPr>
+          <p:nvPr>
+            <p:ph type="ftr" sz="quarter" idx="3"/>
           </p:nvPr>
         </p:nvSpPr>
         <p:spPr>
           <a:xfrm>
-            <a:off x="0" y="0"/>
-            <a:ext cx="9144000" cy="678666"/>
+            <a:off x="261865" y="6501045"/>
+            <a:ext cx="4114800" cy="329184"/>
+          </a:xfrm>
+          <a:prstGeom prst="rect">
+            <a:avLst/>
+          </a:prstGeom>
+          <a:solidFill>
+            <a:srgbClr val="A53926"/>
+          </a:solidFill>
+        </p:spPr>
+        <p:txBody>
+          <a:bodyPr vert="horz" lIns="91440" tIns="45720" rIns="91440" bIns="45720" rtlCol="0" anchor="ctr"/>
+          <a:lstStyle>
+            <a:lvl1pPr algn="ctr">
+              <a:defRPr sz="1200" b="1">
+                <a:solidFill>
+                  <a:srgbClr val="FFFFFF"/>
+                </a:solidFill>
+                <a:latin typeface="Times New Roman"/>
+                <a:cs typeface="Times New Roman"/>
+              </a:defRPr>
+            </a:lvl1pPr>
+          </a:lstStyle>
+          <a:p>
+            <a:r>
+              <a:rPr lang="en-US" smtClean="0"/>
+              <a:t>Sanjay Kalé and PPL (UIUC) – Parallel Migratable Objects </a:t>
+            </a:r>
+            <a:endParaRPr lang="en-US" dirty="0"/>
+          </a:p>
+        </p:txBody>
+      </p:sp>
+      <p:sp>
+        <p:nvSpPr>
+          <p:cNvPr id="2" name="Title Placeholder 1"/>
+          <p:cNvSpPr>
+            <a:spLocks noGrp="1"/>
+          </p:cNvSpPr>
+          <p:nvPr>
+            <p:ph type="title"/>
+          </p:nvPr>
+        </p:nvSpPr>
+        <p:spPr>
+          <a:xfrm>
+            <a:off x="0" y="-1"/>
+            <a:ext cx="9144000" cy="741859"/>
           </a:xfrm>
           <a:prstGeom prst="rect">
             <a:avLst/>
@@ -4476,7 +6078,7 @@
           <a:lstStyle/>
           <a:p>
             <a:r>
-              <a:rPr lang="en-US" dirty="0" smtClean="0"/>
+              <a:rPr lang="en-US" smtClean="0"/>
               <a:t>Click to edit Master title style</a:t>
             </a:r>
             <a:endParaRPr lang="en-US" dirty="0"/>
@@ -4495,50 +6097,50 @@
         </p:nvSpPr>
         <p:spPr>
           <a:xfrm>
-            <a:off x="457200" y="1143000"/>
-            <a:ext cx="8229600" cy="5235222"/>
+            <a:off x="261865" y="942770"/>
+            <a:ext cx="8615360" cy="5435452"/>
           </a:xfrm>
           <a:prstGeom prst="rect">
             <a:avLst/>
           </a:prstGeom>
         </p:spPr>
         <p:txBody>
-          <a:bodyPr vert="horz" lIns="91440" tIns="45720" rIns="91440" bIns="45720" rtlCol="0">
+          <a:bodyPr vert="horz" lIns="91440" tIns="45720" rIns="91440" bIns="45720" rtlCol="0" anchor="ctr">
             <a:normAutofit/>
           </a:bodyPr>
           <a:lstStyle/>
           <a:p>
             <a:pPr lvl="0"/>
             <a:r>
-              <a:rPr lang="en-US" dirty="0" smtClean="0"/>
+              <a:rPr lang="en-US" smtClean="0"/>
               <a:t>Click to edit Master text styles</a:t>
             </a:r>
           </a:p>
           <a:p>
             <a:pPr lvl="1"/>
             <a:r>
-              <a:rPr lang="en-US" dirty="0" smtClean="0"/>
+              <a:rPr lang="en-US" smtClean="0"/>
               <a:t>Second level</a:t>
             </a:r>
           </a:p>
           <a:p>
             <a:pPr lvl="2"/>
             <a:r>
-              <a:rPr lang="en-US" dirty="0" smtClean="0"/>
+              <a:rPr lang="en-US" smtClean="0"/>
               <a:t>Third level</a:t>
             </a:r>
           </a:p>
           <a:p>
             <a:pPr lvl="3"/>
             <a:r>
-              <a:rPr lang="en-US" dirty="0" smtClean="0"/>
+              <a:rPr lang="en-US" smtClean="0"/>
               <a:t>Fourth level</a:t>
             </a:r>
           </a:p>
           <a:p>
             <a:pPr lvl="4"/>
             <a:r>
-              <a:rPr lang="en-US" dirty="0" smtClean="0"/>
+              <a:rPr lang="en-US" smtClean="0"/>
               <a:t>Fifth level</a:t>
             </a:r>
             <a:endParaRPr lang="en-US" dirty="0"/>
@@ -4557,8 +6159,8 @@
         </p:nvSpPr>
         <p:spPr>
           <a:xfrm>
-            <a:off x="457200" y="6506351"/>
-            <a:ext cx="2895600" cy="329184"/>
+            <a:off x="4737100" y="6501045"/>
+            <a:ext cx="2726982" cy="329184"/>
           </a:xfrm>
           <a:prstGeom prst="rect">
             <a:avLst/>
@@ -4580,7 +6182,7 @@
           <a:p>
             <a:fld id="{D36DC8F2-AD63-E841-8C23-5DC3A41041BE}" type="datetime2">
               <a:rPr lang="en-US" smtClean="0"/>
-              <a:t>Tuesday, September 9, 14</a:t>
+              <a:t>Wednesday, September 10, 14</a:t>
             </a:fld>
             <a:endParaRPr lang="en-US" dirty="0"/>
           </a:p>
@@ -4588,62 +6190,18 @@
       </p:sp>
       <p:sp>
         <p:nvSpPr>
-          <p:cNvPr id="5" name="Footer Placeholder 4"/>
-          <p:cNvSpPr>
-            <a:spLocks noGrp="1"/>
-          </p:cNvSpPr>
-          <p:nvPr>
-            <p:ph type="ftr" sz="quarter" idx="3"/>
+          <p:cNvPr id="6" name="Slide Number Placeholder 5"/>
+          <p:cNvSpPr>
+            <a:spLocks noGrp="1"/>
+          </p:cNvSpPr>
+          <p:nvPr>
+            <p:ph type="sldNum" sz="quarter" idx="4"/>
           </p:nvPr>
         </p:nvSpPr>
         <p:spPr>
           <a:xfrm>
-            <a:off x="3429000" y="6501045"/>
-            <a:ext cx="4114800" cy="329184"/>
-          </a:xfrm>
-          <a:prstGeom prst="rect">
-            <a:avLst/>
-          </a:prstGeom>
-          <a:solidFill>
-            <a:srgbClr val="A53926"/>
-          </a:solidFill>
-        </p:spPr>
-        <p:txBody>
-          <a:bodyPr vert="horz" lIns="91440" tIns="45720" rIns="91440" bIns="45720" rtlCol="0" anchor="ctr"/>
-          <a:lstStyle>
-            <a:lvl1pPr algn="ctr">
-              <a:defRPr sz="1200" b="1">
-                <a:solidFill>
-                  <a:srgbClr val="FFFFFF"/>
-                </a:solidFill>
-                <a:latin typeface="Times New Roman"/>
-                <a:cs typeface="Times New Roman"/>
-              </a:defRPr>
-            </a:lvl1pPr>
-          </a:lstStyle>
-          <a:p>
-            <a:r>
-              <a:rPr lang="en-US" smtClean="0"/>
-              <a:t>Sanjay Kalé and PPL (UIUC) – Parallel Migratable Objects </a:t>
-            </a:r>
-            <a:endParaRPr lang="en-US" dirty="0"/>
-          </a:p>
-        </p:txBody>
-      </p:sp>
-      <p:sp>
-        <p:nvSpPr>
-          <p:cNvPr id="6" name="Slide Number Placeholder 5"/>
-          <p:cNvSpPr>
-            <a:spLocks noGrp="1"/>
-          </p:cNvSpPr>
-          <p:nvPr>
-            <p:ph type="sldNum" sz="quarter" idx="4"/>
-          </p:nvPr>
-        </p:nvSpPr>
-        <p:spPr>
-          <a:xfrm>
-            <a:off x="7620000" y="6506351"/>
-            <a:ext cx="1066800" cy="329184"/>
+            <a:off x="7646459" y="6506351"/>
+            <a:ext cx="1230766" cy="329184"/>
           </a:xfrm>
           <a:prstGeom prst="rect">
             <a:avLst/>
@@ -4676,19 +6234,22 @@
   </p:cSld>
   <p:clrMap bg1="lt1" tx1="dk1" bg2="lt2" tx2="dk2" accent1="accent1" accent2="accent2" accent3="accent3" accent4="accent4" accent5="accent5" accent6="accent6" hlink="hlink" folHlink="folHlink"/>
   <p:sldLayoutIdLst>
-    <p:sldLayoutId id="2147483961" r:id="rId1"/>
-    <p:sldLayoutId id="2147483962" r:id="rId2"/>
-    <p:sldLayoutId id="2147483973" r:id="rId3"/>
-    <p:sldLayoutId id="2147483963" r:id="rId4"/>
-    <p:sldLayoutId id="2147483964" r:id="rId5"/>
-    <p:sldLayoutId id="2147483965" r:id="rId6"/>
-    <p:sldLayoutId id="2147483972" r:id="rId7"/>
-    <p:sldLayoutId id="2147483966" r:id="rId8"/>
-    <p:sldLayoutId id="2147483967" r:id="rId9"/>
-    <p:sldLayoutId id="2147483968" r:id="rId10"/>
-    <p:sldLayoutId id="2147483969" r:id="rId11"/>
-    <p:sldLayoutId id="2147483970" r:id="rId12"/>
-    <p:sldLayoutId id="2147483971" r:id="rId13"/>
+    <p:sldLayoutId id="2147483975" r:id="rId1"/>
+    <p:sldLayoutId id="2147483976" r:id="rId2"/>
+    <p:sldLayoutId id="2147483977" r:id="rId3"/>
+    <p:sldLayoutId id="2147483978" r:id="rId4"/>
+    <p:sldLayoutId id="2147483979" r:id="rId5"/>
+    <p:sldLayoutId id="2147483980" r:id="rId6"/>
+    <p:sldLayoutId id="2147483981" r:id="rId7"/>
+    <p:sldLayoutId id="2147483982" r:id="rId8"/>
+    <p:sldLayoutId id="2147483983" r:id="rId9"/>
+    <p:sldLayoutId id="2147483984" r:id="rId10"/>
+    <p:sldLayoutId id="2147483985" r:id="rId11"/>
+    <p:sldLayoutId id="2147483986" r:id="rId12"/>
+    <p:sldLayoutId id="2147483987" r:id="rId13"/>
+    <p:sldLayoutId id="2147483961" r:id="rId14"/>
+    <p:sldLayoutId id="2147483973" r:id="rId15"/>
+    <p:sldLayoutId id="2147483972" r:id="rId16"/>
   </p:sldLayoutIdLst>
   <p:hf hdr="0"/>
   <p:txStyles>
@@ -5005,7 +6566,7 @@
         <p:spPr/>
         <p:txBody>
           <a:bodyPr>
-            <a:normAutofit fontScale="90000"/>
+            <a:normAutofit/>
           </a:bodyPr>
           <a:lstStyle/>
           <a:p>
@@ -5299,7 +6860,7 @@
           <a:p>
             <a:fld id="{7DCE861A-EA6B-EA43-8AA5-DB216DBB40BC}" type="datetime2">
               <a:rPr lang="en-US" smtClean="0"/>
-              <a:t>Tuesday, September 9, 14</a:t>
+              <a:t>Wednesday, September 10, 14</a:t>
             </a:fld>
             <a:endParaRPr lang="en-US"/>
           </a:p>
@@ -5478,7 +7039,7 @@
         <p:spPr/>
         <p:txBody>
           <a:bodyPr>
-            <a:normAutofit fontScale="90000"/>
+            <a:normAutofit/>
           </a:bodyPr>
           <a:lstStyle/>
           <a:p>
@@ -5670,7 +7231,7 @@
           <a:p>
             <a:fld id="{34621E95-60A9-FF44-9869-513D9D7A859F}" type="datetime2">
               <a:rPr lang="en-US" smtClean="0"/>
-              <a:t>Tuesday, September 9, 14</a:t>
+              <a:t>Wednesday, September 10, 14</a:t>
             </a:fld>
             <a:endParaRPr lang="en-US"/>
           </a:p>
@@ -5774,7 +7335,7 @@
         <p:spPr/>
         <p:txBody>
           <a:bodyPr>
-            <a:normAutofit fontScale="90000"/>
+            <a:normAutofit/>
           </a:bodyPr>
           <a:lstStyle/>
           <a:p>
@@ -5863,7 +7424,7 @@
           <a:p>
             <a:fld id="{34621E95-60A9-FF44-9869-513D9D7A859F}" type="datetime2">
               <a:rPr lang="en-US" smtClean="0"/>
-              <a:t>Tuesday, September 9, 14</a:t>
+              <a:t>Wednesday, September 10, 14</a:t>
             </a:fld>
             <a:endParaRPr lang="en-US"/>
           </a:p>
@@ -5967,7 +7528,7 @@
         <p:spPr/>
         <p:txBody>
           <a:bodyPr>
-            <a:normAutofit fontScale="90000"/>
+            <a:normAutofit/>
           </a:bodyPr>
           <a:lstStyle/>
           <a:p>
@@ -6002,7 +7563,7 @@
           <a:p>
             <a:fld id="{34621E95-60A9-FF44-9869-513D9D7A859F}" type="datetime2">
               <a:rPr lang="en-US" smtClean="0"/>
-              <a:t>Tuesday, September 9, 14</a:t>
+              <a:t>Wednesday, September 10, 14</a:t>
             </a:fld>
             <a:endParaRPr lang="en-US"/>
           </a:p>
@@ -6309,7 +7870,7 @@
         <p:spPr/>
         <p:txBody>
           <a:bodyPr>
-            <a:normAutofit fontScale="90000"/>
+            <a:normAutofit/>
           </a:bodyPr>
           <a:lstStyle/>
           <a:p>
@@ -6338,7 +7899,7 @@
           <a:p>
             <a:fld id="{BD5AFB16-13FE-DF4A-8CB7-09756A57B2EA}" type="datetime2">
               <a:rPr lang="en-US" smtClean="0"/>
-              <a:t>Tuesday, September 9, 14</a:t>
+              <a:t>Wednesday, September 10, 14</a:t>
             </a:fld>
             <a:endParaRPr lang="en-US" dirty="0"/>
           </a:p>
@@ -6404,8 +7965,8 @@
         </p:nvSpPr>
         <p:spPr>
           <a:xfrm>
-            <a:off x="457200" y="1083141"/>
-            <a:ext cx="8229600" cy="1118512"/>
+            <a:off x="261865" y="1312810"/>
+            <a:ext cx="8615360" cy="781235"/>
           </a:xfrm>
           <a:solidFill>
             <a:srgbClr val="CCD1D9"/>
@@ -6417,30 +7978,47 @@
           </a:ln>
         </p:spPr>
         <p:txBody>
-          <a:bodyPr/>
+          <a:bodyPr>
+            <a:normAutofit/>
+          </a:bodyPr>
           <a:lstStyle/>
           <a:p>
             <a:pPr marL="0" indent="0">
               <a:buNone/>
             </a:pPr>
             <a:r>
-              <a:rPr lang="en-US" dirty="0"/>
+              <a:rPr lang="en-US" sz="1900" dirty="0">
+                <a:latin typeface="Consolas"/>
+                <a:cs typeface="Consolas"/>
+              </a:rPr>
               <a:t>MPI </a:t>
             </a:r>
             <a:r>
-              <a:rPr lang="en-US" dirty="0" err="1"/>
+              <a:rPr lang="en-US" sz="1900" dirty="0" err="1">
+                <a:latin typeface="Consolas"/>
+                <a:cs typeface="Consolas"/>
+              </a:rPr>
               <a:t>Init</a:t>
             </a:r>
             <a:r>
-              <a:rPr lang="en-US" dirty="0"/>
+              <a:rPr lang="en-US" sz="1900" dirty="0">
+                <a:latin typeface="Consolas"/>
+                <a:cs typeface="Consolas"/>
+              </a:rPr>
               <a:t>(</a:t>
             </a:r>
             <a:r>
-              <a:rPr lang="en-US" dirty="0" err="1"/>
+              <a:rPr lang="en-US" sz="1900" dirty="0" err="1">
+                <a:latin typeface="Consolas"/>
+                <a:cs typeface="Consolas"/>
+              </a:rPr>
               <a:t>argc,argv</a:t>
             </a:r>
             <a:r>
-              <a:rPr lang="en-US" dirty="0"/>
+              <a:rPr lang="en-US" sz="1900" dirty="0">
+                <a:latin typeface="Consolas"/>
+                <a:cs typeface="Consolas"/>
+              </a:rPr>
               <a:t>); //initialize MPI </a:t>
             </a:r>
           </a:p>
@@ -6449,11 +8027,17 @@
               <a:buNone/>
             </a:pPr>
             <a:r>
-              <a:rPr lang="en-US" dirty="0" smtClean="0"/>
+              <a:rPr lang="en-US" sz="1900" dirty="0" smtClean="0">
+                <a:latin typeface="Consolas"/>
+                <a:cs typeface="Consolas"/>
+              </a:rPr>
               <a:t>/</a:t>
             </a:r>
             <a:r>
-              <a:rPr lang="en-US" dirty="0"/>
+              <a:rPr lang="en-US" sz="1900" dirty="0">
+                <a:latin typeface="Consolas"/>
+                <a:cs typeface="Consolas"/>
+              </a:rPr>
               <a:t>/Do MPI related work here</a:t>
             </a:r>
           </a:p>
@@ -6471,8 +8055,8 @@
         </p:nvSpPr>
         <p:spPr>
           <a:xfrm>
-            <a:off x="457200" y="2371738"/>
-            <a:ext cx="8229600" cy="1119049"/>
+            <a:off x="261865" y="2209618"/>
+            <a:ext cx="8615360" cy="1218311"/>
           </a:xfrm>
           <a:solidFill>
             <a:srgbClr val="CCD1D9"/>
@@ -6485,7 +8069,7 @@
         </p:spPr>
         <p:txBody>
           <a:bodyPr>
-            <a:normAutofit fontScale="77500" lnSpcReduction="20000"/>
+            <a:normAutofit lnSpcReduction="10000"/>
           </a:bodyPr>
           <a:lstStyle/>
           <a:p>
@@ -6493,15 +8077,24 @@
               <a:buNone/>
             </a:pPr>
             <a:r>
-              <a:rPr lang="en-US" i="1" dirty="0" smtClean="0"/>
+              <a:rPr lang="en-US" sz="1900" i="1" dirty="0" smtClean="0">
+                <a:latin typeface="Consolas"/>
+                <a:cs typeface="Consolas"/>
+              </a:rPr>
               <a:t>//create </a:t>
             </a:r>
             <a:r>
-              <a:rPr lang="en-US" i="1" dirty="0" err="1" smtClean="0"/>
+              <a:rPr lang="en-US" sz="1900" i="1" dirty="0" err="1" smtClean="0">
+                <a:latin typeface="Consolas"/>
+                <a:cs typeface="Consolas"/>
+              </a:rPr>
               <a:t>comm</a:t>
             </a:r>
             <a:r>
-              <a:rPr lang="en-US" i="1" dirty="0" smtClean="0"/>
+              <a:rPr lang="en-US" sz="1900" i="1" dirty="0" smtClean="0">
+                <a:latin typeface="Consolas"/>
+                <a:cs typeface="Consolas"/>
+              </a:rPr>
               <a:t> to be used by Charm++</a:t>
             </a:r>
           </a:p>
@@ -6510,71 +8103,122 @@
               <a:buNone/>
             </a:pPr>
             <a:r>
-              <a:rPr lang="en-US" dirty="0" err="1" smtClean="0"/>
+              <a:rPr lang="en-US" sz="1900" dirty="0" err="1" smtClean="0">
+                <a:latin typeface="Consolas"/>
+                <a:cs typeface="Consolas"/>
+              </a:rPr>
               <a:t>MPI_Comm</a:t>
             </a:r>
             <a:r>
-              <a:rPr lang="en-US" dirty="0" err="1"/>
+              <a:rPr lang="en-US" sz="1900" dirty="0" err="1">
+                <a:latin typeface="Consolas"/>
+                <a:cs typeface="Consolas"/>
+              </a:rPr>
               <a:t>_</a:t>
             </a:r>
             <a:r>
-              <a:rPr lang="en-US" dirty="0" err="1" smtClean="0"/>
+              <a:rPr lang="en-US" sz="1900" dirty="0" err="1" smtClean="0">
+                <a:latin typeface="Consolas"/>
+                <a:cs typeface="Consolas"/>
+              </a:rPr>
               <a:t>split</a:t>
             </a:r>
             <a:r>
-              <a:rPr lang="en-US" dirty="0"/>
+              <a:rPr lang="en-US" sz="1900" dirty="0">
+                <a:latin typeface="Consolas"/>
+                <a:cs typeface="Consolas"/>
+              </a:rPr>
               <a:t>(</a:t>
             </a:r>
             <a:r>
-              <a:rPr lang="en-US" dirty="0" smtClean="0"/>
+              <a:rPr lang="en-US" sz="1900" dirty="0" smtClean="0">
+                <a:latin typeface="Consolas"/>
+                <a:cs typeface="Consolas"/>
+              </a:rPr>
               <a:t>MPI_COMM_WORLD</a:t>
             </a:r>
             <a:r>
-              <a:rPr lang="en-US" dirty="0"/>
+              <a:rPr lang="en-US" sz="1900" dirty="0">
+                <a:latin typeface="Consolas"/>
+                <a:cs typeface="Consolas"/>
+              </a:rPr>
               <a:t>, </a:t>
             </a:r>
             <a:r>
-              <a:rPr lang="en-US" dirty="0" err="1"/>
+              <a:rPr lang="en-US" sz="1900" dirty="0" err="1">
+                <a:latin typeface="Consolas"/>
+                <a:cs typeface="Consolas"/>
+              </a:rPr>
               <a:t>myRank</a:t>
             </a:r>
             <a:r>
-              <a:rPr lang="en-US" dirty="0"/>
+              <a:rPr lang="en-US" sz="1900" dirty="0">
+                <a:latin typeface="Consolas"/>
+                <a:cs typeface="Consolas"/>
+              </a:rPr>
               <a:t> % 2, </a:t>
             </a:r>
             <a:r>
-              <a:rPr lang="en-US" dirty="0" err="1"/>
+              <a:rPr lang="en-US" sz="1900" dirty="0" err="1">
+                <a:latin typeface="Consolas"/>
+                <a:cs typeface="Consolas"/>
+              </a:rPr>
               <a:t>myRank</a:t>
             </a:r>
             <a:r>
-              <a:rPr lang="en-US" dirty="0"/>
+              <a:rPr lang="en-US" sz="1900" dirty="0">
+                <a:latin typeface="Consolas"/>
+                <a:cs typeface="Consolas"/>
+              </a:rPr>
               <a:t>, </a:t>
             </a:r>
             <a:r>
-              <a:rPr lang="en-US" dirty="0" err="1"/>
+              <a:rPr lang="en-US" sz="1900" dirty="0" err="1">
+                <a:latin typeface="Consolas"/>
+                <a:cs typeface="Consolas"/>
+              </a:rPr>
               <a:t>newComm</a:t>
             </a:r>
             <a:r>
-              <a:rPr lang="en-US" dirty="0"/>
+              <a:rPr lang="en-US" sz="1900" dirty="0">
+                <a:latin typeface="Consolas"/>
+                <a:cs typeface="Consolas"/>
+              </a:rPr>
               <a:t>); </a:t>
             </a:r>
             <a:r>
-              <a:rPr lang="en-US" dirty="0" err="1"/>
+              <a:rPr lang="en-US" sz="1900" dirty="0" err="1">
+                <a:latin typeface="Consolas"/>
+                <a:cs typeface="Consolas"/>
+              </a:rPr>
               <a:t>CharmLibInit</a:t>
             </a:r>
             <a:r>
-              <a:rPr lang="en-US" dirty="0"/>
+              <a:rPr lang="en-US" sz="1900" dirty="0">
+                <a:latin typeface="Consolas"/>
+                <a:cs typeface="Consolas"/>
+              </a:rPr>
               <a:t>(</a:t>
             </a:r>
             <a:r>
-              <a:rPr lang="en-US" dirty="0" err="1"/>
+              <a:rPr lang="en-US" sz="1900" dirty="0" err="1">
+                <a:latin typeface="Consolas"/>
+                <a:cs typeface="Consolas"/>
+              </a:rPr>
               <a:t>newComm</a:t>
             </a:r>
             <a:r>
-              <a:rPr lang="en-US" dirty="0"/>
+              <a:rPr lang="en-US" sz="1900" dirty="0">
+                <a:latin typeface="Consolas"/>
+                <a:cs typeface="Consolas"/>
+              </a:rPr>
               <a:t>,.) </a:t>
             </a:r>
             <a:r>
-              <a:rPr lang="en-US" i="1" dirty="0"/>
+              <a:rPr lang="en-US" sz="1900" i="1" dirty="0">
+                <a:latin typeface="Consolas"/>
+                <a:cs typeface="Consolas"/>
+              </a:rPr>
               <a:t>//initialize Charm++ over my communicator</a:t>
             </a:r>
           </a:p>
@@ -6592,8 +8236,8 @@
         </p:nvSpPr>
         <p:spPr>
           <a:xfrm>
-            <a:off x="457200" y="3657599"/>
-            <a:ext cx="8229600" cy="1236293"/>
+            <a:off x="261865" y="3511471"/>
+            <a:ext cx="8615360" cy="1530231"/>
           </a:xfrm>
           <a:solidFill>
             <a:srgbClr val="CCD1D9"/>
@@ -6606,7 +8250,7 @@
         </p:spPr>
         <p:txBody>
           <a:bodyPr>
-            <a:normAutofit fontScale="77500" lnSpcReduction="20000"/>
+            <a:normAutofit/>
           </a:bodyPr>
           <a:lstStyle/>
           <a:p>
@@ -6614,19 +8258,31 @@
               <a:buNone/>
             </a:pPr>
             <a:r>
-              <a:rPr lang="en-US" b="1" dirty="0"/>
+              <a:rPr lang="en-US" sz="1900" b="1" dirty="0">
+                <a:latin typeface="Consolas"/>
+                <a:cs typeface="Consolas"/>
+              </a:rPr>
               <a:t>if</a:t>
             </a:r>
             <a:r>
-              <a:rPr lang="en-US" dirty="0"/>
+              <a:rPr lang="en-US" sz="1900" dirty="0">
+                <a:latin typeface="Consolas"/>
+                <a:cs typeface="Consolas"/>
+              </a:rPr>
               <a:t>(</a:t>
             </a:r>
             <a:r>
-              <a:rPr lang="en-US" dirty="0" err="1"/>
+              <a:rPr lang="en-US" sz="1900" dirty="0" err="1">
+                <a:latin typeface="Consolas"/>
+                <a:cs typeface="Consolas"/>
+              </a:rPr>
               <a:t>myRank</a:t>
             </a:r>
             <a:r>
-              <a:rPr lang="en-US" dirty="0"/>
+              <a:rPr lang="en-US" sz="1900" dirty="0">
+                <a:latin typeface="Consolas"/>
+                <a:cs typeface="Consolas"/>
+              </a:rPr>
               <a:t> % 2)</a:t>
             </a:r>
           </a:p>
@@ -6635,15 +8291,24 @@
               <a:buNone/>
             </a:pPr>
             <a:r>
-              <a:rPr lang="en-US" dirty="0" smtClean="0"/>
+              <a:rPr lang="en-US" sz="1900" dirty="0" smtClean="0">
+                <a:latin typeface="Consolas"/>
+                <a:cs typeface="Consolas"/>
+              </a:rPr>
               <a:t>   </a:t>
             </a:r>
             <a:r>
-              <a:rPr lang="en-US" dirty="0" err="1" smtClean="0"/>
+              <a:rPr lang="en-US" sz="1900" dirty="0" err="1" smtClean="0">
+                <a:latin typeface="Consolas"/>
+                <a:cs typeface="Consolas"/>
+              </a:rPr>
               <a:t>StartHello</a:t>
             </a:r>
             <a:r>
-              <a:rPr lang="en-US" dirty="0"/>
+              <a:rPr lang="en-US" sz="1900" dirty="0">
+                <a:latin typeface="Consolas"/>
+                <a:cs typeface="Consolas"/>
+              </a:rPr>
               <a:t>(); //invoke Charm++ library on one set</a:t>
             </a:r>
           </a:p>
@@ -6652,24 +8317,32 @@
               <a:buNone/>
             </a:pPr>
             <a:r>
-              <a:rPr lang="en-US" b="1" dirty="0" smtClean="0"/>
+              <a:rPr lang="en-US" sz="1900" b="1" dirty="0" smtClean="0">
+                <a:latin typeface="Consolas"/>
+                <a:cs typeface="Consolas"/>
+              </a:rPr>
               <a:t>else</a:t>
             </a:r>
-            <a:endParaRPr lang="en-US" b="1" dirty="0"/>
+            <a:endParaRPr lang="en-US" sz="1900" b="1" dirty="0">
+              <a:latin typeface="Consolas"/>
+              <a:cs typeface="Consolas"/>
+            </a:endParaRPr>
           </a:p>
           <a:p>
             <a:pPr marL="0" indent="0">
               <a:buNone/>
             </a:pPr>
             <a:r>
-              <a:rPr lang="en-US" i="1" dirty="0" smtClean="0"/>
-              <a:t>   /</a:t>
-            </a:r>
-            <a:r>
-              <a:rPr lang="en-US" i="1" dirty="0" smtClean="0"/>
-              <a:t>/do MPI work on other set</a:t>
-            </a:r>
-            <a:endParaRPr lang="en-US" i="1" dirty="0"/>
+              <a:rPr lang="en-US" sz="1900" i="1" dirty="0" smtClean="0">
+                <a:latin typeface="Consolas"/>
+                <a:cs typeface="Consolas"/>
+              </a:rPr>
+              <a:t>   //do MPI work on other set</a:t>
+            </a:r>
+            <a:endParaRPr lang="en-US" sz="1900" i="1" dirty="0">
+              <a:latin typeface="Consolas"/>
+              <a:cs typeface="Consolas"/>
+            </a:endParaRPr>
           </a:p>
         </p:txBody>
       </p:sp>
@@ -6685,8 +8358,8 @@
         </p:nvSpPr>
         <p:spPr>
           <a:xfrm>
-            <a:off x="457200" y="5072326"/>
-            <a:ext cx="8229600" cy="1136791"/>
+            <a:off x="261865" y="5112856"/>
+            <a:ext cx="8615360" cy="750472"/>
           </a:xfrm>
           <a:solidFill>
             <a:srgbClr val="CCD1D9"/>
@@ -6698,34 +8371,54 @@
           </a:ln>
         </p:spPr>
         <p:txBody>
-          <a:bodyPr/>
+          <a:bodyPr>
+            <a:normAutofit/>
+          </a:bodyPr>
           <a:lstStyle/>
           <a:p>
             <a:pPr marL="0" indent="0">
               <a:buNone/>
             </a:pPr>
             <a:r>
-              <a:rPr lang="en-US" dirty="0" err="1"/>
+              <a:rPr lang="en-US" sz="1900" dirty="0" err="1">
+                <a:latin typeface="Consolas"/>
+                <a:cs typeface="Consolas"/>
+              </a:rPr>
               <a:t>kNeighbor</a:t>
             </a:r>
             <a:r>
-              <a:rPr lang="en-US" dirty="0"/>
+              <a:rPr lang="en-US" sz="1900" dirty="0">
+                <a:latin typeface="Consolas"/>
+                <a:cs typeface="Consolas"/>
+              </a:rPr>
               <a:t>(); </a:t>
             </a:r>
             <a:r>
-              <a:rPr lang="en-US" i="1" dirty="0"/>
+              <a:rPr lang="en-US" sz="1900" i="1" dirty="0">
+                <a:latin typeface="Consolas"/>
+                <a:cs typeface="Consolas"/>
+              </a:rPr>
               <a:t>//invoke Charm++ library on both sets individually </a:t>
             </a:r>
             <a:r>
-              <a:rPr lang="en-US" dirty="0" err="1"/>
+              <a:rPr lang="en-US" sz="1900" dirty="0" err="1">
+                <a:latin typeface="Consolas"/>
+                <a:cs typeface="Consolas"/>
+              </a:rPr>
               <a:t>CharmLibExit</a:t>
             </a:r>
             <a:r>
-              <a:rPr lang="en-US" dirty="0"/>
+              <a:rPr lang="en-US" sz="1900" dirty="0">
+                <a:latin typeface="Consolas"/>
+                <a:cs typeface="Consolas"/>
+              </a:rPr>
               <a:t>(); </a:t>
             </a:r>
             <a:r>
-              <a:rPr lang="en-US" i="1" dirty="0"/>
+              <a:rPr lang="en-US" sz="1900" i="1" dirty="0">
+                <a:latin typeface="Consolas"/>
+                <a:cs typeface="Consolas"/>
+              </a:rPr>
               <a:t>//destroy Charm++</a:t>
             </a:r>
           </a:p>
@@ -6781,7 +8474,7 @@
         <p:spPr/>
         <p:txBody>
           <a:bodyPr>
-            <a:normAutofit fontScale="90000"/>
+            <a:normAutofit/>
           </a:bodyPr>
           <a:lstStyle/>
           <a:p>
@@ -6810,7 +8503,7 @@
           <a:p>
             <a:fld id="{BD5AFB16-13FE-DF4A-8CB7-09756A57B2EA}" type="datetime2">
               <a:rPr lang="en-US" smtClean="0"/>
-              <a:t>Tuesday, September 9, 14</a:t>
+              <a:t>Wednesday, September 10, 14</a:t>
             </a:fld>
             <a:endParaRPr lang="en-US" dirty="0"/>
           </a:p>
@@ -6925,65 +8618,110 @@
               <a:buNone/>
             </a:pPr>
             <a:r>
-              <a:rPr lang="en-US" b="1" dirty="0"/>
+              <a:rPr lang="en-US" b="1" dirty="0">
+                <a:latin typeface="Consolas"/>
+                <a:cs typeface="Consolas"/>
+              </a:rPr>
               <a:t>void</a:t>
             </a:r>
             <a:r>
-              <a:rPr lang="en-US" dirty="0"/>
+              <a:rPr lang="en-US" dirty="0">
+                <a:latin typeface="Consolas"/>
+                <a:cs typeface="Consolas"/>
+              </a:rPr>
               <a:t> </a:t>
             </a:r>
             <a:r>
-              <a:rPr lang="en-US" dirty="0" err="1"/>
+              <a:rPr lang="en-US" dirty="0" err="1">
+                <a:latin typeface="Consolas"/>
+                <a:cs typeface="Consolas"/>
+              </a:rPr>
               <a:t>StartHello</a:t>
             </a:r>
             <a:r>
-              <a:rPr lang="en-US" dirty="0"/>
+              <a:rPr lang="en-US" dirty="0">
+                <a:latin typeface="Consolas"/>
+                <a:cs typeface="Consolas"/>
+              </a:rPr>
               <a:t>(</a:t>
             </a:r>
             <a:r>
-              <a:rPr lang="en-US" dirty="0" err="1"/>
+              <a:rPr lang="en-US" dirty="0" err="1">
+                <a:latin typeface="Consolas"/>
+                <a:cs typeface="Consolas"/>
+              </a:rPr>
               <a:t>int</a:t>
             </a:r>
             <a:r>
-              <a:rPr lang="en-US" dirty="0"/>
+              <a:rPr lang="en-US" dirty="0">
+                <a:latin typeface="Consolas"/>
+                <a:cs typeface="Consolas"/>
+              </a:rPr>
               <a:t> </a:t>
             </a:r>
             <a:r>
-              <a:rPr lang="en-US" dirty="0" err="1"/>
+              <a:rPr lang="en-US" dirty="0" err="1">
+                <a:latin typeface="Consolas"/>
+                <a:cs typeface="Consolas"/>
+              </a:rPr>
               <a:t>elems</a:t>
             </a:r>
             <a:r>
-              <a:rPr lang="en-US" dirty="0"/>
+              <a:rPr lang="en-US" dirty="0">
+                <a:latin typeface="Consolas"/>
+                <a:cs typeface="Consolas"/>
+              </a:rPr>
               <a:t>) </a:t>
             </a:r>
-            <a:endParaRPr lang="en-US" dirty="0" smtClean="0"/>
+            <a:endParaRPr lang="en-US" dirty="0" smtClean="0">
+              <a:latin typeface="Consolas"/>
+              <a:cs typeface="Consolas"/>
+            </a:endParaRPr>
           </a:p>
           <a:p>
             <a:pPr marL="0" indent="0">
               <a:buNone/>
             </a:pPr>
             <a:r>
-              <a:rPr lang="en-US" dirty="0"/>
+              <a:rPr lang="en-US" dirty="0">
+                <a:latin typeface="Consolas"/>
+                <a:cs typeface="Consolas"/>
+              </a:rPr>
               <a:t> </a:t>
             </a:r>
             <a:r>
-              <a:rPr lang="en-US" dirty="0" smtClean="0"/>
+              <a:rPr lang="en-US" dirty="0" smtClean="0">
+                <a:latin typeface="Consolas"/>
+                <a:cs typeface="Consolas"/>
+              </a:rPr>
               <a:t>  </a:t>
             </a:r>
             <a:r>
-              <a:rPr lang="en-US" b="1" dirty="0" smtClean="0"/>
+              <a:rPr lang="en-US" b="1" dirty="0" smtClean="0">
+                <a:latin typeface="Consolas"/>
+                <a:cs typeface="Consolas"/>
+              </a:rPr>
               <a:t>if</a:t>
             </a:r>
             <a:r>
-              <a:rPr lang="en-US" dirty="0"/>
+              <a:rPr lang="en-US" dirty="0">
+                <a:latin typeface="Consolas"/>
+                <a:cs typeface="Consolas"/>
+              </a:rPr>
               <a:t>(</a:t>
             </a:r>
             <a:r>
-              <a:rPr lang="en-US" dirty="0" err="1"/>
+              <a:rPr lang="en-US" dirty="0" err="1">
+                <a:latin typeface="Consolas"/>
+                <a:cs typeface="Consolas"/>
+              </a:rPr>
               <a:t>CkMyPe</a:t>
             </a:r>
             <a:r>
-              <a:rPr lang="en-US" dirty="0"/>
+              <a:rPr lang="en-US" dirty="0">
+                <a:latin typeface="Consolas"/>
+                <a:cs typeface="Consolas"/>
+              </a:rPr>
               <a:t>() == 0) {</a:t>
             </a:r>
           </a:p>
@@ -6992,31 +8730,52 @@
               <a:buNone/>
             </a:pPr>
             <a:r>
-              <a:rPr lang="en-US" dirty="0" smtClean="0"/>
+              <a:rPr lang="en-US" dirty="0" smtClean="0">
+                <a:latin typeface="Consolas"/>
+                <a:cs typeface="Consolas"/>
+              </a:rPr>
               <a:t>      </a:t>
             </a:r>
             <a:r>
-              <a:rPr lang="en-US" dirty="0" err="1" smtClean="0"/>
+              <a:rPr lang="en-US" dirty="0" err="1" smtClean="0">
+                <a:latin typeface="Consolas"/>
+                <a:cs typeface="Consolas"/>
+              </a:rPr>
               <a:t>CProxy</a:t>
             </a:r>
             <a:r>
-              <a:rPr lang="en-US" dirty="0" smtClean="0"/>
+              <a:rPr lang="en-US" dirty="0" smtClean="0">
+                <a:latin typeface="Consolas"/>
+                <a:cs typeface="Consolas"/>
+              </a:rPr>
               <a:t> </a:t>
             </a:r>
             <a:r>
-              <a:rPr lang="en-US" dirty="0" err="1"/>
+              <a:rPr lang="en-US" dirty="0" err="1">
+                <a:latin typeface="Consolas"/>
+                <a:cs typeface="Consolas"/>
+              </a:rPr>
               <a:t>MainHello</a:t>
             </a:r>
             <a:r>
-              <a:rPr lang="en-US" dirty="0"/>
+              <a:rPr lang="en-US" dirty="0">
+                <a:latin typeface="Consolas"/>
+                <a:cs typeface="Consolas"/>
+              </a:rPr>
               <a:t> </a:t>
             </a:r>
             <a:r>
-              <a:rPr lang="en-US" dirty="0" err="1"/>
+              <a:rPr lang="en-US" dirty="0" err="1">
+                <a:latin typeface="Consolas"/>
+                <a:cs typeface="Consolas"/>
+              </a:rPr>
               <a:t>mainhello</a:t>
             </a:r>
             <a:r>
-              <a:rPr lang="en-US" dirty="0"/>
+              <a:rPr lang="en-US" dirty="0">
+                <a:latin typeface="Consolas"/>
+                <a:cs typeface="Consolas"/>
+              </a:rPr>
               <a:t> =</a:t>
             </a:r>
           </a:p>
@@ -7025,39 +8784,66 @@
               <a:buNone/>
             </a:pPr>
             <a:r>
-              <a:rPr lang="en-US" dirty="0" smtClean="0"/>
+              <a:rPr lang="en-US" dirty="0" smtClean="0">
+                <a:latin typeface="Consolas"/>
+                <a:cs typeface="Consolas"/>
+              </a:rPr>
               <a:t>      </a:t>
             </a:r>
             <a:r>
-              <a:rPr lang="en-US" dirty="0" err="1" smtClean="0"/>
+              <a:rPr lang="en-US" dirty="0" err="1" smtClean="0">
+                <a:latin typeface="Consolas"/>
+                <a:cs typeface="Consolas"/>
+              </a:rPr>
               <a:t>CProxy</a:t>
             </a:r>
             <a:r>
-              <a:rPr lang="en-US" dirty="0" smtClean="0"/>
+              <a:rPr lang="en-US" dirty="0" smtClean="0">
+                <a:latin typeface="Consolas"/>
+                <a:cs typeface="Consolas"/>
+              </a:rPr>
               <a:t> </a:t>
             </a:r>
             <a:r>
-              <a:rPr lang="en-US" dirty="0" err="1"/>
+              <a:rPr lang="en-US" dirty="0" err="1">
+                <a:latin typeface="Consolas"/>
+                <a:cs typeface="Consolas"/>
+              </a:rPr>
               <a:t>MainHello</a:t>
             </a:r>
             <a:r>
-              <a:rPr lang="en-US" dirty="0"/>
+              <a:rPr lang="en-US" dirty="0">
+                <a:latin typeface="Consolas"/>
+                <a:cs typeface="Consolas"/>
+              </a:rPr>
               <a:t>::</a:t>
             </a:r>
             <a:r>
-              <a:rPr lang="en-US" dirty="0" err="1"/>
+              <a:rPr lang="en-US" dirty="0" err="1">
+                <a:latin typeface="Consolas"/>
+                <a:cs typeface="Consolas"/>
+              </a:rPr>
               <a:t>ckNew</a:t>
             </a:r>
             <a:r>
-              <a:rPr lang="en-US" dirty="0"/>
+              <a:rPr lang="en-US" dirty="0">
+                <a:latin typeface="Consolas"/>
+                <a:cs typeface="Consolas"/>
+              </a:rPr>
               <a:t>(</a:t>
             </a:r>
             <a:r>
-              <a:rPr lang="en-US" dirty="0" err="1"/>
+              <a:rPr lang="en-US" dirty="0" err="1">
+                <a:latin typeface="Consolas"/>
+                <a:cs typeface="Consolas"/>
+              </a:rPr>
               <a:t>elems</a:t>
             </a:r>
             <a:r>
-              <a:rPr lang="en-US" dirty="0"/>
+              <a:rPr lang="en-US" dirty="0">
+                <a:latin typeface="Consolas"/>
+                <a:cs typeface="Consolas"/>
+              </a:rPr>
               <a:t>);</a:t>
             </a:r>
           </a:p>
@@ -7066,25 +8852,40 @@
               <a:buNone/>
             </a:pPr>
             <a:r>
-              <a:rPr lang="en-US" dirty="0" smtClean="0"/>
+              <a:rPr lang="en-US" dirty="0" smtClean="0">
+                <a:latin typeface="Consolas"/>
+                <a:cs typeface="Consolas"/>
+              </a:rPr>
               <a:t>   }</a:t>
             </a:r>
-            <a:endParaRPr lang="en-US" dirty="0"/>
+            <a:endParaRPr lang="en-US" dirty="0">
+              <a:latin typeface="Consolas"/>
+              <a:cs typeface="Consolas"/>
+            </a:endParaRPr>
           </a:p>
           <a:p>
             <a:pPr marL="0" indent="0">
               <a:buNone/>
             </a:pPr>
             <a:r>
-              <a:rPr lang="en-US" dirty="0" smtClean="0"/>
+              <a:rPr lang="en-US" dirty="0" smtClean="0">
+                <a:latin typeface="Consolas"/>
+                <a:cs typeface="Consolas"/>
+              </a:rPr>
               <a:t>   </a:t>
             </a:r>
             <a:r>
-              <a:rPr lang="en-US" dirty="0" err="1" smtClean="0"/>
+              <a:rPr lang="en-US" dirty="0" err="1" smtClean="0">
+                <a:latin typeface="Consolas"/>
+                <a:cs typeface="Consolas"/>
+              </a:rPr>
               <a:t>StartCharmScheduler</a:t>
             </a:r>
             <a:r>
-              <a:rPr lang="en-US" dirty="0"/>
+              <a:rPr lang="en-US" dirty="0">
+                <a:latin typeface="Consolas"/>
+                <a:cs typeface="Consolas"/>
+              </a:rPr>
               <a:t>();</a:t>
             </a:r>
           </a:p>
@@ -7093,10 +8894,16 @@
               <a:buNone/>
             </a:pPr>
             <a:r>
-              <a:rPr lang="en-US" dirty="0" smtClean="0"/>
+              <a:rPr lang="en-US" dirty="0" smtClean="0">
+                <a:latin typeface="Consolas"/>
+                <a:cs typeface="Consolas"/>
+              </a:rPr>
               <a:t>}</a:t>
             </a:r>
-            <a:endParaRPr lang="en-US" dirty="0"/>
+            <a:endParaRPr lang="en-US" dirty="0">
+              <a:latin typeface="Consolas"/>
+              <a:cs typeface="Consolas"/>
+            </a:endParaRPr>
           </a:p>
         </p:txBody>
       </p:sp>
@@ -7107,7 +8914,7 @@
             <a:spLocks noGrp="1"/>
           </p:cNvSpPr>
           <p:nvPr>
-            <p:ph sz="quarter" idx="16"/>
+            <p:ph sz="quarter" idx="15"/>
           </p:nvPr>
         </p:nvSpPr>
         <p:spPr>
@@ -7174,7 +8981,7 @@
 </file>
 
 <file path=ppt/theme/theme1.xml><?xml version="1.0" encoding="utf-8"?>
-<a:theme xmlns:a="http://schemas.openxmlformats.org/drawingml/2006/main" name="Clarity">
+<a:theme xmlns:a="http://schemas.openxmlformats.org/drawingml/2006/main" name="charm-pptx_theme">
   <a:themeElements>
     <a:clrScheme name="Clarity">
       <a:dk1>

--- a/tutorial-11-interoperability.pptx
+++ b/tutorial-11-interoperability.pptx
@@ -6936,9 +6936,6 @@
                     <p:cTn id="3" fill="hold">
                       <p:stCondLst>
                         <p:cond delay="indefinite"/>
-                        <p:cond evt="onBegin" delay="0">
-                          <p:tn val="2"/>
-                        </p:cond>
                       </p:stCondLst>
                       <p:childTnLst>
                         <p:par>
@@ -6948,18 +6945,17 @@
                             </p:stCondLst>
                             <p:childTnLst>
                               <p:par>
-                                <p:cTn id="5" presetID="1" presetClass="entr" presetSubtype="0" fill="hold" nodeType="withEffect">
+                                <p:cTn id="5" presetID="15" presetClass="emph" presetSubtype="0" nodeType="clickEffect">
                                   <p:stCondLst>
                                     <p:cond delay="0"/>
                                   </p:stCondLst>
+                                  <p:iterate type="lt">
+                                    <p:tmAbs val="25"/>
+                                  </p:iterate>
                                   <p:childTnLst>
                                     <p:set>
-                                      <p:cBhvr>
-                                        <p:cTn id="6" dur="1" fill="hold">
-                                          <p:stCondLst>
-                                            <p:cond delay="0"/>
-                                          </p:stCondLst>
-                                        </p:cTn>
+                                      <p:cBhvr override="childStyle">
+                                        <p:cTn id="6" dur="indefinite"/>
                                         <p:tgtEl>
                                           <p:spTgt spid="3">
                                             <p:txEl>
@@ -6968,11 +6964,11 @@
                                           </p:spTgt>
                                         </p:tgtEl>
                                         <p:attrNameLst>
-                                          <p:attrName>style.visibility</p:attrName>
+                                          <p:attrName>style.fontWeight</p:attrName>
                                         </p:attrNameLst>
                                       </p:cBhvr>
                                       <p:to>
-                                        <p:strVal val="visible"/>
+                                        <p:strVal val="bold"/>
                                       </p:to>
                                     </p:set>
                                   </p:childTnLst>

--- a/tutorial-11-interoperability.pptx
+++ b/tutorial-11-interoperability.pptx
@@ -6028,7 +6028,7 @@
           <a:bodyPr vert="horz" lIns="91440" tIns="45720" rIns="91440" bIns="45720" rtlCol="0" anchor="ctr"/>
           <a:lstStyle>
             <a:lvl1pPr algn="ctr">
-              <a:defRPr sz="1200" b="1">
+              <a:defRPr sz="1200" b="0">
                 <a:solidFill>
                   <a:srgbClr val="FFFFFF"/>
                 </a:solidFill>

--- a/tutorial-11-interoperability.pptx
+++ b/tutorial-11-interoperability.pptx
@@ -6251,6 +6251,13 @@
     <p:sldLayoutId id="2147483973" r:id="rId15"/>
     <p:sldLayoutId id="2147483972" r:id="rId16"/>
   </p:sldLayoutIdLst>
+  <p:timing>
+    <p:tnLst>
+      <p:par>
+        <p:cTn xmlns:p14="http://schemas.microsoft.com/office/powerpoint/2010/main" id="1" dur="indefinite" restart="never" nodeType="tmRoot"/>
+      </p:par>
+    </p:tnLst>
+  </p:timing>
   <p:hf hdr="0"/>
   <p:txStyles>
     <p:titleStyle>
@@ -6612,7 +6619,7 @@
             </a:r>
           </a:p>
           <a:p>
-            <a:pPr marL="681038" lvl="1" indent="-276225">
+            <a:pPr marL="955358" lvl="2" indent="-276225">
               <a:buClr>
                 <a:srgbClr val="0000FF"/>
               </a:buClr>
@@ -6621,12 +6628,12 @@
               <a:buChar char="•"/>
             </a:pPr>
             <a:r>
-              <a:rPr lang="en-US" dirty="0" smtClean="0"/>
+              <a:rPr lang="en-US" dirty="0"/>
               <a:t>Object Design</a:t>
             </a:r>
           </a:p>
           <a:p>
-            <a:pPr marL="681038" lvl="1" indent="-276225">
+            <a:pPr marL="955358" lvl="2" indent="-276225">
               <a:buClr>
                 <a:srgbClr val="0000FF"/>
               </a:buClr>
@@ -6635,7 +6642,7 @@
               <a:buChar char="•"/>
             </a:pPr>
             <a:r>
-              <a:rPr lang="en-US" dirty="0" smtClean="0"/>
+              <a:rPr lang="en-US" dirty="0"/>
               <a:t>Execution Model</a:t>
             </a:r>
           </a:p>
@@ -6650,7 +6657,11 @@
             </a:pPr>
             <a:r>
               <a:rPr lang="en-US" dirty="0" smtClean="0"/>
-              <a:t>Hello World</a:t>
+              <a:t>Hello </a:t>
+            </a:r>
+            <a:r>
+              <a:rPr lang="en-US" dirty="0" smtClean="0"/>
+              <a:t>World</a:t>
             </a:r>
           </a:p>
           <a:p>
@@ -6682,7 +6693,7 @@
             </a:r>
           </a:p>
           <a:p>
-            <a:pPr marL="681038" lvl="1" indent="-331788">
+            <a:pPr marL="954088" lvl="2" indent="-266700">
               <a:buClr>
                 <a:srgbClr val="0000FF"/>
               </a:buClr>
@@ -6691,7 +6702,7 @@
               <a:buChar char="•"/>
             </a:pPr>
             <a:r>
-              <a:rPr lang="en-US" dirty="0" smtClean="0"/>
+              <a:rPr lang="en-US" dirty="0"/>
               <a:t>Object Collections</a:t>
             </a:r>
           </a:p>
@@ -6726,7 +6737,7 @@
             <a:endParaRPr lang="en-US" dirty="0" smtClean="0"/>
           </a:p>
           <a:p>
-            <a:pPr marL="681038" lvl="1" indent="-385763">
+            <a:pPr marL="954088" lvl="2" indent="-266700">
               <a:buClr>
                 <a:srgbClr val="0000FF"/>
               </a:buClr>
@@ -6735,11 +6746,11 @@
               <a:buChar char="•"/>
             </a:pPr>
             <a:r>
-              <a:rPr lang="en-US" dirty="0" err="1" smtClean="0"/>
+              <a:rPr lang="en-US" dirty="0" err="1"/>
               <a:t>Checkpointing</a:t>
             </a:r>
             <a:r>
-              <a:rPr lang="en-US" dirty="0" smtClean="0"/>
+              <a:rPr lang="en-US" dirty="0"/>
               <a:t> and Resilience</a:t>
             </a:r>
           </a:p>
@@ -6754,7 +6765,11 @@
             </a:pPr>
             <a:r>
               <a:rPr lang="en-US" dirty="0" smtClean="0"/>
-              <a:t>Structured Dagger</a:t>
+              <a:t>Structured </a:t>
+            </a:r>
+            <a:r>
+              <a:rPr lang="en-US" dirty="0" smtClean="0"/>
+              <a:t>Dagger</a:t>
             </a:r>
           </a:p>
           <a:p>
@@ -7294,9 +7309,296 @@
   <p:timing>
     <p:tnLst>
       <p:par>
-        <p:cTn xmlns:p14="http://schemas.microsoft.com/office/powerpoint/2010/main" id="1" dur="indefinite" restart="never" nodeType="tmRoot"/>
+        <p:cTn xmlns:p14="http://schemas.microsoft.com/office/powerpoint/2010/main" id="1" dur="indefinite" restart="never" nodeType="tmRoot">
+          <p:childTnLst>
+            <p:seq concurrent="1" nextAc="seek">
+              <p:cTn id="2" dur="indefinite" nodeType="mainSeq">
+                <p:childTnLst>
+                  <p:par>
+                    <p:cTn id="3" fill="hold">
+                      <p:stCondLst>
+                        <p:cond delay="indefinite"/>
+                        <p:cond evt="onBegin" delay="0">
+                          <p:tn val="2"/>
+                        </p:cond>
+                      </p:stCondLst>
+                      <p:childTnLst>
+                        <p:par>
+                          <p:cTn id="4" fill="hold">
+                            <p:stCondLst>
+                              <p:cond delay="0"/>
+                            </p:stCondLst>
+                            <p:childTnLst>
+                              <p:par>
+                                <p:cTn id="5" presetID="1" presetClass="entr" presetSubtype="0" fill="hold" grpId="0" nodeType="withEffect">
+                                  <p:stCondLst>
+                                    <p:cond delay="0"/>
+                                  </p:stCondLst>
+                                  <p:childTnLst>
+                                    <p:set>
+                                      <p:cBhvr>
+                                        <p:cTn id="6" dur="1" fill="hold">
+                                          <p:stCondLst>
+                                            <p:cond delay="0"/>
+                                          </p:stCondLst>
+                                        </p:cTn>
+                                        <p:tgtEl>
+                                          <p:spTgt spid="3">
+                                            <p:txEl>
+                                              <p:pRg st="0" end="0"/>
+                                            </p:txEl>
+                                          </p:spTgt>
+                                        </p:tgtEl>
+                                        <p:attrNameLst>
+                                          <p:attrName>style.visibility</p:attrName>
+                                        </p:attrNameLst>
+                                      </p:cBhvr>
+                                      <p:to>
+                                        <p:strVal val="visible"/>
+                                      </p:to>
+                                    </p:set>
+                                  </p:childTnLst>
+                                </p:cTn>
+                              </p:par>
+                              <p:par>
+                                <p:cTn id="7" presetID="1" presetClass="entr" presetSubtype="0" fill="hold" grpId="0" nodeType="withEffect">
+                                  <p:stCondLst>
+                                    <p:cond delay="0"/>
+                                  </p:stCondLst>
+                                  <p:childTnLst>
+                                    <p:set>
+                                      <p:cBhvr>
+                                        <p:cTn id="8" dur="1" fill="hold">
+                                          <p:stCondLst>
+                                            <p:cond delay="0"/>
+                                          </p:stCondLst>
+                                        </p:cTn>
+                                        <p:tgtEl>
+                                          <p:spTgt spid="3">
+                                            <p:txEl>
+                                              <p:pRg st="1" end="1"/>
+                                            </p:txEl>
+                                          </p:spTgt>
+                                        </p:tgtEl>
+                                        <p:attrNameLst>
+                                          <p:attrName>style.visibility</p:attrName>
+                                        </p:attrNameLst>
+                                      </p:cBhvr>
+                                      <p:to>
+                                        <p:strVal val="visible"/>
+                                      </p:to>
+                                    </p:set>
+                                  </p:childTnLst>
+                                </p:cTn>
+                              </p:par>
+                            </p:childTnLst>
+                          </p:cTn>
+                        </p:par>
+                      </p:childTnLst>
+                    </p:cTn>
+                  </p:par>
+                  <p:par>
+                    <p:cTn id="9" fill="hold">
+                      <p:stCondLst>
+                        <p:cond delay="indefinite"/>
+                      </p:stCondLst>
+                      <p:childTnLst>
+                        <p:par>
+                          <p:cTn id="10" fill="hold">
+                            <p:stCondLst>
+                              <p:cond delay="0"/>
+                            </p:stCondLst>
+                            <p:childTnLst>
+                              <p:par>
+                                <p:cTn id="11" presetID="1" presetClass="entr" presetSubtype="0" fill="hold" grpId="0" nodeType="clickEffect">
+                                  <p:stCondLst>
+                                    <p:cond delay="0"/>
+                                  </p:stCondLst>
+                                  <p:childTnLst>
+                                    <p:set>
+                                      <p:cBhvr>
+                                        <p:cTn id="12" dur="1" fill="hold">
+                                          <p:stCondLst>
+                                            <p:cond delay="0"/>
+                                          </p:stCondLst>
+                                        </p:cTn>
+                                        <p:tgtEl>
+                                          <p:spTgt spid="3">
+                                            <p:txEl>
+                                              <p:pRg st="2" end="2"/>
+                                            </p:txEl>
+                                          </p:spTgt>
+                                        </p:tgtEl>
+                                        <p:attrNameLst>
+                                          <p:attrName>style.visibility</p:attrName>
+                                        </p:attrNameLst>
+                                      </p:cBhvr>
+                                      <p:to>
+                                        <p:strVal val="visible"/>
+                                      </p:to>
+                                    </p:set>
+                                  </p:childTnLst>
+                                </p:cTn>
+                              </p:par>
+                            </p:childTnLst>
+                          </p:cTn>
+                        </p:par>
+                      </p:childTnLst>
+                    </p:cTn>
+                  </p:par>
+                  <p:par>
+                    <p:cTn id="13" fill="hold">
+                      <p:stCondLst>
+                        <p:cond delay="indefinite"/>
+                      </p:stCondLst>
+                      <p:childTnLst>
+                        <p:par>
+                          <p:cTn id="14" fill="hold">
+                            <p:stCondLst>
+                              <p:cond delay="0"/>
+                            </p:stCondLst>
+                            <p:childTnLst>
+                              <p:par>
+                                <p:cTn id="15" presetID="1" presetClass="entr" presetSubtype="0" fill="hold" grpId="0" nodeType="clickEffect">
+                                  <p:stCondLst>
+                                    <p:cond delay="0"/>
+                                  </p:stCondLst>
+                                  <p:childTnLst>
+                                    <p:set>
+                                      <p:cBhvr>
+                                        <p:cTn id="16" dur="1" fill="hold">
+                                          <p:stCondLst>
+                                            <p:cond delay="0"/>
+                                          </p:stCondLst>
+                                        </p:cTn>
+                                        <p:tgtEl>
+                                          <p:spTgt spid="3">
+                                            <p:txEl>
+                                              <p:pRg st="3" end="3"/>
+                                            </p:txEl>
+                                          </p:spTgt>
+                                        </p:tgtEl>
+                                        <p:attrNameLst>
+                                          <p:attrName>style.visibility</p:attrName>
+                                        </p:attrNameLst>
+                                      </p:cBhvr>
+                                      <p:to>
+                                        <p:strVal val="visible"/>
+                                      </p:to>
+                                    </p:set>
+                                  </p:childTnLst>
+                                </p:cTn>
+                              </p:par>
+                              <p:par>
+                                <p:cTn id="17" presetID="1" presetClass="entr" presetSubtype="0" fill="hold" grpId="0" nodeType="withEffect">
+                                  <p:stCondLst>
+                                    <p:cond delay="0"/>
+                                  </p:stCondLst>
+                                  <p:childTnLst>
+                                    <p:set>
+                                      <p:cBhvr>
+                                        <p:cTn id="18" dur="1" fill="hold">
+                                          <p:stCondLst>
+                                            <p:cond delay="0"/>
+                                          </p:stCondLst>
+                                        </p:cTn>
+                                        <p:tgtEl>
+                                          <p:spTgt spid="3">
+                                            <p:txEl>
+                                              <p:pRg st="4" end="4"/>
+                                            </p:txEl>
+                                          </p:spTgt>
+                                        </p:tgtEl>
+                                        <p:attrNameLst>
+                                          <p:attrName>style.visibility</p:attrName>
+                                        </p:attrNameLst>
+                                      </p:cBhvr>
+                                      <p:to>
+                                        <p:strVal val="visible"/>
+                                      </p:to>
+                                    </p:set>
+                                  </p:childTnLst>
+                                </p:cTn>
+                              </p:par>
+                            </p:childTnLst>
+                          </p:cTn>
+                        </p:par>
+                      </p:childTnLst>
+                    </p:cTn>
+                  </p:par>
+                  <p:par>
+                    <p:cTn id="19" fill="hold">
+                      <p:stCondLst>
+                        <p:cond delay="indefinite"/>
+                      </p:stCondLst>
+                      <p:childTnLst>
+                        <p:par>
+                          <p:cTn id="20" fill="hold">
+                            <p:stCondLst>
+                              <p:cond delay="0"/>
+                            </p:stCondLst>
+                            <p:childTnLst>
+                              <p:par>
+                                <p:cTn id="21" presetID="1" presetClass="entr" presetSubtype="0" fill="hold" grpId="0" nodeType="clickEffect">
+                                  <p:stCondLst>
+                                    <p:cond delay="0"/>
+                                  </p:stCondLst>
+                                  <p:childTnLst>
+                                    <p:set>
+                                      <p:cBhvr>
+                                        <p:cTn id="22" dur="1" fill="hold">
+                                          <p:stCondLst>
+                                            <p:cond delay="0"/>
+                                          </p:stCondLst>
+                                        </p:cTn>
+                                        <p:tgtEl>
+                                          <p:spTgt spid="3">
+                                            <p:txEl>
+                                              <p:pRg st="5" end="5"/>
+                                            </p:txEl>
+                                          </p:spTgt>
+                                        </p:tgtEl>
+                                        <p:attrNameLst>
+                                          <p:attrName>style.visibility</p:attrName>
+                                        </p:attrNameLst>
+                                      </p:cBhvr>
+                                      <p:to>
+                                        <p:strVal val="visible"/>
+                                      </p:to>
+                                    </p:set>
+                                  </p:childTnLst>
+                                </p:cTn>
+                              </p:par>
+                            </p:childTnLst>
+                          </p:cTn>
+                        </p:par>
+                      </p:childTnLst>
+                    </p:cTn>
+                  </p:par>
+                </p:childTnLst>
+              </p:cTn>
+              <p:prevCondLst>
+                <p:cond evt="onPrev" delay="0">
+                  <p:tgtEl>
+                    <p:sldTgt/>
+                  </p:tgtEl>
+                </p:cond>
+              </p:prevCondLst>
+              <p:nextCondLst>
+                <p:cond evt="onNext" delay="0">
+                  <p:tgtEl>
+                    <p:sldTgt/>
+                  </p:tgtEl>
+                </p:cond>
+              </p:nextCondLst>
+            </p:seq>
+          </p:childTnLst>
+        </p:cTn>
       </p:par>
     </p:tnLst>
+    <p:bldLst>
+      <p:bldP spid="3" grpId="0" build="p"/>
+    </p:bldLst>
   </p:timing>
 </p:sld>
 </file>
@@ -7384,22 +7686,13 @@
           <a:p>
             <a:r>
               <a:rPr lang="en-US" dirty="0"/>
-              <a:t>Control transfer between MPI and Charm++ analogous to the control transfer between a program and an external library being used by the program</a:t>
-            </a:r>
-          </a:p>
-          <a:p>
-            <a:r>
-              <a:rPr lang="en-US" dirty="0"/>
-              <a:t>Currently requires </a:t>
-            </a:r>
-            <a:r>
-              <a:rPr lang="en-US" dirty="0" err="1"/>
-              <a:t>mpi</a:t>
-            </a:r>
-            <a:r>
-              <a:rPr lang="en-US" dirty="0"/>
-              <a:t>-based build of Charm++</a:t>
-            </a:r>
+              <a:t>Control transfer between MPI and Charm++ analogous to the control transfer between a program and an external library being used by the </a:t>
+            </a:r>
+            <a:r>
+              <a:rPr lang="en-US" dirty="0" smtClean="0"/>
+              <a:t>program</a:t>
+            </a:r>
+            <a:endParaRPr lang="en-US" dirty="0"/>
           </a:p>
         </p:txBody>
       </p:sp>
@@ -7487,9 +7780,167 @@
   <p:timing>
     <p:tnLst>
       <p:par>
-        <p:cTn xmlns:p14="http://schemas.microsoft.com/office/powerpoint/2010/main" id="1" dur="indefinite" restart="never" nodeType="tmRoot"/>
+        <p:cTn xmlns:p14="http://schemas.microsoft.com/office/powerpoint/2010/main" id="1" dur="indefinite" restart="never" nodeType="tmRoot">
+          <p:childTnLst>
+            <p:seq concurrent="1" nextAc="seek">
+              <p:cTn id="2" dur="indefinite" nodeType="mainSeq">
+                <p:childTnLst>
+                  <p:par>
+                    <p:cTn id="3" fill="hold">
+                      <p:stCondLst>
+                        <p:cond delay="indefinite"/>
+                        <p:cond evt="onBegin" delay="0">
+                          <p:tn val="2"/>
+                        </p:cond>
+                      </p:stCondLst>
+                      <p:childTnLst>
+                        <p:par>
+                          <p:cTn id="4" fill="hold">
+                            <p:stCondLst>
+                              <p:cond delay="0"/>
+                            </p:stCondLst>
+                            <p:childTnLst>
+                              <p:par>
+                                <p:cTn id="5" presetID="1" presetClass="entr" presetSubtype="0" fill="hold" grpId="0" nodeType="withEffect">
+                                  <p:stCondLst>
+                                    <p:cond delay="0"/>
+                                  </p:stCondLst>
+                                  <p:childTnLst>
+                                    <p:set>
+                                      <p:cBhvr>
+                                        <p:cTn id="6" dur="1" fill="hold">
+                                          <p:stCondLst>
+                                            <p:cond delay="0"/>
+                                          </p:stCondLst>
+                                        </p:cTn>
+                                        <p:tgtEl>
+                                          <p:spTgt spid="3">
+                                            <p:txEl>
+                                              <p:pRg st="0" end="0"/>
+                                            </p:txEl>
+                                          </p:spTgt>
+                                        </p:tgtEl>
+                                        <p:attrNameLst>
+                                          <p:attrName>style.visibility</p:attrName>
+                                        </p:attrNameLst>
+                                      </p:cBhvr>
+                                      <p:to>
+                                        <p:strVal val="visible"/>
+                                      </p:to>
+                                    </p:set>
+                                  </p:childTnLst>
+                                </p:cTn>
+                              </p:par>
+                              <p:par>
+                                <p:cTn id="7" presetID="1" presetClass="entr" presetSubtype="0" fill="hold" grpId="0" nodeType="withEffect">
+                                  <p:stCondLst>
+                                    <p:cond delay="0"/>
+                                  </p:stCondLst>
+                                  <p:childTnLst>
+                                    <p:set>
+                                      <p:cBhvr>
+                                        <p:cTn id="8" dur="1" fill="hold">
+                                          <p:stCondLst>
+                                            <p:cond delay="0"/>
+                                          </p:stCondLst>
+                                        </p:cTn>
+                                        <p:tgtEl>
+                                          <p:spTgt spid="3">
+                                            <p:txEl>
+                                              <p:pRg st="1" end="1"/>
+                                            </p:txEl>
+                                          </p:spTgt>
+                                        </p:tgtEl>
+                                        <p:attrNameLst>
+                                          <p:attrName>style.visibility</p:attrName>
+                                        </p:attrNameLst>
+                                      </p:cBhvr>
+                                      <p:to>
+                                        <p:strVal val="visible"/>
+                                      </p:to>
+                                    </p:set>
+                                  </p:childTnLst>
+                                </p:cTn>
+                              </p:par>
+                            </p:childTnLst>
+                          </p:cTn>
+                        </p:par>
+                      </p:childTnLst>
+                    </p:cTn>
+                  </p:par>
+                  <p:par>
+                    <p:cTn id="9" fill="hold">
+                      <p:stCondLst>
+                        <p:cond delay="indefinite"/>
+                      </p:stCondLst>
+                      <p:childTnLst>
+                        <p:par>
+                          <p:cTn id="10" fill="hold">
+                            <p:stCondLst>
+                              <p:cond delay="0"/>
+                            </p:stCondLst>
+                            <p:childTnLst>
+                              <p:par>
+                                <p:cTn id="11" presetID="1" presetClass="entr" presetSubtype="0" fill="hold" grpId="0" nodeType="clickEffect">
+                                  <p:stCondLst>
+                                    <p:cond delay="0"/>
+                                  </p:stCondLst>
+                                  <p:childTnLst>
+                                    <p:set>
+                                      <p:cBhvr>
+                                        <p:cTn id="12" dur="1" fill="hold">
+                                          <p:stCondLst>
+                                            <p:cond delay="0"/>
+                                          </p:stCondLst>
+                                        </p:cTn>
+                                        <p:tgtEl>
+                                          <p:spTgt spid="3">
+                                            <p:txEl>
+                                              <p:pRg st="2" end="2"/>
+                                            </p:txEl>
+                                          </p:spTgt>
+                                        </p:tgtEl>
+                                        <p:attrNameLst>
+                                          <p:attrName>style.visibility</p:attrName>
+                                        </p:attrNameLst>
+                                      </p:cBhvr>
+                                      <p:to>
+                                        <p:strVal val="visible"/>
+                                      </p:to>
+                                    </p:set>
+                                  </p:childTnLst>
+                                </p:cTn>
+                              </p:par>
+                            </p:childTnLst>
+                          </p:cTn>
+                        </p:par>
+                      </p:childTnLst>
+                    </p:cTn>
+                  </p:par>
+                </p:childTnLst>
+              </p:cTn>
+              <p:prevCondLst>
+                <p:cond evt="onPrev" delay="0">
+                  <p:tgtEl>
+                    <p:sldTgt/>
+                  </p:tgtEl>
+                </p:cond>
+              </p:prevCondLst>
+              <p:nextCondLst>
+                <p:cond evt="onNext" delay="0">
+                  <p:tgtEl>
+                    <p:sldTgt/>
+                  </p:tgtEl>
+                </p:cond>
+              </p:nextCondLst>
+            </p:seq>
+          </p:childTnLst>
+        </p:cTn>
       </p:par>
     </p:tnLst>
+    <p:bldLst>
+      <p:bldP spid="3" grpId="0" build="p"/>
+    </p:bldLst>
   </p:timing>
 </p:sld>
 </file>

--- a/tutorial-11-interoperability.pptx
+++ b/tutorial-11-interoperability.pptx
@@ -206,7 +206,7 @@
           <a:p>
             <a:fld id="{775CE290-E0F5-444C-B849-A8F17CD4104C}" type="datetimeFigureOut">
               <a:rPr lang="en-US" smtClean="0"/>
-              <a:t>9/10/14</a:t>
+              <a:t>9/12/14</a:t>
             </a:fld>
             <a:endParaRPr lang="en-US"/>
           </a:p>
@@ -372,7 +372,7 @@
           <a:p>
             <a:fld id="{AD53A24C-4135-094C-957B-35852E7EDFA4}" type="datetimeFigureOut">
               <a:rPr lang="en-US" smtClean="0"/>
-              <a:t>9/10/14</a:t>
+              <a:t>9/12/14</a:t>
             </a:fld>
             <a:endParaRPr lang="en-US"/>
           </a:p>
@@ -831,9 +831,9 @@
           <a:bodyPr/>
           <a:lstStyle/>
           <a:p>
-            <a:fld id="{B594EA25-E4F4-3746-A0BA-A11E27330E0F}" type="datetime2">
-              <a:rPr lang="en-US" smtClean="0"/>
-              <a:t>Wednesday, September 10, 14</a:t>
+            <a:fld id="{A7101728-1243-104F-A384-6EDD9217F7B6}" type="datetime2">
+              <a:rPr lang="en-US" smtClean="0"/>
+              <a:t>Friday, September 12, 14</a:t>
             </a:fld>
             <a:endParaRPr lang="en-US"/>
           </a:p>
@@ -857,7 +857,7 @@
             <a:pPr algn="r"/>
             <a:r>
               <a:rPr lang="en-US" smtClean="0"/>
-              <a:t>Sanjay Kalé and PPL (UIUC) – Parallel Migratable Objects </a:t>
+              <a:t>Laxmikant Kalé and PPL (UIUC) – Parallel Migratable Objects </a:t>
             </a:r>
             <a:endParaRPr lang="en-US" dirty="0"/>
           </a:p>
@@ -1136,7 +1136,7 @@
                 <a:latin typeface="Times New Roman"/>
                 <a:cs typeface="Times New Roman"/>
               </a:rPr>
-              <a:t>September 10, 2014</a:t>
+              <a:t>September 12, 2014</a:t>
             </a:fld>
             <a:endParaRPr lang="en-US" dirty="0">
               <a:latin typeface="Times New Roman"/>
@@ -1410,7 +1410,7 @@
                 <a:latin typeface="Times New Roman"/>
                 <a:cs typeface="Times New Roman"/>
               </a:rPr>
-              <a:t>September 10, 2014</a:t>
+              <a:t>September 12, 2014</a:t>
             </a:fld>
             <a:endParaRPr lang="en-US" dirty="0">
               <a:latin typeface="Times New Roman"/>
@@ -1643,9 +1643,9 @@
           <a:bodyPr/>
           <a:lstStyle/>
           <a:p>
-            <a:fld id="{EA699BF9-66CB-F244-8E74-7B1BE1C77046}" type="datetime2">
-              <a:rPr lang="en-US" smtClean="0"/>
-              <a:t>Wednesday, September 10, 14</a:t>
+            <a:fld id="{1CE9E093-A4A8-834C-95CC-9F78DA16A6FF}" type="datetime2">
+              <a:rPr lang="en-US" smtClean="0"/>
+              <a:t>Friday, September 12, 14</a:t>
             </a:fld>
             <a:endParaRPr lang="en-US"/>
           </a:p>
@@ -1669,7 +1669,7 @@
             <a:pPr algn="r"/>
             <a:r>
               <a:rPr lang="en-US" smtClean="0"/>
-              <a:t>Sanjay Kalé and PPL (UIUC) – Parallel Migratable Objects </a:t>
+              <a:t>Laxmikant Kalé and PPL (UIUC) – Parallel Migratable Objects </a:t>
             </a:r>
             <a:endParaRPr lang="en-US" dirty="0"/>
           </a:p>
@@ -1954,9 +1954,9 @@
           <a:bodyPr/>
           <a:lstStyle/>
           <a:p>
-            <a:fld id="{D300BE84-9843-8B4F-B3C8-647B06AC46C9}" type="datetime2">
-              <a:rPr lang="en-US" smtClean="0"/>
-              <a:t>Wednesday, September 10, 14</a:t>
+            <a:fld id="{30D46E91-AC09-6249-BD8E-044CFE1C6098}" type="datetime2">
+              <a:rPr lang="en-US" smtClean="0"/>
+              <a:t>Friday, September 12, 14</a:t>
             </a:fld>
             <a:endParaRPr lang="en-US"/>
           </a:p>
@@ -1980,7 +1980,7 @@
             <a:pPr algn="r"/>
             <a:r>
               <a:rPr lang="en-US" smtClean="0"/>
-              <a:t>Sanjay Kalé and PPL (UIUC) – Parallel Migratable Objects </a:t>
+              <a:t>Laxmikant Kalé and PPL (UIUC) – Parallel Migratable Objects </a:t>
             </a:r>
             <a:endParaRPr lang="en-US" dirty="0"/>
           </a:p>
@@ -2125,9 +2125,9 @@
           <a:bodyPr/>
           <a:lstStyle/>
           <a:p>
-            <a:fld id="{C460AE39-2092-A945-8296-F25085B9A0F1}" type="datetime2">
-              <a:rPr lang="en-US" smtClean="0"/>
-              <a:t>Wednesday, September 10, 14</a:t>
+            <a:fld id="{8B544E8B-5DDF-434B-93A8-A78291B336B5}" type="datetime2">
+              <a:rPr lang="en-US" smtClean="0"/>
+              <a:t>Friday, September 12, 14</a:t>
             </a:fld>
             <a:endParaRPr lang="en-US"/>
           </a:p>
@@ -2151,7 +2151,7 @@
             <a:pPr algn="r"/>
             <a:r>
               <a:rPr lang="en-US" smtClean="0"/>
-              <a:t>Sanjay Kalé and PPL (UIUC) – Parallel Migratable Objects </a:t>
+              <a:t>Laxmikant Kalé and PPL (UIUC) – Parallel Migratable Objects </a:t>
             </a:r>
             <a:endParaRPr lang="en-US" dirty="0"/>
           </a:p>
@@ -2306,9 +2306,9 @@
           <a:bodyPr/>
           <a:lstStyle/>
           <a:p>
-            <a:fld id="{63BC7E9D-3218-5E49-A867-E087AB2F4618}" type="datetime2">
-              <a:rPr lang="en-US" smtClean="0"/>
-              <a:t>Wednesday, September 10, 14</a:t>
+            <a:fld id="{146A308A-08F9-C34B-9D30-3A38C423DC7C}" type="datetime2">
+              <a:rPr lang="en-US" smtClean="0"/>
+              <a:t>Friday, September 12, 14</a:t>
             </a:fld>
             <a:endParaRPr lang="en-US"/>
           </a:p>
@@ -2332,7 +2332,7 @@
             <a:pPr algn="r"/>
             <a:r>
               <a:rPr lang="en-US" smtClean="0"/>
-              <a:t>Sanjay Kalé and PPL (UIUC) – Parallel Migratable Objects </a:t>
+              <a:t>Laxmikant Kalé and PPL (UIUC) – Parallel Migratable Objects </a:t>
             </a:r>
             <a:endParaRPr lang="en-US" dirty="0"/>
           </a:p>
@@ -2560,9 +2560,9 @@
           <a:bodyPr/>
           <a:lstStyle/>
           <a:p>
-            <a:fld id="{B594EA25-E4F4-3746-A0BA-A11E27330E0F}" type="datetime2">
-              <a:rPr lang="en-US" smtClean="0"/>
-              <a:t>Wednesday, September 10, 14</a:t>
+            <a:fld id="{2B70F8BF-BBFC-8E4B-A0E0-62206E3E2FCB}" type="datetime2">
+              <a:rPr lang="en-US" smtClean="0"/>
+              <a:t>Friday, September 12, 14</a:t>
             </a:fld>
             <a:endParaRPr lang="en-US"/>
           </a:p>
@@ -2586,7 +2586,7 @@
             <a:pPr algn="r"/>
             <a:r>
               <a:rPr lang="en-US" smtClean="0"/>
-              <a:t>Sanjay Kalé and PPL (UIUC) – Parallel Migratable Objects </a:t>
+              <a:t>Laxmikant Kalé and PPL (UIUC) – Parallel Migratable Objects </a:t>
             </a:r>
             <a:endParaRPr lang="en-US" dirty="0"/>
           </a:p>
@@ -2865,7 +2865,7 @@
                 <a:latin typeface="Times New Roman"/>
                 <a:cs typeface="Times New Roman"/>
               </a:rPr>
-              <a:t>September 10, 2014</a:t>
+              <a:t>September 12, 2014</a:t>
             </a:fld>
             <a:endParaRPr lang="en-US" dirty="0">
               <a:latin typeface="Times New Roman"/>
@@ -2989,9 +2989,9 @@
           <a:bodyPr/>
           <a:lstStyle/>
           <a:p>
-            <a:fld id="{BD5AFB16-13FE-DF4A-8CB7-09756A57B2EA}" type="datetime2">
-              <a:rPr lang="en-US" smtClean="0"/>
-              <a:t>Wednesday, September 10, 14</a:t>
+            <a:fld id="{56AD64E3-8EB1-BD42-87BF-21D316A2DD20}" type="datetime2">
+              <a:rPr lang="en-US" smtClean="0"/>
+              <a:t>Friday, September 12, 14</a:t>
             </a:fld>
             <a:endParaRPr lang="en-US" dirty="0"/>
           </a:p>
@@ -3015,7 +3015,7 @@
             <a:pPr algn="r"/>
             <a:r>
               <a:rPr lang="en-US" smtClean="0"/>
-              <a:t>Sanjay Kalé and PPL (UIUC) – Parallel Migratable Objects </a:t>
+              <a:t>Laxmikant Kalé and PPL (UIUC) – Parallel Migratable Objects </a:t>
             </a:r>
             <a:endParaRPr lang="en-US" dirty="0"/>
           </a:p>
@@ -3518,9 +3518,9 @@
             </a:lvl1pPr>
           </a:lstStyle>
           <a:p>
-            <a:fld id="{30545249-FD76-6844-B252-CAB05FC2DAA8}" type="datetime2">
-              <a:rPr lang="en-US" smtClean="0"/>
-              <a:t>Wednesday, September 10, 14</a:t>
+            <a:fld id="{D4966BBB-B9CA-084C-9009-7710E9328DCD}" type="datetime2">
+              <a:rPr lang="en-US" smtClean="0"/>
+              <a:t>Friday, September 12, 14</a:t>
             </a:fld>
             <a:endParaRPr lang="en-US" dirty="0"/>
           </a:p>
@@ -3551,7 +3551,7 @@
             <a:pPr algn="r"/>
             <a:r>
               <a:rPr lang="en-US" smtClean="0"/>
-              <a:t>Sanjay Kalé and PPL (UIUC) – Parallel Migratable Objects </a:t>
+              <a:t>Laxmikant Kalé and PPL (UIUC) – Parallel Migratable Objects </a:t>
             </a:r>
             <a:endParaRPr lang="en-US" dirty="0"/>
           </a:p>
@@ -3814,9 +3814,9 @@
           <a:bodyPr/>
           <a:lstStyle/>
           <a:p>
-            <a:fld id="{34621E95-60A9-FF44-9869-513D9D7A859F}" type="datetime2">
-              <a:rPr lang="en-US" smtClean="0"/>
-              <a:t>Wednesday, September 10, 14</a:t>
+            <a:fld id="{8D64DF58-4474-6A4B-970A-C5C7B5F7310A}" type="datetime2">
+              <a:rPr lang="en-US" smtClean="0"/>
+              <a:t>Friday, September 12, 14</a:t>
             </a:fld>
             <a:endParaRPr lang="en-US"/>
           </a:p>
@@ -3840,7 +3840,7 @@
             <a:pPr algn="r"/>
             <a:r>
               <a:rPr lang="en-US" smtClean="0"/>
-              <a:t>Sanjay Kalé and PPL (UIUC) – Parallel Migratable Objects </a:t>
+              <a:t>Laxmikant Kalé and PPL (UIUC) – Parallel Migratable Objects </a:t>
             </a:r>
             <a:endParaRPr lang="en-US" dirty="0"/>
           </a:p>
@@ -3933,9 +3933,9 @@
           <a:bodyPr/>
           <a:lstStyle/>
           <a:p>
-            <a:fld id="{BD5AFB16-13FE-DF4A-8CB7-09756A57B2EA}" type="datetime2">
-              <a:rPr lang="en-US" smtClean="0"/>
-              <a:t>Wednesday, September 10, 14</a:t>
+            <a:fld id="{363E7B92-F254-7F4A-8B53-B2F98538D66F}" type="datetime2">
+              <a:rPr lang="en-US" smtClean="0"/>
+              <a:t>Friday, September 12, 14</a:t>
             </a:fld>
             <a:endParaRPr lang="en-US" dirty="0"/>
           </a:p>
@@ -3959,7 +3959,7 @@
             <a:pPr algn="r"/>
             <a:r>
               <a:rPr lang="en-US" smtClean="0"/>
-              <a:t>Sanjay Kalé and PPL (UIUC) – Parallel Migratable Objects </a:t>
+              <a:t>Laxmikant Kalé and PPL (UIUC) – Parallel Migratable Objects </a:t>
             </a:r>
             <a:endParaRPr lang="en-US" dirty="0"/>
           </a:p>
@@ -4420,9 +4420,9 @@
           <a:bodyPr/>
           <a:lstStyle/>
           <a:p>
-            <a:fld id="{1BDEC705-8EA9-6C46-8E3B-2CAC7E2C0F7D}" type="datetime2">
-              <a:rPr lang="en-US" smtClean="0"/>
-              <a:t>Wednesday, September 10, 14</a:t>
+            <a:fld id="{9F4A3DA2-3990-B44A-96C1-A0E9A598D2E4}" type="datetime2">
+              <a:rPr lang="en-US" smtClean="0"/>
+              <a:t>Friday, September 12, 14</a:t>
             </a:fld>
             <a:endParaRPr lang="en-US"/>
           </a:p>
@@ -4446,7 +4446,7 @@
             <a:pPr algn="r"/>
             <a:r>
               <a:rPr lang="en-US" smtClean="0"/>
-              <a:t>Sanjay Kalé and PPL (UIUC) – Parallel Migratable Objects </a:t>
+              <a:t>Laxmikant Kalé and PPL (UIUC) – Parallel Migratable Objects </a:t>
             </a:r>
             <a:endParaRPr lang="en-US" dirty="0"/>
           </a:p>
@@ -4751,9 +4751,9 @@
             </a:lvl1pPr>
           </a:lstStyle>
           <a:p>
-            <a:fld id="{BF613BD3-C5FD-9543-B738-679BF38D8C83}" type="datetime2">
-              <a:rPr lang="en-US" smtClean="0"/>
-              <a:t>Wednesday, September 10, 14</a:t>
+            <a:fld id="{8B218334-DACA-AB40-BE54-0ED3EE8528F4}" type="datetime2">
+              <a:rPr lang="en-US" smtClean="0"/>
+              <a:t>Friday, September 12, 14</a:t>
             </a:fld>
             <a:endParaRPr lang="en-US" dirty="0"/>
           </a:p>
@@ -4784,7 +4784,7 @@
             <a:pPr algn="r"/>
             <a:r>
               <a:rPr lang="en-US" smtClean="0"/>
-              <a:t>Sanjay Kalé and PPL (UIUC) – Parallel Migratable Objects </a:t>
+              <a:t>Laxmikant Kalé and PPL (UIUC) – Parallel Migratable Objects </a:t>
             </a:r>
             <a:endParaRPr lang="en-US" dirty="0"/>
           </a:p>
@@ -5230,9 +5230,9 @@
           <a:bodyPr/>
           <a:lstStyle/>
           <a:p>
-            <a:fld id="{4B5E4F0C-9A9C-5448-99FD-D30288B385C9}" type="datetime2">
-              <a:rPr lang="en-US" smtClean="0"/>
-              <a:t>Wednesday, September 10, 14</a:t>
+            <a:fld id="{3D1E8454-5560-5F46-8A2A-6838C24687D9}" type="datetime2">
+              <a:rPr lang="en-US" smtClean="0"/>
+              <a:t>Friday, September 12, 14</a:t>
             </a:fld>
             <a:endParaRPr lang="en-US"/>
           </a:p>
@@ -5256,7 +5256,7 @@
             <a:pPr algn="r"/>
             <a:r>
               <a:rPr lang="en-US" smtClean="0"/>
-              <a:t>Sanjay Kalé and PPL (UIUC) – Parallel Migratable Objects </a:t>
+              <a:t>Laxmikant Kalé and PPL (UIUC) – Parallel Migratable Objects </a:t>
             </a:r>
             <a:endParaRPr lang="en-US" dirty="0"/>
           </a:p>
@@ -5526,9 +5526,9 @@
             </a:lvl1pPr>
           </a:lstStyle>
           <a:p>
-            <a:fld id="{30545249-FD76-6844-B252-CAB05FC2DAA8}" type="datetime2">
-              <a:rPr lang="en-US" smtClean="0"/>
-              <a:t>Wednesday, September 10, 14</a:t>
+            <a:fld id="{A6400DD5-FEE9-CE43-8BEE-4D04E339951D}" type="datetime2">
+              <a:rPr lang="en-US" smtClean="0"/>
+              <a:t>Friday, September 12, 14</a:t>
             </a:fld>
             <a:endParaRPr lang="en-US" dirty="0"/>
           </a:p>
@@ -5559,7 +5559,7 @@
             <a:pPr algn="r"/>
             <a:r>
               <a:rPr lang="en-US" smtClean="0"/>
-              <a:t>Sanjay Kalé and PPL (UIUC) – Parallel Migratable Objects </a:t>
+              <a:t>Laxmikant Kalé and PPL (UIUC) – Parallel Migratable Objects </a:t>
             </a:r>
             <a:endParaRPr lang="en-US" dirty="0"/>
           </a:p>
@@ -5769,9 +5769,9 @@
           <a:bodyPr/>
           <a:lstStyle/>
           <a:p>
-            <a:fld id="{CC859171-EEDD-0B48-A5C0-E7218AE20EA7}" type="datetime2">
-              <a:rPr lang="en-US" smtClean="0"/>
-              <a:t>Wednesday, September 10, 14</a:t>
+            <a:fld id="{4AD5B48B-6917-9F4B-A84A-F6B87A430C63}" type="datetime2">
+              <a:rPr lang="en-US" smtClean="0"/>
+              <a:t>Friday, September 12, 14</a:t>
             </a:fld>
             <a:endParaRPr lang="en-US"/>
           </a:p>
@@ -5795,7 +5795,7 @@
             <a:pPr algn="r"/>
             <a:r>
               <a:rPr lang="en-US" smtClean="0"/>
-              <a:t>Sanjay Kalé and PPL (UIUC) – Parallel Migratable Objects </a:t>
+              <a:t>Laxmikant Kalé and PPL (UIUC) – Parallel Migratable Objects </a:t>
             </a:r>
             <a:endParaRPr lang="en-US" dirty="0"/>
           </a:p>
@@ -5865,9 +5865,9 @@
           <a:bodyPr/>
           <a:lstStyle/>
           <a:p>
-            <a:fld id="{C32F9216-0342-7440-9504-BD6C1382BF27}" type="datetime2">
-              <a:rPr lang="en-US" smtClean="0"/>
-              <a:t>Wednesday, September 10, 14</a:t>
+            <a:fld id="{CC3DB8FB-1F10-6F48-88DD-16F852CF6CD9}" type="datetime2">
+              <a:rPr lang="en-US" smtClean="0"/>
+              <a:t>Friday, September 12, 14</a:t>
             </a:fld>
             <a:endParaRPr lang="en-US"/>
           </a:p>
@@ -5891,7 +5891,7 @@
             <a:pPr algn="r"/>
             <a:r>
               <a:rPr lang="en-US" smtClean="0"/>
-              <a:t>Sanjay Kalé and PPL (UIUC) – Parallel Migratable Objects </a:t>
+              <a:t>Laxmikant Kalé and PPL (UIUC) – Parallel Migratable Objects </a:t>
             </a:r>
             <a:endParaRPr lang="en-US" dirty="0"/>
           </a:p>
@@ -6040,7 +6040,7 @@
           <a:p>
             <a:r>
               <a:rPr lang="en-US" smtClean="0"/>
-              <a:t>Sanjay Kalé and PPL (UIUC) – Parallel Migratable Objects </a:t>
+              <a:t>Laxmikant Kalé and PPL (UIUC) – Parallel Migratable Objects </a:t>
             </a:r>
             <a:endParaRPr lang="en-US" dirty="0"/>
           </a:p>
@@ -6180,9 +6180,9 @@
             </a:lvl1pPr>
           </a:lstStyle>
           <a:p>
-            <a:fld id="{D36DC8F2-AD63-E841-8C23-5DC3A41041BE}" type="datetime2">
-              <a:rPr lang="en-US" smtClean="0"/>
-              <a:t>Wednesday, September 10, 14</a:t>
+            <a:fld id="{3F981111-AE1F-674B-AD34-C388FC52A32C}" type="datetime2">
+              <a:rPr lang="en-US" smtClean="0"/>
+              <a:t>Friday, September 12, 14</a:t>
             </a:fld>
             <a:endParaRPr lang="en-US" dirty="0"/>
           </a:p>
@@ -6258,7 +6258,7 @@
       </p:par>
     </p:tnLst>
   </p:timing>
-  <p:hf hdr="0"/>
+  <p:hf hdr="0" dt="0"/>
   <p:txStyles>
     <p:titleStyle>
       <a:lvl1pPr algn="l" defTabSz="914400" rtl="0" eaLnBrk="1" latinLnBrk="0" hangingPunct="1">
@@ -6657,11 +6657,7 @@
             </a:pPr>
             <a:r>
               <a:rPr lang="en-US" dirty="0" smtClean="0"/>
-              <a:t>Hello </a:t>
-            </a:r>
-            <a:r>
-              <a:rPr lang="en-US" dirty="0" smtClean="0"/>
-              <a:t>World</a:t>
+              <a:t>Hello World</a:t>
             </a:r>
           </a:p>
           <a:p>
@@ -6765,11 +6761,7 @@
             </a:pPr>
             <a:r>
               <a:rPr lang="en-US" dirty="0" smtClean="0"/>
-              <a:t>Structured </a:t>
-            </a:r>
-            <a:r>
-              <a:rPr lang="en-US" dirty="0" smtClean="0"/>
-              <a:t>Dagger</a:t>
+              <a:t>Structured Dagger</a:t>
             </a:r>
           </a:p>
           <a:p>
@@ -6860,12 +6852,12 @@
       </p:sp>
       <p:sp>
         <p:nvSpPr>
-          <p:cNvPr id="4" name="Date Placeholder 3"/>
-          <p:cNvSpPr>
-            <a:spLocks noGrp="1"/>
-          </p:cNvSpPr>
-          <p:nvPr>
-            <p:ph type="dt" sz="half" idx="10"/>
+          <p:cNvPr id="5" name="Footer Placeholder 4"/>
+          <p:cNvSpPr>
+            <a:spLocks noGrp="1"/>
+          </p:cNvSpPr>
+          <p:nvPr>
+            <p:ph type="ftr" sz="quarter" idx="11"/>
           </p:nvPr>
         </p:nvSpPr>
         <p:spPr/>
@@ -6873,33 +6865,10 @@
           <a:bodyPr/>
           <a:lstStyle/>
           <a:p>
-            <a:fld id="{7DCE861A-EA6B-EA43-8AA5-DB216DBB40BC}" type="datetime2">
-              <a:rPr lang="en-US" smtClean="0"/>
-              <a:t>Wednesday, September 10, 14</a:t>
-            </a:fld>
-            <a:endParaRPr lang="en-US"/>
-          </a:p>
-        </p:txBody>
-      </p:sp>
-      <p:sp>
-        <p:nvSpPr>
-          <p:cNvPr id="5" name="Footer Placeholder 4"/>
-          <p:cNvSpPr>
-            <a:spLocks noGrp="1"/>
-          </p:cNvSpPr>
-          <p:nvPr>
-            <p:ph type="ftr" sz="quarter" idx="11"/>
-          </p:nvPr>
-        </p:nvSpPr>
-        <p:spPr/>
-        <p:txBody>
-          <a:bodyPr/>
-          <a:lstStyle/>
-          <a:p>
             <a:pPr algn="r"/>
             <a:r>
               <a:rPr lang="en-US" smtClean="0"/>
-              <a:t>Sanjay Kalé and PPL (UIUC) – Parallel Migratable Objects </a:t>
+              <a:t>Laxmikant Kalé and PPL (UIUC) – Parallel Migratable Objects </a:t>
             </a:r>
             <a:endParaRPr lang="en-US" dirty="0"/>
           </a:p>
@@ -7227,12 +7196,12 @@
       </p:sp>
       <p:sp>
         <p:nvSpPr>
-          <p:cNvPr id="4" name="Date Placeholder 3"/>
-          <p:cNvSpPr>
-            <a:spLocks noGrp="1"/>
-          </p:cNvSpPr>
-          <p:nvPr>
-            <p:ph type="dt" sz="half" idx="10"/>
+          <p:cNvPr id="5" name="Footer Placeholder 4"/>
+          <p:cNvSpPr>
+            <a:spLocks noGrp="1"/>
+          </p:cNvSpPr>
+          <p:nvPr>
+            <p:ph type="ftr" sz="quarter" idx="11"/>
           </p:nvPr>
         </p:nvSpPr>
         <p:spPr/>
@@ -7240,33 +7209,10 @@
           <a:bodyPr/>
           <a:lstStyle/>
           <a:p>
-            <a:fld id="{34621E95-60A9-FF44-9869-513D9D7A859F}" type="datetime2">
-              <a:rPr lang="en-US" smtClean="0"/>
-              <a:t>Wednesday, September 10, 14</a:t>
-            </a:fld>
-            <a:endParaRPr lang="en-US"/>
-          </a:p>
-        </p:txBody>
-      </p:sp>
-      <p:sp>
-        <p:nvSpPr>
-          <p:cNvPr id="5" name="Footer Placeholder 4"/>
-          <p:cNvSpPr>
-            <a:spLocks noGrp="1"/>
-          </p:cNvSpPr>
-          <p:nvPr>
-            <p:ph type="ftr" sz="quarter" idx="11"/>
-          </p:nvPr>
-        </p:nvSpPr>
-        <p:spPr/>
-        <p:txBody>
-          <a:bodyPr/>
-          <a:lstStyle/>
-          <a:p>
             <a:pPr algn="r"/>
             <a:r>
               <a:rPr lang="en-US" smtClean="0"/>
-              <a:t>Sanjay Kalé and PPL (UIUC) – Parallel Migratable Objects </a:t>
+              <a:t>Laxmikant Kalé and PPL (UIUC) – Parallel Migratable Objects </a:t>
             </a:r>
             <a:endParaRPr lang="en-US" dirty="0"/>
           </a:p>
@@ -7698,12 +7644,12 @@
       </p:sp>
       <p:sp>
         <p:nvSpPr>
-          <p:cNvPr id="4" name="Date Placeholder 3"/>
-          <p:cNvSpPr>
-            <a:spLocks noGrp="1"/>
-          </p:cNvSpPr>
-          <p:nvPr>
-            <p:ph type="dt" sz="half" idx="10"/>
+          <p:cNvPr id="5" name="Footer Placeholder 4"/>
+          <p:cNvSpPr>
+            <a:spLocks noGrp="1"/>
+          </p:cNvSpPr>
+          <p:nvPr>
+            <p:ph type="ftr" sz="quarter" idx="11"/>
           </p:nvPr>
         </p:nvSpPr>
         <p:spPr/>
@@ -7711,33 +7657,10 @@
           <a:bodyPr/>
           <a:lstStyle/>
           <a:p>
-            <a:fld id="{34621E95-60A9-FF44-9869-513D9D7A859F}" type="datetime2">
-              <a:rPr lang="en-US" smtClean="0"/>
-              <a:t>Wednesday, September 10, 14</a:t>
-            </a:fld>
-            <a:endParaRPr lang="en-US"/>
-          </a:p>
-        </p:txBody>
-      </p:sp>
-      <p:sp>
-        <p:nvSpPr>
-          <p:cNvPr id="5" name="Footer Placeholder 4"/>
-          <p:cNvSpPr>
-            <a:spLocks noGrp="1"/>
-          </p:cNvSpPr>
-          <p:nvPr>
-            <p:ph type="ftr" sz="quarter" idx="11"/>
-          </p:nvPr>
-        </p:nvSpPr>
-        <p:spPr/>
-        <p:txBody>
-          <a:bodyPr/>
-          <a:lstStyle/>
-          <a:p>
             <a:pPr algn="r"/>
             <a:r>
               <a:rPr lang="en-US" smtClean="0"/>
-              <a:t>Sanjay Kalé and PPL (UIUC) – Parallel Migratable Objects </a:t>
+              <a:t>Laxmikant Kalé and PPL (UIUC) – Parallel Migratable Objects </a:t>
             </a:r>
             <a:endParaRPr lang="en-US" dirty="0"/>
           </a:p>
@@ -7995,12 +7918,12 @@
       </p:sp>
       <p:sp>
         <p:nvSpPr>
-          <p:cNvPr id="4" name="Date Placeholder 3"/>
-          <p:cNvSpPr>
-            <a:spLocks noGrp="1"/>
-          </p:cNvSpPr>
-          <p:nvPr>
-            <p:ph type="dt" sz="half" idx="10"/>
+          <p:cNvPr id="5" name="Footer Placeholder 4"/>
+          <p:cNvSpPr>
+            <a:spLocks noGrp="1"/>
+          </p:cNvSpPr>
+          <p:nvPr>
+            <p:ph type="ftr" sz="quarter" idx="11"/>
           </p:nvPr>
         </p:nvSpPr>
         <p:spPr/>
@@ -8008,33 +7931,10 @@
           <a:bodyPr/>
           <a:lstStyle/>
           <a:p>
-            <a:fld id="{34621E95-60A9-FF44-9869-513D9D7A859F}" type="datetime2">
-              <a:rPr lang="en-US" smtClean="0"/>
-              <a:t>Wednesday, September 10, 14</a:t>
-            </a:fld>
-            <a:endParaRPr lang="en-US"/>
-          </a:p>
-        </p:txBody>
-      </p:sp>
-      <p:sp>
-        <p:nvSpPr>
-          <p:cNvPr id="5" name="Footer Placeholder 4"/>
-          <p:cNvSpPr>
-            <a:spLocks noGrp="1"/>
-          </p:cNvSpPr>
-          <p:nvPr>
-            <p:ph type="ftr" sz="quarter" idx="11"/>
-          </p:nvPr>
-        </p:nvSpPr>
-        <p:spPr/>
-        <p:txBody>
-          <a:bodyPr/>
-          <a:lstStyle/>
-          <a:p>
             <a:pPr algn="r"/>
             <a:r>
               <a:rPr lang="en-US" smtClean="0"/>
-              <a:t>Sanjay Kalé and PPL (UIUC) – Parallel Migratable Objects </a:t>
+              <a:t>Laxmikant Kalé and PPL (UIUC) – Parallel Migratable Objects </a:t>
             </a:r>
             <a:endParaRPr lang="en-US" dirty="0"/>
           </a:p>
@@ -8331,12 +8231,12 @@
       </p:sp>
       <p:sp>
         <p:nvSpPr>
-          <p:cNvPr id="3" name="Date Placeholder 2"/>
-          <p:cNvSpPr>
-            <a:spLocks noGrp="1"/>
-          </p:cNvSpPr>
-          <p:nvPr>
-            <p:ph type="dt" sz="half" idx="10"/>
+          <p:cNvPr id="4" name="Footer Placeholder 3"/>
+          <p:cNvSpPr>
+            <a:spLocks noGrp="1"/>
+          </p:cNvSpPr>
+          <p:nvPr>
+            <p:ph type="ftr" sz="quarter" idx="11"/>
           </p:nvPr>
         </p:nvSpPr>
         <p:spPr/>
@@ -8344,33 +8244,10 @@
           <a:bodyPr/>
           <a:lstStyle/>
           <a:p>
-            <a:fld id="{BD5AFB16-13FE-DF4A-8CB7-09756A57B2EA}" type="datetime2">
-              <a:rPr lang="en-US" smtClean="0"/>
-              <a:t>Wednesday, September 10, 14</a:t>
-            </a:fld>
-            <a:endParaRPr lang="en-US" dirty="0"/>
-          </a:p>
-        </p:txBody>
-      </p:sp>
-      <p:sp>
-        <p:nvSpPr>
-          <p:cNvPr id="4" name="Footer Placeholder 3"/>
-          <p:cNvSpPr>
-            <a:spLocks noGrp="1"/>
-          </p:cNvSpPr>
-          <p:nvPr>
-            <p:ph type="ftr" sz="quarter" idx="11"/>
-          </p:nvPr>
-        </p:nvSpPr>
-        <p:spPr/>
-        <p:txBody>
-          <a:bodyPr/>
-          <a:lstStyle/>
-          <a:p>
             <a:pPr algn="r"/>
             <a:r>
               <a:rPr lang="en-US" smtClean="0"/>
-              <a:t>Sanjay Kalé and PPL (UIUC) – Parallel Migratable Objects </a:t>
+              <a:t>Laxmikant Kalé and PPL (UIUC) – Parallel Migratable Objects </a:t>
             </a:r>
             <a:endParaRPr lang="en-US" dirty="0"/>
           </a:p>
@@ -8935,12 +8812,12 @@
       </p:sp>
       <p:sp>
         <p:nvSpPr>
-          <p:cNvPr id="3" name="Date Placeholder 2"/>
-          <p:cNvSpPr>
-            <a:spLocks noGrp="1"/>
-          </p:cNvSpPr>
-          <p:nvPr>
-            <p:ph type="dt" sz="half" idx="10"/>
+          <p:cNvPr id="4" name="Footer Placeholder 3"/>
+          <p:cNvSpPr>
+            <a:spLocks noGrp="1"/>
+          </p:cNvSpPr>
+          <p:nvPr>
+            <p:ph type="ftr" sz="quarter" idx="11"/>
           </p:nvPr>
         </p:nvSpPr>
         <p:spPr/>
@@ -8948,33 +8825,10 @@
           <a:bodyPr/>
           <a:lstStyle/>
           <a:p>
-            <a:fld id="{BD5AFB16-13FE-DF4A-8CB7-09756A57B2EA}" type="datetime2">
-              <a:rPr lang="en-US" smtClean="0"/>
-              <a:t>Wednesday, September 10, 14</a:t>
-            </a:fld>
-            <a:endParaRPr lang="en-US" dirty="0"/>
-          </a:p>
-        </p:txBody>
-      </p:sp>
-      <p:sp>
-        <p:nvSpPr>
-          <p:cNvPr id="4" name="Footer Placeholder 3"/>
-          <p:cNvSpPr>
-            <a:spLocks noGrp="1"/>
-          </p:cNvSpPr>
-          <p:nvPr>
-            <p:ph type="ftr" sz="quarter" idx="11"/>
-          </p:nvPr>
-        </p:nvSpPr>
-        <p:spPr/>
-        <p:txBody>
-          <a:bodyPr/>
-          <a:lstStyle/>
-          <a:p>
             <a:pPr algn="r"/>
             <a:r>
               <a:rPr lang="en-US" smtClean="0"/>
-              <a:t>Sanjay Kalé and PPL (UIUC) – Parallel Migratable Objects </a:t>
+              <a:t>Laxmikant Kalé and PPL (UIUC) – Parallel Migratable Objects </a:t>
             </a:r>
             <a:endParaRPr lang="en-US" dirty="0"/>
           </a:p>
